--- a/ppts/old/Babbie_7e_PPT_ch_14.pptx
+++ b/ppts/old/Babbie_7e_PPT_ch_14.pptx
@@ -5,7 +5,7 @@
     <p:sldMasterId id="2147483660" r:id="rId1"/>
   </p:sldMasterIdLst>
   <p:notesMasterIdLst>
-    <p:notesMasterId r:id="rId38"/>
+    <p:notesMasterId r:id="rId42"/>
   </p:notesMasterIdLst>
   <p:sldIdLst>
     <p:sldId id="258" r:id="rId2"/>
@@ -16,34 +16,38 @@
     <p:sldId id="381" r:id="rId7"/>
     <p:sldId id="388" r:id="rId8"/>
     <p:sldId id="332" r:id="rId9"/>
-    <p:sldId id="333" r:id="rId10"/>
-    <p:sldId id="334" r:id="rId11"/>
-    <p:sldId id="335" r:id="rId12"/>
-    <p:sldId id="390" r:id="rId13"/>
-    <p:sldId id="391" r:id="rId14"/>
-    <p:sldId id="392" r:id="rId15"/>
-    <p:sldId id="338" r:id="rId16"/>
-    <p:sldId id="339" r:id="rId17"/>
-    <p:sldId id="393" r:id="rId18"/>
-    <p:sldId id="342" r:id="rId19"/>
-    <p:sldId id="394" r:id="rId20"/>
-    <p:sldId id="344" r:id="rId21"/>
-    <p:sldId id="346" r:id="rId22"/>
-    <p:sldId id="354" r:id="rId23"/>
-    <p:sldId id="357" r:id="rId24"/>
-    <p:sldId id="397" r:id="rId25"/>
-    <p:sldId id="395" r:id="rId26"/>
-    <p:sldId id="359" r:id="rId27"/>
-    <p:sldId id="360" r:id="rId28"/>
-    <p:sldId id="384" r:id="rId29"/>
-    <p:sldId id="396" r:id="rId30"/>
-    <p:sldId id="385" r:id="rId31"/>
-    <p:sldId id="386" r:id="rId32"/>
-    <p:sldId id="364" r:id="rId33"/>
-    <p:sldId id="369" r:id="rId34"/>
-    <p:sldId id="371" r:id="rId35"/>
-    <p:sldId id="373" r:id="rId36"/>
-    <p:sldId id="375" r:id="rId37"/>
+    <p:sldId id="344" r:id="rId10"/>
+    <p:sldId id="346" r:id="rId11"/>
+    <p:sldId id="333" r:id="rId12"/>
+    <p:sldId id="334" r:id="rId13"/>
+    <p:sldId id="335" r:id="rId14"/>
+    <p:sldId id="390" r:id="rId15"/>
+    <p:sldId id="391" r:id="rId16"/>
+    <p:sldId id="392" r:id="rId17"/>
+    <p:sldId id="398" r:id="rId18"/>
+    <p:sldId id="338" r:id="rId19"/>
+    <p:sldId id="339" r:id="rId20"/>
+    <p:sldId id="393" r:id="rId21"/>
+    <p:sldId id="399" r:id="rId22"/>
+    <p:sldId id="342" r:id="rId23"/>
+    <p:sldId id="400" r:id="rId24"/>
+    <p:sldId id="394" r:id="rId25"/>
+    <p:sldId id="354" r:id="rId26"/>
+    <p:sldId id="357" r:id="rId27"/>
+    <p:sldId id="397" r:id="rId28"/>
+    <p:sldId id="401" r:id="rId29"/>
+    <p:sldId id="395" r:id="rId30"/>
+    <p:sldId id="359" r:id="rId31"/>
+    <p:sldId id="360" r:id="rId32"/>
+    <p:sldId id="384" r:id="rId33"/>
+    <p:sldId id="396" r:id="rId34"/>
+    <p:sldId id="385" r:id="rId35"/>
+    <p:sldId id="386" r:id="rId36"/>
+    <p:sldId id="364" r:id="rId37"/>
+    <p:sldId id="369" r:id="rId38"/>
+    <p:sldId id="371" r:id="rId39"/>
+    <p:sldId id="373" r:id="rId40"/>
+    <p:sldId id="375" r:id="rId41"/>
   </p:sldIdLst>
   <p:sldSz cx="9144000" cy="6858000" type="screen4x3"/>
   <p:notesSz cx="6858000" cy="9144000"/>
@@ -282,7 +286,7 @@
               <a:pPr>
                 <a:defRPr/>
               </a:pPr>
-              <a:t>7/19/16</a:t>
+              <a:t>10/5/16</a:t>
             </a:fld>
             <a:endParaRPr lang="en-US" dirty="0"/>
           </a:p>
@@ -751,7 +755,7 @@
       </p:grpSpPr>
       <p:sp>
         <p:nvSpPr>
-          <p:cNvPr id="64513" name="Slide Image Placeholder 1"/>
+          <p:cNvPr id="60417" name="Slide Image Placeholder 1"/>
           <p:cNvSpPr>
             <a:spLocks noGrp="1" noRot="1" noChangeAspect="1" noTextEdit="1"/>
           </p:cNvSpPr>
@@ -773,7 +777,7 @@
       </p:sp>
       <p:sp>
         <p:nvSpPr>
-          <p:cNvPr id="3" name="Notes Placeholder 2"/>
+          <p:cNvPr id="60418" name="Notes Placeholder 2"/>
           <p:cNvSpPr>
             <a:spLocks noGrp="1"/>
           </p:cNvSpPr>
@@ -781,10 +785,14 @@
             <p:ph type="body" idx="1"/>
           </p:nvPr>
         </p:nvSpPr>
-        <p:spPr/>
-        <p:txBody>
-          <a:bodyPr>
-            <a:normAutofit fontScale="77500" lnSpcReduction="20000"/>
+        <p:spPr bwMode="auto">
+          <a:noFill/>
+        </p:spPr>
+        <p:txBody>
+          <a:bodyPr wrap="square" numCol="1" anchor="t" anchorCtr="0" compatLnSpc="1">
+            <a:prstTxWarp prst="textNoShape">
+              <a:avLst/>
+            </a:prstTxWarp>
           </a:bodyPr>
           <a:lstStyle/>
           <a:p>
@@ -810,28 +818,22 @@
                 <a:latin typeface="Arial" panose="020B0604020202020204" pitchFamily="34" charset="0"/>
                 <a:cs typeface="Arial" panose="020B0604020202020204" pitchFamily="34" charset="0"/>
               </a:rPr>
-              <a:t>The following are basic approaches to the coding process: you can begin with a well developing coding scheme and/or you can generate codes from your data.</a:t>
-            </a:r>
-          </a:p>
-          <a:p>
-            <a:pPr marL="533400" indent="-533400" fontAlgn="auto">
+              <a:t>The process of converting data to numerical format is called quantification.</a:t>
+            </a:r>
+          </a:p>
+          <a:p>
+            <a:pPr>
               <a:spcBef>
-                <a:spcPts val="0"/>
+                <a:spcPct val="0"/>
               </a:spcBef>
-              <a:spcAft>
-                <a:spcPts val="0"/>
-              </a:spcAft>
-              <a:buFont typeface="Wingdings" pitchFamily="2" charset="2"/>
-              <a:buNone/>
-              <a:defRPr/>
-            </a:pPr>
-            <a:endParaRPr lang="en-US" dirty="0"/>
-          </a:p>
-        </p:txBody>
-      </p:sp>
-      <p:sp>
-        <p:nvSpPr>
-          <p:cNvPr id="64515" name="Slide Number Placeholder 3"/>
+            </a:pPr>
+            <a:endParaRPr lang="en-US" dirty="0" smtClean="0"/>
+          </a:p>
+        </p:txBody>
+      </p:sp>
+      <p:sp>
+        <p:nvSpPr>
+          <p:cNvPr id="60419" name="Slide Number Placeholder 3"/>
           <p:cNvSpPr>
             <a:spLocks noGrp="1"/>
           </p:cNvSpPr>
@@ -863,7 +865,7 @@
                 <a:spcPct val="0"/>
               </a:spcAft>
             </a:pPr>
-            <a:fld id="{34A3E8A6-70C2-4F47-BCA2-BE2C9E3F4285}" type="slidenum">
+            <a:fld id="{5E60B901-C264-4443-B0A3-B4C3A3151F5E}" type="slidenum">
               <a:rPr lang="en-US"/>
               <a:pPr fontAlgn="base">
                 <a:spcBef>
@@ -873,7 +875,7 @@
                   <a:spcPct val="0"/>
                 </a:spcAft>
               </a:pPr>
-              <a:t>34</a:t>
+              <a:t>37</a:t>
             </a:fld>
             <a:endParaRPr lang="en-US" dirty="0"/>
           </a:p>
@@ -906,7 +908,7 @@
       </p:grpSpPr>
       <p:sp>
         <p:nvSpPr>
-          <p:cNvPr id="68609" name="Slide Image Placeholder 1"/>
+          <p:cNvPr id="64513" name="Slide Image Placeholder 1"/>
           <p:cNvSpPr>
             <a:spLocks noGrp="1" noRot="1" noChangeAspect="1" noTextEdit="1"/>
           </p:cNvSpPr>
@@ -928,7 +930,7 @@
       </p:sp>
       <p:sp>
         <p:nvSpPr>
-          <p:cNvPr id="68610" name="Notes Placeholder 2"/>
+          <p:cNvPr id="3" name="Notes Placeholder 2"/>
           <p:cNvSpPr>
             <a:spLocks noGrp="1"/>
           </p:cNvSpPr>
@@ -936,14 +938,10 @@
             <p:ph type="body" idx="1"/>
           </p:nvPr>
         </p:nvSpPr>
-        <p:spPr bwMode="auto">
-          <a:noFill/>
-        </p:spPr>
-        <p:txBody>
-          <a:bodyPr wrap="square" numCol="1" anchor="t" anchorCtr="0" compatLnSpc="1">
-            <a:prstTxWarp prst="textNoShape">
-              <a:avLst/>
-            </a:prstTxWarp>
+        <p:spPr/>
+        <p:txBody>
+          <a:bodyPr>
+            <a:normAutofit fontScale="77500" lnSpcReduction="20000"/>
           </a:bodyPr>
           <a:lstStyle/>
           <a:p>
@@ -956,7 +954,7 @@
                 <a:latin typeface="Arial" panose="020B0604020202020204" pitchFamily="34" charset="0"/>
                 <a:cs typeface="Arial" panose="020B0604020202020204" pitchFamily="34" charset="0"/>
               </a:rPr>
-              <a:t>ANSWER: B.</a:t>
+              <a:t>ANSWER: C.</a:t>
             </a:r>
           </a:p>
           <a:p>
@@ -969,22 +967,28 @@
                 <a:latin typeface="Arial" panose="020B0604020202020204" pitchFamily="34" charset="0"/>
                 <a:cs typeface="Arial" panose="020B0604020202020204" pitchFamily="34" charset="0"/>
               </a:rPr>
-              <a:t>A codebook is a document that describes the locations of variables and lists the assignments of codes to the attributes composing those variables.</a:t>
-            </a:r>
-          </a:p>
-          <a:p>
-            <a:pPr>
+              <a:t>The following are basic approaches to the coding process: you can begin with a well developing coding scheme and/or you can generate codes from your data.</a:t>
+            </a:r>
+          </a:p>
+          <a:p>
+            <a:pPr marL="533400" indent="-533400" fontAlgn="auto">
               <a:spcBef>
-                <a:spcPct val="0"/>
+                <a:spcPts val="0"/>
               </a:spcBef>
-            </a:pPr>
-            <a:endParaRPr lang="en-US" dirty="0" smtClean="0"/>
-          </a:p>
-        </p:txBody>
-      </p:sp>
-      <p:sp>
-        <p:nvSpPr>
-          <p:cNvPr id="68611" name="Slide Number Placeholder 3"/>
+              <a:spcAft>
+                <a:spcPts val="0"/>
+              </a:spcAft>
+              <a:buFont typeface="Wingdings" pitchFamily="2" charset="2"/>
+              <a:buNone/>
+              <a:defRPr/>
+            </a:pPr>
+            <a:endParaRPr lang="en-US" dirty="0"/>
+          </a:p>
+        </p:txBody>
+      </p:sp>
+      <p:sp>
+        <p:nvSpPr>
+          <p:cNvPr id="64515" name="Slide Number Placeholder 3"/>
           <p:cNvSpPr>
             <a:spLocks noGrp="1"/>
           </p:cNvSpPr>
@@ -1016,7 +1020,7 @@
                 <a:spcPct val="0"/>
               </a:spcAft>
             </a:pPr>
-            <a:fld id="{0BA5188B-8BB9-4F17-8DC4-94CC2C581AC3}" type="slidenum">
+            <a:fld id="{34A3E8A6-70C2-4F47-BCA2-BE2C9E3F4285}" type="slidenum">
               <a:rPr lang="en-US"/>
               <a:pPr fontAlgn="base">
                 <a:spcBef>
@@ -1026,7 +1030,7 @@
                   <a:spcPct val="0"/>
                 </a:spcAft>
               </a:pPr>
-              <a:t>35</a:t>
+              <a:t>38</a:t>
             </a:fld>
             <a:endParaRPr lang="en-US" dirty="0"/>
           </a:p>
@@ -1059,7 +1063,7 @@
       </p:grpSpPr>
       <p:sp>
         <p:nvSpPr>
-          <p:cNvPr id="72705" name="Slide Image Placeholder 1"/>
+          <p:cNvPr id="68609" name="Slide Image Placeholder 1"/>
           <p:cNvSpPr>
             <a:spLocks noGrp="1" noRot="1" noChangeAspect="1" noTextEdit="1"/>
           </p:cNvSpPr>
@@ -1081,6 +1085,159 @@
       </p:sp>
       <p:sp>
         <p:nvSpPr>
+          <p:cNvPr id="68610" name="Notes Placeholder 2"/>
+          <p:cNvSpPr>
+            <a:spLocks noGrp="1"/>
+          </p:cNvSpPr>
+          <p:nvPr>
+            <p:ph type="body" idx="1"/>
+          </p:nvPr>
+        </p:nvSpPr>
+        <p:spPr bwMode="auto">
+          <a:noFill/>
+        </p:spPr>
+        <p:txBody>
+          <a:bodyPr wrap="square" numCol="1" anchor="t" anchorCtr="0" compatLnSpc="1">
+            <a:prstTxWarp prst="textNoShape">
+              <a:avLst/>
+            </a:prstTxWarp>
+          </a:bodyPr>
+          <a:lstStyle/>
+          <a:p>
+            <a:pPr marL="0" indent="0">
+              <a:buFont typeface="Wingdings 3" pitchFamily="18" charset="2"/>
+              <a:buNone/>
+            </a:pPr>
+            <a:r>
+              <a:rPr lang="en-US" sz="1200" b="1" dirty="0" smtClean="0">
+                <a:latin typeface="Arial" panose="020B0604020202020204" pitchFamily="34" charset="0"/>
+                <a:cs typeface="Arial" panose="020B0604020202020204" pitchFamily="34" charset="0"/>
+              </a:rPr>
+              <a:t>ANSWER: B.</a:t>
+            </a:r>
+          </a:p>
+          <a:p>
+            <a:pPr marL="0" indent="0">
+              <a:buFont typeface="Wingdings 3" pitchFamily="18" charset="2"/>
+              <a:buNone/>
+            </a:pPr>
+            <a:r>
+              <a:rPr lang="en-US" sz="1200" dirty="0" smtClean="0">
+                <a:latin typeface="Arial" panose="020B0604020202020204" pitchFamily="34" charset="0"/>
+                <a:cs typeface="Arial" panose="020B0604020202020204" pitchFamily="34" charset="0"/>
+              </a:rPr>
+              <a:t>A codebook is a document that describes the locations of variables and lists the assignments of codes to the attributes composing those variables.</a:t>
+            </a:r>
+          </a:p>
+          <a:p>
+            <a:pPr>
+              <a:spcBef>
+                <a:spcPct val="0"/>
+              </a:spcBef>
+            </a:pPr>
+            <a:endParaRPr lang="en-US" dirty="0" smtClean="0"/>
+          </a:p>
+        </p:txBody>
+      </p:sp>
+      <p:sp>
+        <p:nvSpPr>
+          <p:cNvPr id="68611" name="Slide Number Placeholder 3"/>
+          <p:cNvSpPr>
+            <a:spLocks noGrp="1"/>
+          </p:cNvSpPr>
+          <p:nvPr>
+            <p:ph type="sldNum" sz="quarter" idx="5"/>
+          </p:nvPr>
+        </p:nvSpPr>
+        <p:spPr bwMode="auto">
+          <a:noFill/>
+          <a:ln>
+            <a:miter lim="800000"/>
+            <a:headEnd/>
+            <a:tailEnd/>
+          </a:ln>
+        </p:spPr>
+        <p:txBody>
+          <a:bodyPr wrap="square" numCol="1" anchorCtr="0" compatLnSpc="1">
+            <a:prstTxWarp prst="textNoShape">
+              <a:avLst/>
+            </a:prstTxWarp>
+          </a:bodyPr>
+          <a:lstStyle/>
+          <a:p>
+            <a:pPr fontAlgn="base">
+              <a:spcBef>
+                <a:spcPct val="0"/>
+              </a:spcBef>
+              <a:spcAft>
+                <a:spcPct val="0"/>
+              </a:spcAft>
+            </a:pPr>
+            <a:fld id="{0BA5188B-8BB9-4F17-8DC4-94CC2C581AC3}" type="slidenum">
+              <a:rPr lang="en-US"/>
+              <a:pPr fontAlgn="base">
+                <a:spcBef>
+                  <a:spcPct val="0"/>
+                </a:spcBef>
+                <a:spcAft>
+                  <a:spcPct val="0"/>
+                </a:spcAft>
+              </a:pPr>
+              <a:t>39</a:t>
+            </a:fld>
+            <a:endParaRPr lang="en-US" dirty="0"/>
+          </a:p>
+        </p:txBody>
+      </p:sp>
+    </p:spTree>
+  </p:cSld>
+  <p:clrMapOvr>
+    <a:masterClrMapping/>
+  </p:clrMapOvr>
+</p:notes>
+</file>
+
+<file path=ppt/notesSlides/notesSlide13.xml><?xml version="1.0" encoding="utf-8"?>
+<p:notes xmlns:a="http://schemas.openxmlformats.org/drawingml/2006/main" xmlns:r="http://schemas.openxmlformats.org/officeDocument/2006/relationships" xmlns:p="http://schemas.openxmlformats.org/presentationml/2006/main">
+  <p:cSld>
+    <p:spTree>
+      <p:nvGrpSpPr>
+        <p:cNvPr id="1" name=""/>
+        <p:cNvGrpSpPr/>
+        <p:nvPr/>
+      </p:nvGrpSpPr>
+      <p:grpSpPr>
+        <a:xfrm>
+          <a:off x="0" y="0"/>
+          <a:ext cx="0" cy="0"/>
+          <a:chOff x="0" y="0"/>
+          <a:chExt cx="0" cy="0"/>
+        </a:xfrm>
+      </p:grpSpPr>
+      <p:sp>
+        <p:nvSpPr>
+          <p:cNvPr id="72705" name="Slide Image Placeholder 1"/>
+          <p:cNvSpPr>
+            <a:spLocks noGrp="1" noRot="1" noChangeAspect="1" noTextEdit="1"/>
+          </p:cNvSpPr>
+          <p:nvPr>
+            <p:ph type="sldImg"/>
+          </p:nvPr>
+        </p:nvSpPr>
+        <p:spPr bwMode="auto">
+          <a:noFill/>
+          <a:ln>
+            <a:solidFill>
+              <a:srgbClr val="000000"/>
+            </a:solidFill>
+            <a:miter lim="800000"/>
+            <a:headEnd/>
+            <a:tailEnd/>
+          </a:ln>
+        </p:spPr>
+      </p:sp>
+      <p:sp>
+        <p:nvSpPr>
           <p:cNvPr id="72706" name="Notes Placeholder 2"/>
           <p:cNvSpPr>
             <a:spLocks noGrp="1"/>
@@ -1179,7 +1336,7 @@
                   <a:spcPct val="0"/>
                 </a:spcAft>
               </a:pPr>
-              <a:t>36</a:t>
+              <a:t>40</a:t>
             </a:fld>
             <a:endParaRPr lang="en-US" dirty="0"/>
           </a:p>
@@ -1411,7 +1568,7 @@
               <a:pPr>
                 <a:defRPr/>
               </a:pPr>
-              <a:t>12</a:t>
+              <a:t>14</a:t>
             </a:fld>
             <a:endParaRPr lang="en-US" dirty="0"/>
           </a:p>
@@ -1501,7 +1658,7 @@
               <a:pPr>
                 <a:defRPr/>
               </a:pPr>
-              <a:t>16</a:t>
+              <a:t>19</a:t>
             </a:fld>
             <a:endParaRPr lang="en-US" dirty="0"/>
           </a:p>
@@ -1624,7 +1781,7 @@
               <a:pPr>
                 <a:defRPr/>
               </a:pPr>
-              <a:t>17</a:t>
+              <a:t>20</a:t>
             </a:fld>
             <a:endParaRPr lang="en-US" dirty="0"/>
           </a:p>
@@ -1722,7 +1879,7 @@
               <a:pPr>
                 <a:defRPr/>
               </a:pPr>
-              <a:t>18</a:t>
+              <a:t>22</a:t>
             </a:fld>
             <a:endParaRPr lang="en-US" dirty="0"/>
           </a:p>
@@ -1787,15 +1944,11 @@
           <a:p>
             <a:r>
               <a:rPr lang="en-US" dirty="0" smtClean="0"/>
-              <a:t>If the bivariate table on 459, is </a:t>
-            </a:r>
-            <a:r>
-              <a:rPr lang="en-US" dirty="0" err="1" smtClean="0"/>
-              <a:t>percentaged</a:t>
+              <a:t>Higher standard</a:t>
             </a:r>
             <a:r>
               <a:rPr lang="en-US" baseline="0" dirty="0" smtClean="0"/>
-              <a:t> down, then you make statements about the relationship across… women are more likely than men to attend church services weekly.</a:t>
+              <a:t> deviation means that the data are more dispersed; lower means they’re more clustered.</a:t>
             </a:r>
             <a:endParaRPr lang="en-US" dirty="0"/>
           </a:p>
@@ -1824,7 +1977,7 @@
               <a:pPr>
                 <a:defRPr/>
               </a:pPr>
-              <a:t>22</a:t>
+              <a:t>23</a:t>
             </a:fld>
             <a:endParaRPr lang="en-US" dirty="0"/>
           </a:p>
@@ -1833,7 +1986,7 @@
     </p:spTree>
     <p:extLst>
       <p:ext uri="{BB962C8B-B14F-4D97-AF65-F5344CB8AC3E}">
-        <p14:creationId xmlns:p14="http://schemas.microsoft.com/office/powerpoint/2010/main" val="1947468489"/>
+        <p14:creationId xmlns:p14="http://schemas.microsoft.com/office/powerpoint/2010/main" val="3748670624"/>
       </p:ext>
     </p:extLst>
   </p:cSld>
@@ -1889,11 +2042,15 @@
           <a:p>
             <a:r>
               <a:rPr lang="en-US" dirty="0" smtClean="0"/>
-              <a:t>Have multiple independent variables</a:t>
+              <a:t>If the bivariate table on 459, is </a:t>
+            </a:r>
+            <a:r>
+              <a:rPr lang="en-US" dirty="0" err="1" smtClean="0"/>
+              <a:t>percentaged</a:t>
             </a:r>
             <a:r>
               <a:rPr lang="en-US" baseline="0" dirty="0" smtClean="0"/>
-              <a:t> to see their relationship with the one dependent variable. Gets you closer to causality because, while bivariate relationships can tell you if two variables are associated/correlated, multivariate analysis can address spuriousness in the relationship between variables.</a:t>
+              <a:t> down, then you make statements about the relationship across… women are more likely than men to attend church services weekly.</a:t>
             </a:r>
             <a:endParaRPr lang="en-US" dirty="0"/>
           </a:p>
@@ -1922,7 +2079,7 @@
               <a:pPr>
                 <a:defRPr/>
               </a:pPr>
-              <a:t>27</a:t>
+              <a:t>25</a:t>
             </a:fld>
             <a:endParaRPr lang="en-US" dirty="0"/>
           </a:p>
@@ -1931,7 +2088,7 @@
     </p:spTree>
     <p:extLst>
       <p:ext uri="{BB962C8B-B14F-4D97-AF65-F5344CB8AC3E}">
-        <p14:creationId xmlns:p14="http://schemas.microsoft.com/office/powerpoint/2010/main" val="2579585382"/>
+        <p14:creationId xmlns:p14="http://schemas.microsoft.com/office/powerpoint/2010/main" val="1947468489"/>
       </p:ext>
     </p:extLst>
   </p:cSld>
@@ -1960,29 +2117,19 @@
       </p:grpSpPr>
       <p:sp>
         <p:nvSpPr>
-          <p:cNvPr id="60417" name="Slide Image Placeholder 1"/>
-          <p:cNvSpPr>
-            <a:spLocks noGrp="1" noRot="1" noChangeAspect="1" noTextEdit="1"/>
+          <p:cNvPr id="2" name="Slide Image Placeholder 1"/>
+          <p:cNvSpPr>
+            <a:spLocks noGrp="1" noRot="1" noChangeAspect="1"/>
           </p:cNvSpPr>
           <p:nvPr>
             <p:ph type="sldImg"/>
           </p:nvPr>
         </p:nvSpPr>
-        <p:spPr bwMode="auto">
-          <a:noFill/>
-          <a:ln>
-            <a:solidFill>
-              <a:srgbClr val="000000"/>
-            </a:solidFill>
-            <a:miter lim="800000"/>
-            <a:headEnd/>
-            <a:tailEnd/>
-          </a:ln>
-        </p:spPr>
-      </p:sp>
-      <p:sp>
-        <p:nvSpPr>
-          <p:cNvPr id="60418" name="Notes Placeholder 2"/>
+        <p:spPr/>
+      </p:sp>
+      <p:sp>
+        <p:nvSpPr>
+          <p:cNvPr id="3" name="Notes Placeholder 2"/>
           <p:cNvSpPr>
             <a:spLocks noGrp="1"/>
           </p:cNvSpPr>
@@ -1990,103 +2137,58 @@
             <p:ph type="body" idx="1"/>
           </p:nvPr>
         </p:nvSpPr>
-        <p:spPr bwMode="auto">
-          <a:noFill/>
-        </p:spPr>
-        <p:txBody>
-          <a:bodyPr wrap="square" numCol="1" anchor="t" anchorCtr="0" compatLnSpc="1">
-            <a:prstTxWarp prst="textNoShape">
-              <a:avLst/>
-            </a:prstTxWarp>
-          </a:bodyPr>
-          <a:lstStyle/>
-          <a:p>
-            <a:pPr marL="0" indent="0">
-              <a:buFont typeface="Wingdings 3" pitchFamily="18" charset="2"/>
-              <a:buNone/>
-            </a:pPr>
-            <a:r>
-              <a:rPr lang="en-US" sz="1200" b="1" dirty="0" smtClean="0">
-                <a:latin typeface="Arial" panose="020B0604020202020204" pitchFamily="34" charset="0"/>
-                <a:cs typeface="Arial" panose="020B0604020202020204" pitchFamily="34" charset="0"/>
-              </a:rPr>
-              <a:t>ANSWER: C.</a:t>
-            </a:r>
-          </a:p>
-          <a:p>
-            <a:pPr marL="0" indent="0">
-              <a:buFont typeface="Wingdings 3" pitchFamily="18" charset="2"/>
-              <a:buNone/>
-            </a:pPr>
-            <a:r>
-              <a:rPr lang="en-US" sz="1200" dirty="0" smtClean="0">
-                <a:latin typeface="Arial" panose="020B0604020202020204" pitchFamily="34" charset="0"/>
-                <a:cs typeface="Arial" panose="020B0604020202020204" pitchFamily="34" charset="0"/>
-              </a:rPr>
-              <a:t>The process of converting data to numerical format is called quantification.</a:t>
-            </a:r>
-          </a:p>
+        <p:spPr/>
+        <p:txBody>
+          <a:bodyPr/>
+          <a:lstStyle/>
+          <a:p>
+            <a:r>
+              <a:rPr lang="en-US" dirty="0" smtClean="0"/>
+              <a:t>Have multiple independent variables</a:t>
+            </a:r>
+            <a:r>
+              <a:rPr lang="en-US" baseline="0" dirty="0" smtClean="0"/>
+              <a:t> to see their relationship with the one dependent variable. Gets you closer to causality because, while bivariate relationships can tell you if two variables are associated/correlated, multivariate analysis can address spuriousness in the relationship between variables.</a:t>
+            </a:r>
+            <a:endParaRPr lang="en-US" dirty="0"/>
+          </a:p>
+        </p:txBody>
+      </p:sp>
+      <p:sp>
+        <p:nvSpPr>
+          <p:cNvPr id="4" name="Slide Number Placeholder 3"/>
+          <p:cNvSpPr>
+            <a:spLocks noGrp="1"/>
+          </p:cNvSpPr>
+          <p:nvPr>
+            <p:ph type="sldNum" sz="quarter" idx="10"/>
+          </p:nvPr>
+        </p:nvSpPr>
+        <p:spPr/>
+        <p:txBody>
+          <a:bodyPr/>
+          <a:lstStyle/>
           <a:p>
             <a:pPr>
-              <a:spcBef>
-                <a:spcPct val="0"/>
-              </a:spcBef>
-            </a:pPr>
-            <a:endParaRPr lang="en-US" dirty="0" smtClean="0"/>
-          </a:p>
-        </p:txBody>
-      </p:sp>
-      <p:sp>
-        <p:nvSpPr>
-          <p:cNvPr id="60419" name="Slide Number Placeholder 3"/>
-          <p:cNvSpPr>
-            <a:spLocks noGrp="1"/>
-          </p:cNvSpPr>
-          <p:nvPr>
-            <p:ph type="sldNum" sz="quarter" idx="5"/>
-          </p:nvPr>
-        </p:nvSpPr>
-        <p:spPr bwMode="auto">
-          <a:noFill/>
-          <a:ln>
-            <a:miter lim="800000"/>
-            <a:headEnd/>
-            <a:tailEnd/>
-          </a:ln>
-        </p:spPr>
-        <p:txBody>
-          <a:bodyPr wrap="square" numCol="1" anchorCtr="0" compatLnSpc="1">
-            <a:prstTxWarp prst="textNoShape">
-              <a:avLst/>
-            </a:prstTxWarp>
-          </a:bodyPr>
-          <a:lstStyle/>
-          <a:p>
-            <a:pPr fontAlgn="base">
-              <a:spcBef>
-                <a:spcPct val="0"/>
-              </a:spcBef>
-              <a:spcAft>
-                <a:spcPct val="0"/>
-              </a:spcAft>
-            </a:pPr>
-            <a:fld id="{5E60B901-C264-4443-B0A3-B4C3A3151F5E}" type="slidenum">
-              <a:rPr lang="en-US"/>
-              <a:pPr fontAlgn="base">
-                <a:spcBef>
-                  <a:spcPct val="0"/>
-                </a:spcBef>
-                <a:spcAft>
-                  <a:spcPct val="0"/>
-                </a:spcAft>
+              <a:defRPr/>
+            </a:pPr>
+            <a:fld id="{BEDFF90A-DB43-4FB8-811A-5D67BB899406}" type="slidenum">
+              <a:rPr lang="en-US" smtClean="0"/>
+              <a:pPr>
+                <a:defRPr/>
               </a:pPr>
-              <a:t>33</a:t>
+              <a:t>31</a:t>
             </a:fld>
             <a:endParaRPr lang="en-US" dirty="0"/>
           </a:p>
         </p:txBody>
       </p:sp>
     </p:spTree>
+    <p:extLst>
+      <p:ext uri="{BB962C8B-B14F-4D97-AF65-F5344CB8AC3E}">
+        <p14:creationId xmlns:p14="http://schemas.microsoft.com/office/powerpoint/2010/main" val="2579585382"/>
+      </p:ext>
+    </p:extLst>
   </p:cSld>
   <p:clrMapOvr>
     <a:masterClrMapping/>
@@ -2410,7 +2512,7 @@
               <a:pPr>
                 <a:defRPr/>
               </a:pPr>
-              <a:t>7/19/16</a:t>
+              <a:t>10/5/16</a:t>
             </a:fld>
             <a:endParaRPr lang="en-US" dirty="0"/>
           </a:p>
@@ -2620,7 +2722,7 @@
               <a:pPr>
                 <a:defRPr/>
               </a:pPr>
-              <a:t>7/19/16</a:t>
+              <a:t>10/5/16</a:t>
             </a:fld>
             <a:endParaRPr lang="en-US" dirty="0"/>
           </a:p>
@@ -2986,7 +3088,7 @@
               <a:pPr>
                 <a:defRPr/>
               </a:pPr>
-              <a:t>7/19/16</a:t>
+              <a:t>10/5/16</a:t>
             </a:fld>
             <a:endParaRPr lang="en-US" dirty="0"/>
           </a:p>
@@ -3198,7 +3300,7 @@
               <a:pPr>
                 <a:defRPr/>
               </a:pPr>
-              <a:t>7/19/16</a:t>
+              <a:t>10/5/16</a:t>
             </a:fld>
             <a:endParaRPr lang="en-US" dirty="0"/>
           </a:p>
@@ -3595,7 +3697,7 @@
               <a:pPr>
                 <a:defRPr/>
               </a:pPr>
-              <a:t>7/19/16</a:t>
+              <a:t>10/5/16</a:t>
             </a:fld>
             <a:endParaRPr lang="en-US" dirty="0"/>
           </a:p>
@@ -3860,7 +3962,7 @@
               <a:pPr>
                 <a:defRPr/>
               </a:pPr>
-              <a:t>7/19/16</a:t>
+              <a:t>10/5/16</a:t>
             </a:fld>
             <a:endParaRPr lang="en-US" dirty="0"/>
           </a:p>
@@ -4205,7 +4307,7 @@
               <a:pPr>
                 <a:defRPr/>
               </a:pPr>
-              <a:t>7/19/16</a:t>
+              <a:t>10/5/16</a:t>
             </a:fld>
             <a:endParaRPr lang="en-US" dirty="0"/>
           </a:p>
@@ -4345,7 +4447,7 @@
               <a:pPr>
                 <a:defRPr/>
               </a:pPr>
-              <a:t>7/19/16</a:t>
+              <a:t>10/5/16</a:t>
             </a:fld>
             <a:endParaRPr lang="en-US" dirty="0"/>
           </a:p>
@@ -4462,7 +4564,7 @@
               <a:pPr>
                 <a:defRPr/>
               </a:pPr>
-              <a:t>7/19/16</a:t>
+              <a:t>10/5/16</a:t>
             </a:fld>
             <a:endParaRPr lang="en-US" dirty="0"/>
           </a:p>
@@ -4752,7 +4854,7 @@
               <a:pPr>
                 <a:defRPr/>
               </a:pPr>
-              <a:t>7/19/16</a:t>
+              <a:t>10/5/16</a:t>
             </a:fld>
             <a:endParaRPr lang="en-US" dirty="0"/>
           </a:p>
@@ -5229,7 +5331,7 @@
               <a:pPr>
                 <a:defRPr/>
               </a:pPr>
-              <a:t>7/19/16</a:t>
+              <a:t>10/5/16</a:t>
             </a:fld>
             <a:endParaRPr lang="en-US" dirty="0"/>
           </a:p>
@@ -5492,7 +5594,7 @@
               <a:pPr>
                 <a:defRPr/>
               </a:pPr>
-              <a:t>7/19/16</a:t>
+              <a:t>10/5/16</a:t>
             </a:fld>
             <a:endParaRPr lang="en-US" dirty="0"/>
           </a:p>
@@ -6284,7 +6386,7 @@
       </p:grpSpPr>
       <p:sp>
         <p:nvSpPr>
-          <p:cNvPr id="25601" name="Title 1"/>
+          <p:cNvPr id="40961" name="Title 1"/>
           <p:cNvSpPr>
             <a:spLocks noGrp="1"/>
           </p:cNvSpPr>
@@ -6303,18 +6405,22 @@
           <a:lstStyle/>
           <a:p>
             <a:r>
-              <a:rPr lang="en-US" sz="3600" dirty="0" smtClean="0">
-                <a:latin typeface="Arial" panose="020B0604020202020204" pitchFamily="34" charset="0"/>
-                <a:cs typeface="Arial" panose="020B0604020202020204" pitchFamily="34" charset="0"/>
-              </a:rPr>
-              <a:t>Univariate Analysis</a:t>
-            </a:r>
-          </a:p>
-        </p:txBody>
-      </p:sp>
-      <p:sp>
-        <p:nvSpPr>
-          <p:cNvPr id="25602" name="Content Placeholder 2"/>
+              <a:rPr lang="en-US" sz="3600" dirty="0">
+                <a:latin typeface="Arial" panose="020B0604020202020204" pitchFamily="34" charset="0"/>
+                <a:cs typeface="Arial" panose="020B0604020202020204" pitchFamily="34" charset="0"/>
+              </a:rPr>
+              <a:t>Coding Quantitative Data</a:t>
+            </a:r>
+            <a:endParaRPr lang="en-US" sz="3600" dirty="0" smtClean="0">
+              <a:latin typeface="Arial" panose="020B0604020202020204" pitchFamily="34" charset="0"/>
+              <a:cs typeface="Arial" panose="020B0604020202020204" pitchFamily="34" charset="0"/>
+            </a:endParaRPr>
+          </a:p>
+        </p:txBody>
+      </p:sp>
+      <p:sp>
+        <p:nvSpPr>
+          <p:cNvPr id="25603" name="Content Placeholder 2"/>
           <p:cNvSpPr>
             <a:spLocks noGrp="1"/>
           </p:cNvSpPr>
@@ -6329,42 +6435,71 @@
           </a:xfrm>
         </p:spPr>
         <p:txBody>
-          <a:bodyPr/>
-          <a:lstStyle/>
-          <a:p>
+          <a:bodyPr>
+            <a:normAutofit/>
+          </a:bodyPr>
+          <a:lstStyle/>
+          <a:p>
+            <a:pPr marL="320040" indent="-320040" fontAlgn="auto">
+              <a:spcAft>
+                <a:spcPts val="0"/>
+              </a:spcAft>
+              <a:buFont typeface="Wingdings"/>
+              <a:buChar char=""/>
+              <a:defRPr/>
+            </a:pPr>
             <a:r>
               <a:rPr lang="en-US" sz="2600" dirty="0" smtClean="0">
                 <a:latin typeface="Arial" panose="020B0604020202020204" pitchFamily="34" charset="0"/>
                 <a:cs typeface="Arial" panose="020B0604020202020204" pitchFamily="34" charset="0"/>
               </a:rPr>
-              <a:t>Univariate Analysis – The analysis of a single variable, for purposes of description (examples: frequency distribution, averages, and measures of dispersion).</a:t>
-            </a:r>
-          </a:p>
-          <a:p>
+              <a:t>“Collapsing” Response Categories</a:t>
+            </a:r>
+          </a:p>
+          <a:p>
+            <a:pPr marL="320040" indent="-320040" fontAlgn="auto">
+              <a:spcAft>
+                <a:spcPts val="0"/>
+              </a:spcAft>
+              <a:buFont typeface="Wingdings"/>
+              <a:buChar char=""/>
+              <a:defRPr/>
+            </a:pPr>
             <a:endParaRPr lang="en-US" sz="2600" dirty="0" smtClean="0">
               <a:latin typeface="Arial" panose="020B0604020202020204" pitchFamily="34" charset="0"/>
               <a:cs typeface="Arial" panose="020B0604020202020204" pitchFamily="34" charset="0"/>
             </a:endParaRPr>
           </a:p>
           <a:p>
-            <a:pPr lvl="1"/>
-            <a:r>
-              <a:rPr lang="en-US" dirty="0" smtClean="0">
-                <a:latin typeface="Arial" panose="020B0604020202020204" pitchFamily="34" charset="0"/>
-                <a:cs typeface="Arial" panose="020B0604020202020204" pitchFamily="34" charset="0"/>
-              </a:rPr>
-              <a:t>Example: Gender</a:t>
-            </a:r>
-          </a:p>
-          <a:p>
-            <a:pPr lvl="2"/>
+            <a:pPr marL="320040" indent="-320040" fontAlgn="auto">
+              <a:spcAft>
+                <a:spcPts val="0"/>
+              </a:spcAft>
+              <a:buFont typeface="Wingdings"/>
+              <a:buChar char=""/>
+              <a:defRPr/>
+            </a:pPr>
             <a:r>
               <a:rPr lang="en-US" sz="2600" dirty="0" smtClean="0">
                 <a:latin typeface="Arial" panose="020B0604020202020204" pitchFamily="34" charset="0"/>
                 <a:cs typeface="Arial" panose="020B0604020202020204" pitchFamily="34" charset="0"/>
               </a:rPr>
-              <a:t>The number of men in a sample and the number of women in a sample.</a:t>
-            </a:r>
+              <a:t>Handling “Don’t Knows”</a:t>
+            </a:r>
+          </a:p>
+          <a:p>
+            <a:pPr marL="320040" indent="-320040" fontAlgn="auto">
+              <a:spcAft>
+                <a:spcPts val="0"/>
+              </a:spcAft>
+              <a:buFont typeface="Wingdings"/>
+              <a:buChar char=""/>
+              <a:defRPr/>
+            </a:pPr>
+            <a:endParaRPr lang="en-US" sz="2600" dirty="0" smtClean="0">
+              <a:latin typeface="Arial" panose="020B0604020202020204" pitchFamily="34" charset="0"/>
+              <a:cs typeface="Arial" panose="020B0604020202020204" pitchFamily="34" charset="0"/>
+            </a:endParaRPr>
           </a:p>
         </p:txBody>
       </p:sp>
@@ -6395,7 +6530,7 @@
       </p:grpSpPr>
       <p:sp>
         <p:nvSpPr>
-          <p:cNvPr id="26625" name="Title 3"/>
+          <p:cNvPr id="24577" name="Title 3"/>
           <p:cNvSpPr>
             <a:spLocks noGrp="1"/>
           </p:cNvSpPr>
@@ -6418,7 +6553,7 @@
                 <a:latin typeface="Arial" panose="020B0604020202020204" pitchFamily="34" charset="0"/>
                 <a:cs typeface="Arial" panose="020B0604020202020204" pitchFamily="34" charset="0"/>
               </a:rPr>
-              <a:t>Univariate Analysis</a:t>
+              <a:t>Coding Quantitative Data</a:t>
             </a:r>
             <a:endParaRPr lang="en-US" sz="3600" dirty="0" smtClean="0"/>
           </a:p>
@@ -6426,7 +6561,7 @@
       </p:sp>
       <p:sp>
         <p:nvSpPr>
-          <p:cNvPr id="26626" name="Content Placeholder 2"/>
+          <p:cNvPr id="24578" name="Content Placeholder 2"/>
           <p:cNvSpPr>
             <a:spLocks noGrp="1"/>
           </p:cNvSpPr>
@@ -6444,23 +6579,100 @@
           <a:bodyPr/>
           <a:lstStyle/>
           <a:p>
-            <a:r>
-              <a:rPr lang="en-US" sz="2600" dirty="0" smtClean="0">
-                <a:latin typeface="Arial" panose="020B0604020202020204" pitchFamily="34" charset="0"/>
-                <a:cs typeface="Arial" panose="020B0604020202020204" pitchFamily="34" charset="0"/>
-              </a:rPr>
-              <a:t>Distributions</a:t>
-            </a:r>
-          </a:p>
-          <a:p>
-            <a:pPr lvl="1"/>
+            <a:pPr marL="514350" indent="-514350">
+              <a:buFont typeface="+mj-lt"/>
+              <a:buAutoNum type="arabicPeriod"/>
+            </a:pPr>
             <a:r>
               <a:rPr lang="en-US" dirty="0" smtClean="0">
                 <a:latin typeface="Arial" panose="020B0604020202020204" pitchFamily="34" charset="0"/>
                 <a:cs typeface="Arial" panose="020B0604020202020204" pitchFamily="34" charset="0"/>
               </a:rPr>
-              <a:t>Frequency Distributions – A description of the number of times the various attributes of a variable are observed in a sample.</a:t>
-            </a:r>
+              <a:t>Data entry in widely-usable format</a:t>
+            </a:r>
+          </a:p>
+          <a:p>
+            <a:pPr marL="835025" lvl="1" indent="-514350"/>
+            <a:r>
+              <a:rPr lang="en-US" dirty="0">
+                <a:latin typeface="Arial" panose="020B0604020202020204" pitchFamily="34" charset="0"/>
+                <a:cs typeface="Arial" panose="020B0604020202020204" pitchFamily="34" charset="0"/>
+              </a:rPr>
+              <a:t>Excel (.</a:t>
+            </a:r>
+            <a:r>
+              <a:rPr lang="en-US" dirty="0" err="1">
+                <a:latin typeface="Arial" panose="020B0604020202020204" pitchFamily="34" charset="0"/>
+                <a:cs typeface="Arial" panose="020B0604020202020204" pitchFamily="34" charset="0"/>
+              </a:rPr>
+              <a:t>csv</a:t>
+            </a:r>
+            <a:r>
+              <a:rPr lang="en-US" dirty="0" smtClean="0">
+                <a:latin typeface="Arial" panose="020B0604020202020204" pitchFamily="34" charset="0"/>
+                <a:cs typeface="Arial" panose="020B0604020202020204" pitchFamily="34" charset="0"/>
+              </a:rPr>
+              <a:t>)</a:t>
+            </a:r>
+            <a:endParaRPr lang="en-US" dirty="0" smtClean="0">
+              <a:latin typeface="Arial" panose="020B0604020202020204" pitchFamily="34" charset="0"/>
+              <a:cs typeface="Arial" panose="020B0604020202020204" pitchFamily="34" charset="0"/>
+            </a:endParaRPr>
+          </a:p>
+          <a:p>
+            <a:pPr marL="514350" indent="-514350">
+              <a:buFont typeface="+mj-lt"/>
+              <a:buAutoNum type="arabicPeriod"/>
+            </a:pPr>
+            <a:r>
+              <a:rPr lang="en-US" dirty="0" smtClean="0">
+                <a:latin typeface="Arial" panose="020B0604020202020204" pitchFamily="34" charset="0"/>
+                <a:cs typeface="Arial" panose="020B0604020202020204" pitchFamily="34" charset="0"/>
+              </a:rPr>
+              <a:t>Analysis software</a:t>
+            </a:r>
+          </a:p>
+          <a:p>
+            <a:pPr marL="835025" lvl="1" indent="-514350"/>
+            <a:r>
+              <a:rPr lang="en-US" dirty="0" smtClean="0">
+                <a:latin typeface="Arial" panose="020B0604020202020204" pitchFamily="34" charset="0"/>
+                <a:cs typeface="Arial" panose="020B0604020202020204" pitchFamily="34" charset="0"/>
+              </a:rPr>
+              <a:t>SPSS</a:t>
+            </a:r>
+            <a:endParaRPr lang="en-US" dirty="0">
+              <a:latin typeface="Arial" panose="020B0604020202020204" pitchFamily="34" charset="0"/>
+              <a:cs typeface="Arial" panose="020B0604020202020204" pitchFamily="34" charset="0"/>
+            </a:endParaRPr>
+          </a:p>
+          <a:p>
+            <a:pPr marL="835025" lvl="1" indent="-514350"/>
+            <a:r>
+              <a:rPr lang="en-US" dirty="0" smtClean="0">
+                <a:latin typeface="Arial" panose="020B0604020202020204" pitchFamily="34" charset="0"/>
+                <a:cs typeface="Arial" panose="020B0604020202020204" pitchFamily="34" charset="0"/>
+              </a:rPr>
+              <a:t>STATA</a:t>
+            </a:r>
+            <a:endParaRPr lang="en-US" dirty="0">
+              <a:latin typeface="Arial" panose="020B0604020202020204" pitchFamily="34" charset="0"/>
+              <a:cs typeface="Arial" panose="020B0604020202020204" pitchFamily="34" charset="0"/>
+            </a:endParaRPr>
+          </a:p>
+          <a:p>
+            <a:pPr marL="835025" lvl="1" indent="-514350"/>
+            <a:r>
+              <a:rPr lang="en-US" dirty="0" smtClean="0">
+                <a:latin typeface="Arial" panose="020B0604020202020204" pitchFamily="34" charset="0"/>
+                <a:cs typeface="Arial" panose="020B0604020202020204" pitchFamily="34" charset="0"/>
+              </a:rPr>
+              <a:t>R</a:t>
+            </a:r>
+            <a:endParaRPr lang="en-US" dirty="0" smtClean="0">
+              <a:latin typeface="Arial" panose="020B0604020202020204" pitchFamily="34" charset="0"/>
+              <a:cs typeface="Arial" panose="020B0604020202020204" pitchFamily="34" charset="0"/>
+            </a:endParaRPr>
           </a:p>
         </p:txBody>
       </p:sp>
@@ -6473,6 +6685,343 @@
 </file>
 
 <file path=ppt/slides/slide12.xml><?xml version="1.0" encoding="utf-8"?>
+<p:sld xmlns:a="http://schemas.openxmlformats.org/drawingml/2006/main" xmlns:r="http://schemas.openxmlformats.org/officeDocument/2006/relationships" xmlns:p="http://schemas.openxmlformats.org/presentationml/2006/main">
+  <p:cSld>
+    <p:spTree>
+      <p:nvGrpSpPr>
+        <p:cNvPr id="1" name=""/>
+        <p:cNvGrpSpPr/>
+        <p:nvPr/>
+      </p:nvGrpSpPr>
+      <p:grpSpPr>
+        <a:xfrm>
+          <a:off x="0" y="0"/>
+          <a:ext cx="0" cy="0"/>
+          <a:chOff x="0" y="0"/>
+          <a:chExt cx="0" cy="0"/>
+        </a:xfrm>
+      </p:grpSpPr>
+      <p:sp>
+        <p:nvSpPr>
+          <p:cNvPr id="25601" name="Title 1"/>
+          <p:cNvSpPr>
+            <a:spLocks noGrp="1"/>
+          </p:cNvSpPr>
+          <p:nvPr>
+            <p:ph type="title"/>
+          </p:nvPr>
+        </p:nvSpPr>
+        <p:spPr>
+          <a:xfrm>
+            <a:off x="612775" y="228600"/>
+            <a:ext cx="8153400" cy="990600"/>
+          </a:xfrm>
+        </p:spPr>
+        <p:txBody>
+          <a:bodyPr/>
+          <a:lstStyle/>
+          <a:p>
+            <a:r>
+              <a:rPr lang="en-US" sz="3600" dirty="0" err="1" smtClean="0">
+                <a:latin typeface="Arial" panose="020B0604020202020204" pitchFamily="34" charset="0"/>
+                <a:cs typeface="Arial" panose="020B0604020202020204" pitchFamily="34" charset="0"/>
+              </a:rPr>
+              <a:t>Univariate</a:t>
+            </a:r>
+            <a:r>
+              <a:rPr lang="en-US" sz="3600" dirty="0" smtClean="0">
+                <a:latin typeface="Arial" panose="020B0604020202020204" pitchFamily="34" charset="0"/>
+                <a:cs typeface="Arial" panose="020B0604020202020204" pitchFamily="34" charset="0"/>
+              </a:rPr>
+              <a:t> </a:t>
+            </a:r>
+            <a:r>
+              <a:rPr lang="en-US" sz="3600" dirty="0" smtClean="0">
+                <a:latin typeface="Arial" panose="020B0604020202020204" pitchFamily="34" charset="0"/>
+                <a:cs typeface="Arial" panose="020B0604020202020204" pitchFamily="34" charset="0"/>
+              </a:rPr>
+              <a:t>Statistics</a:t>
+            </a:r>
+            <a:endParaRPr lang="en-US" sz="3600" dirty="0" smtClean="0">
+              <a:latin typeface="Arial" panose="020B0604020202020204" pitchFamily="34" charset="0"/>
+              <a:cs typeface="Arial" panose="020B0604020202020204" pitchFamily="34" charset="0"/>
+            </a:endParaRPr>
+          </a:p>
+        </p:txBody>
+      </p:sp>
+      <p:sp>
+        <p:nvSpPr>
+          <p:cNvPr id="25602" name="Content Placeholder 2"/>
+          <p:cNvSpPr>
+            <a:spLocks noGrp="1"/>
+          </p:cNvSpPr>
+          <p:nvPr>
+            <p:ph sz="quarter" idx="1"/>
+          </p:nvPr>
+        </p:nvSpPr>
+        <p:spPr>
+          <a:xfrm>
+            <a:off x="612775" y="1600200"/>
+            <a:ext cx="8153400" cy="4495800"/>
+          </a:xfrm>
+        </p:spPr>
+        <p:txBody>
+          <a:bodyPr/>
+          <a:lstStyle/>
+          <a:p>
+            <a:r>
+              <a:rPr lang="en-US" sz="2600" dirty="0" err="1" smtClean="0">
+                <a:latin typeface="Arial" panose="020B0604020202020204" pitchFamily="34" charset="0"/>
+                <a:cs typeface="Arial" panose="020B0604020202020204" pitchFamily="34" charset="0"/>
+              </a:rPr>
+              <a:t>Univariate</a:t>
+            </a:r>
+            <a:r>
+              <a:rPr lang="en-US" sz="2600" dirty="0" smtClean="0">
+                <a:latin typeface="Arial" panose="020B0604020202020204" pitchFamily="34" charset="0"/>
+                <a:cs typeface="Arial" panose="020B0604020202020204" pitchFamily="34" charset="0"/>
+              </a:rPr>
+              <a:t> </a:t>
+            </a:r>
+            <a:r>
+              <a:rPr lang="en-US" sz="2800" dirty="0">
+                <a:latin typeface="Arial" panose="020B0604020202020204" pitchFamily="34" charset="0"/>
+                <a:cs typeface="Arial" panose="020B0604020202020204" pitchFamily="34" charset="0"/>
+              </a:rPr>
+              <a:t>Statistics</a:t>
+            </a:r>
+            <a:endParaRPr lang="en-US" sz="2600" dirty="0" smtClean="0">
+              <a:latin typeface="Arial" panose="020B0604020202020204" pitchFamily="34" charset="0"/>
+              <a:cs typeface="Arial" panose="020B0604020202020204" pitchFamily="34" charset="0"/>
+            </a:endParaRPr>
+          </a:p>
+          <a:p>
+            <a:pPr lvl="1"/>
+            <a:r>
+              <a:rPr lang="en-US" sz="2300" dirty="0" smtClean="0">
+                <a:latin typeface="Arial" panose="020B0604020202020204" pitchFamily="34" charset="0"/>
+                <a:cs typeface="Arial" panose="020B0604020202020204" pitchFamily="34" charset="0"/>
+              </a:rPr>
+              <a:t>The description of </a:t>
+            </a:r>
+            <a:r>
+              <a:rPr lang="en-US" sz="2300" dirty="0" smtClean="0">
+                <a:latin typeface="Arial" panose="020B0604020202020204" pitchFamily="34" charset="0"/>
+                <a:cs typeface="Arial" panose="020B0604020202020204" pitchFamily="34" charset="0"/>
+              </a:rPr>
+              <a:t>a single </a:t>
+            </a:r>
+            <a:r>
+              <a:rPr lang="en-US" sz="2300" dirty="0" smtClean="0">
+                <a:latin typeface="Arial" panose="020B0604020202020204" pitchFamily="34" charset="0"/>
+                <a:cs typeface="Arial" panose="020B0604020202020204" pitchFamily="34" charset="0"/>
+              </a:rPr>
+              <a:t>variable</a:t>
+            </a:r>
+          </a:p>
+          <a:p>
+            <a:pPr lvl="2"/>
+            <a:r>
+              <a:rPr lang="en-US" sz="1700" dirty="0" smtClean="0">
+                <a:latin typeface="Arial" panose="020B0604020202020204" pitchFamily="34" charset="0"/>
+                <a:cs typeface="Arial" panose="020B0604020202020204" pitchFamily="34" charset="0"/>
+              </a:rPr>
+              <a:t>frequencies</a:t>
+            </a:r>
+          </a:p>
+          <a:p>
+            <a:pPr lvl="2"/>
+            <a:r>
+              <a:rPr lang="en-US" sz="2000" dirty="0" smtClean="0">
+                <a:latin typeface="Arial" panose="020B0604020202020204" pitchFamily="34" charset="0"/>
+                <a:cs typeface="Arial" panose="020B0604020202020204" pitchFamily="34" charset="0"/>
+              </a:rPr>
+              <a:t>measures of central tendency</a:t>
+            </a:r>
+          </a:p>
+          <a:p>
+            <a:pPr lvl="2"/>
+            <a:r>
+              <a:rPr lang="en-US" sz="2000" dirty="0" smtClean="0">
+                <a:latin typeface="Arial" panose="020B0604020202020204" pitchFamily="34" charset="0"/>
+                <a:cs typeface="Arial" panose="020B0604020202020204" pitchFamily="34" charset="0"/>
+              </a:rPr>
+              <a:t>measures </a:t>
+            </a:r>
+            <a:r>
+              <a:rPr lang="en-US" sz="2000" dirty="0" smtClean="0">
+                <a:latin typeface="Arial" panose="020B0604020202020204" pitchFamily="34" charset="0"/>
+                <a:cs typeface="Arial" panose="020B0604020202020204" pitchFamily="34" charset="0"/>
+              </a:rPr>
+              <a:t>of </a:t>
+            </a:r>
+            <a:r>
+              <a:rPr lang="en-US" sz="2000" dirty="0" smtClean="0">
+                <a:latin typeface="Arial" panose="020B0604020202020204" pitchFamily="34" charset="0"/>
+                <a:cs typeface="Arial" panose="020B0604020202020204" pitchFamily="34" charset="0"/>
+              </a:rPr>
+              <a:t>dispersion</a:t>
+            </a:r>
+            <a:endParaRPr lang="en-US" sz="2000" dirty="0" smtClean="0">
+              <a:latin typeface="Arial" panose="020B0604020202020204" pitchFamily="34" charset="0"/>
+              <a:cs typeface="Arial" panose="020B0604020202020204" pitchFamily="34" charset="0"/>
+            </a:endParaRPr>
+          </a:p>
+          <a:p>
+            <a:endParaRPr lang="en-US" sz="2600" dirty="0" smtClean="0">
+              <a:latin typeface="Arial" panose="020B0604020202020204" pitchFamily="34" charset="0"/>
+              <a:cs typeface="Arial" panose="020B0604020202020204" pitchFamily="34" charset="0"/>
+            </a:endParaRPr>
+          </a:p>
+        </p:txBody>
+      </p:sp>
+    </p:spTree>
+  </p:cSld>
+  <p:clrMapOvr>
+    <a:masterClrMapping/>
+  </p:clrMapOvr>
+</p:sld>
+</file>
+
+<file path=ppt/slides/slide13.xml><?xml version="1.0" encoding="utf-8"?>
+<p:sld xmlns:a="http://schemas.openxmlformats.org/drawingml/2006/main" xmlns:r="http://schemas.openxmlformats.org/officeDocument/2006/relationships" xmlns:p="http://schemas.openxmlformats.org/presentationml/2006/main">
+  <p:cSld>
+    <p:spTree>
+      <p:nvGrpSpPr>
+        <p:cNvPr id="1" name=""/>
+        <p:cNvGrpSpPr/>
+        <p:nvPr/>
+      </p:nvGrpSpPr>
+      <p:grpSpPr>
+        <a:xfrm>
+          <a:off x="0" y="0"/>
+          <a:ext cx="0" cy="0"/>
+          <a:chOff x="0" y="0"/>
+          <a:chExt cx="0" cy="0"/>
+        </a:xfrm>
+      </p:grpSpPr>
+      <p:sp>
+        <p:nvSpPr>
+          <p:cNvPr id="26625" name="Title 3"/>
+          <p:cNvSpPr>
+            <a:spLocks noGrp="1"/>
+          </p:cNvSpPr>
+          <p:nvPr>
+            <p:ph type="title"/>
+          </p:nvPr>
+        </p:nvSpPr>
+        <p:spPr>
+          <a:xfrm>
+            <a:off x="612775" y="228600"/>
+            <a:ext cx="8153400" cy="990600"/>
+          </a:xfrm>
+        </p:spPr>
+        <p:txBody>
+          <a:bodyPr/>
+          <a:lstStyle/>
+          <a:p>
+            <a:r>
+              <a:rPr lang="en-US" sz="3600" dirty="0" err="1">
+                <a:latin typeface="Arial" panose="020B0604020202020204" pitchFamily="34" charset="0"/>
+                <a:cs typeface="Arial" panose="020B0604020202020204" pitchFamily="34" charset="0"/>
+              </a:rPr>
+              <a:t>Univariate</a:t>
+            </a:r>
+            <a:r>
+              <a:rPr lang="en-US" sz="3600" dirty="0">
+                <a:latin typeface="Arial" panose="020B0604020202020204" pitchFamily="34" charset="0"/>
+                <a:cs typeface="Arial" panose="020B0604020202020204" pitchFamily="34" charset="0"/>
+              </a:rPr>
+              <a:t> </a:t>
+            </a:r>
+            <a:r>
+              <a:rPr lang="en-US" sz="3600" dirty="0" smtClean="0">
+                <a:latin typeface="Arial" panose="020B0604020202020204" pitchFamily="34" charset="0"/>
+                <a:cs typeface="Arial" panose="020B0604020202020204" pitchFamily="34" charset="0"/>
+              </a:rPr>
+              <a:t>Statistics</a:t>
+            </a:r>
+            <a:endParaRPr lang="en-US" sz="3600" dirty="0" smtClean="0"/>
+          </a:p>
+        </p:txBody>
+      </p:sp>
+      <p:sp>
+        <p:nvSpPr>
+          <p:cNvPr id="26626" name="Content Placeholder 2"/>
+          <p:cNvSpPr>
+            <a:spLocks noGrp="1"/>
+          </p:cNvSpPr>
+          <p:nvPr>
+            <p:ph sz="quarter" idx="1"/>
+          </p:nvPr>
+        </p:nvSpPr>
+        <p:spPr>
+          <a:xfrm>
+            <a:off x="612775" y="1600200"/>
+            <a:ext cx="8153400" cy="4495800"/>
+          </a:xfrm>
+        </p:spPr>
+        <p:txBody>
+          <a:bodyPr/>
+          <a:lstStyle/>
+          <a:p>
+            <a:r>
+              <a:rPr lang="en-US" dirty="0" smtClean="0">
+                <a:latin typeface="Arial" panose="020B0604020202020204" pitchFamily="34" charset="0"/>
+                <a:cs typeface="Arial" panose="020B0604020202020204" pitchFamily="34" charset="0"/>
+              </a:rPr>
+              <a:t>Frequency Distributions</a:t>
+            </a:r>
+          </a:p>
+          <a:p>
+            <a:pPr lvl="1"/>
+            <a:r>
+              <a:rPr lang="en-US" dirty="0" smtClean="0">
+                <a:latin typeface="Arial" panose="020B0604020202020204" pitchFamily="34" charset="0"/>
+                <a:cs typeface="Arial" panose="020B0604020202020204" pitchFamily="34" charset="0"/>
+              </a:rPr>
+              <a:t>The number </a:t>
+            </a:r>
+            <a:r>
+              <a:rPr lang="en-US" dirty="0" smtClean="0">
+                <a:latin typeface="Arial" panose="020B0604020202020204" pitchFamily="34" charset="0"/>
+                <a:cs typeface="Arial" panose="020B0604020202020204" pitchFamily="34" charset="0"/>
+              </a:rPr>
+              <a:t>of times the various attributes of a variable are observed in a sample</a:t>
+            </a:r>
+            <a:r>
+              <a:rPr lang="en-US" dirty="0" smtClean="0">
+                <a:latin typeface="Arial" panose="020B0604020202020204" pitchFamily="34" charset="0"/>
+                <a:cs typeface="Arial" panose="020B0604020202020204" pitchFamily="34" charset="0"/>
+              </a:rPr>
+              <a:t>.</a:t>
+            </a:r>
+          </a:p>
+          <a:p>
+            <a:pPr lvl="1"/>
+            <a:r>
+              <a:rPr lang="en-US" dirty="0" smtClean="0">
+                <a:latin typeface="Arial" panose="020B0604020202020204" pitchFamily="34" charset="0"/>
+                <a:cs typeface="Arial" panose="020B0604020202020204" pitchFamily="34" charset="0"/>
+              </a:rPr>
+              <a:t>Usually in percentage</a:t>
+            </a:r>
+            <a:endParaRPr lang="en-US" dirty="0" smtClean="0">
+              <a:latin typeface="Arial" panose="020B0604020202020204" pitchFamily="34" charset="0"/>
+              <a:cs typeface="Arial" panose="020B0604020202020204" pitchFamily="34" charset="0"/>
+            </a:endParaRPr>
+          </a:p>
+        </p:txBody>
+      </p:sp>
+    </p:spTree>
+  </p:cSld>
+  <p:clrMapOvr>
+    <a:masterClrMapping/>
+  </p:clrMapOvr>
+</p:sld>
+</file>
+
+<file path=ppt/slides/slide14.xml><?xml version="1.0" encoding="utf-8"?>
 <p:sld xmlns:a="http://schemas.openxmlformats.org/drawingml/2006/main" xmlns:r="http://schemas.openxmlformats.org/officeDocument/2006/relationships" xmlns:p="http://schemas.openxmlformats.org/presentationml/2006/main">
   <p:cSld>
     <p:spTree>
@@ -6673,7 +7222,7 @@
 </p:sld>
 </file>
 
-<file path=ppt/slides/slide13.xml><?xml version="1.0" encoding="utf-8"?>
+<file path=ppt/slides/slide15.xml><?xml version="1.0" encoding="utf-8"?>
 <p:sld xmlns:a="http://schemas.openxmlformats.org/drawingml/2006/main" xmlns:r="http://schemas.openxmlformats.org/officeDocument/2006/relationships" xmlns:p="http://schemas.openxmlformats.org/presentationml/2006/main">
   <p:cSld>
     <p:spTree>
@@ -6874,7 +7423,7 @@
 </p:sld>
 </file>
 
-<file path=ppt/slides/slide14.xml><?xml version="1.0" encoding="utf-8"?>
+<file path=ppt/slides/slide16.xml><?xml version="1.0" encoding="utf-8"?>
 <p:sld xmlns:a="http://schemas.openxmlformats.org/drawingml/2006/main" xmlns:r="http://schemas.openxmlformats.org/officeDocument/2006/relationships" xmlns:p="http://schemas.openxmlformats.org/presentationml/2006/main">
   <p:cSld>
     <p:spTree>
@@ -7075,7 +7624,7 @@
 </p:sld>
 </file>
 
-<file path=ppt/slides/slide15.xml><?xml version="1.0" encoding="utf-8"?>
+<file path=ppt/slides/slide17.xml><?xml version="1.0" encoding="utf-8"?>
 <p:sld xmlns:a="http://schemas.openxmlformats.org/drawingml/2006/main" xmlns:r="http://schemas.openxmlformats.org/officeDocument/2006/relationships" xmlns:p="http://schemas.openxmlformats.org/presentationml/2006/main">
   <p:cSld>
     <p:spTree>
@@ -7094,7 +7643,7 @@
       </p:grpSpPr>
       <p:sp>
         <p:nvSpPr>
-          <p:cNvPr id="30721" name="Title 3"/>
+          <p:cNvPr id="2" name="Title 1"/>
           <p:cNvSpPr>
             <a:spLocks noGrp="1"/>
           </p:cNvSpPr>
@@ -7102,44 +7651,22 @@
             <p:ph type="title"/>
           </p:nvPr>
         </p:nvSpPr>
-        <p:spPr>
-          <a:xfrm>
-            <a:off x="612775" y="228600"/>
-            <a:ext cx="8153400" cy="990600"/>
-          </a:xfrm>
-        </p:spPr>
+        <p:spPr/>
         <p:txBody>
           <a:bodyPr/>
           <a:lstStyle/>
           <a:p>
             <a:r>
-              <a:rPr lang="en-US" sz="3600" dirty="0">
-                <a:latin typeface="Arial" panose="020B0604020202020204" pitchFamily="34" charset="0"/>
-                <a:cs typeface="Arial" panose="020B0604020202020204" pitchFamily="34" charset="0"/>
-              </a:rPr>
-              <a:t>Univariate Analysis </a:t>
-            </a:r>
-            <a:r>
-              <a:rPr lang="en-US" sz="1200" dirty="0">
-                <a:latin typeface="Arial" panose="020B0604020202020204" pitchFamily="34" charset="0"/>
-                <a:cs typeface="Arial" panose="020B0604020202020204" pitchFamily="34" charset="0"/>
-              </a:rPr>
-              <a:t>(slide 1 of </a:t>
-            </a:r>
-            <a:r>
-              <a:rPr lang="en-US" sz="1200" dirty="0" smtClean="0">
-                <a:latin typeface="Arial" panose="020B0604020202020204" pitchFamily="34" charset="0"/>
-                <a:cs typeface="Arial" panose="020B0604020202020204" pitchFamily="34" charset="0"/>
-              </a:rPr>
-              <a:t>3)</a:t>
-            </a:r>
-            <a:endParaRPr lang="en-US" sz="1200" dirty="0" smtClean="0"/>
-          </a:p>
-        </p:txBody>
-      </p:sp>
-      <p:sp>
-        <p:nvSpPr>
-          <p:cNvPr id="30722" name="Content Placeholder 2"/>
+              <a:rPr lang="en-US" dirty="0" smtClean="0"/>
+              <a:t>Example: Number of Students in Class using Laptops/Tablets</a:t>
+            </a:r>
+            <a:endParaRPr lang="en-US" dirty="0"/>
+          </a:p>
+        </p:txBody>
+      </p:sp>
+      <p:sp>
+        <p:nvSpPr>
+          <p:cNvPr id="3" name="Content Placeholder 2"/>
           <p:cNvSpPr>
             <a:spLocks noGrp="1"/>
           </p:cNvSpPr>
@@ -7147,74 +7674,76 @@
             <p:ph sz="quarter" idx="1"/>
           </p:nvPr>
         </p:nvSpPr>
-        <p:spPr>
-          <a:xfrm>
-            <a:off x="612775" y="1600200"/>
-            <a:ext cx="8153400" cy="4495800"/>
-          </a:xfrm>
-        </p:spPr>
+        <p:spPr/>
         <p:txBody>
           <a:bodyPr/>
           <a:lstStyle/>
           <a:p>
             <a:r>
-              <a:rPr lang="en-US" sz="2600" dirty="0" smtClean="0">
-                <a:latin typeface="Arial" panose="020B0604020202020204" pitchFamily="34" charset="0"/>
-                <a:cs typeface="Arial" panose="020B0604020202020204" pitchFamily="34" charset="0"/>
-              </a:rPr>
-              <a:t>Measures of Central Tendency</a:t>
+              <a:rPr lang="en-US" dirty="0" smtClean="0"/>
+              <a:t>Variable: </a:t>
             </a:r>
           </a:p>
           <a:p>
             <a:pPr lvl="1"/>
             <a:r>
-              <a:rPr lang="en-US" dirty="0" err="1" smtClean="0">
-                <a:latin typeface="Arial" panose="020B0604020202020204" pitchFamily="34" charset="0"/>
-                <a:cs typeface="Arial" panose="020B0604020202020204" pitchFamily="34" charset="0"/>
-              </a:rPr>
-              <a:t>Univariate</a:t>
-            </a:r>
-            <a:r>
-              <a:rPr lang="en-US" dirty="0" smtClean="0">
-                <a:latin typeface="Arial" panose="020B0604020202020204" pitchFamily="34" charset="0"/>
-                <a:cs typeface="Arial" panose="020B0604020202020204" pitchFamily="34" charset="0"/>
-              </a:rPr>
-              <a:t> ways of describing the data</a:t>
-            </a:r>
-          </a:p>
-          <a:p>
-            <a:pPr lvl="2"/>
-            <a:r>
-              <a:rPr lang="en-US" dirty="0" smtClean="0">
-                <a:latin typeface="Arial" panose="020B0604020202020204" pitchFamily="34" charset="0"/>
-                <a:cs typeface="Arial" panose="020B0604020202020204" pitchFamily="34" charset="0"/>
-              </a:rPr>
-              <a:t>Mean</a:t>
-            </a:r>
-          </a:p>
-          <a:p>
-            <a:pPr lvl="2"/>
-            <a:r>
-              <a:rPr lang="en-US" dirty="0" smtClean="0">
-                <a:latin typeface="Arial" panose="020B0604020202020204" pitchFamily="34" charset="0"/>
-                <a:cs typeface="Arial" panose="020B0604020202020204" pitchFamily="34" charset="0"/>
-              </a:rPr>
-              <a:t>Median</a:t>
-            </a:r>
-          </a:p>
-          <a:p>
-            <a:pPr lvl="2"/>
-            <a:r>
-              <a:rPr lang="en-US" dirty="0" smtClean="0">
-                <a:latin typeface="Arial" panose="020B0604020202020204" pitchFamily="34" charset="0"/>
-                <a:cs typeface="Arial" panose="020B0604020202020204" pitchFamily="34" charset="0"/>
-              </a:rPr>
-              <a:t>Mode</a:t>
-            </a:r>
+              <a:rPr lang="en-US" dirty="0" smtClean="0"/>
+              <a:t>Student Laptop Use</a:t>
+            </a:r>
+          </a:p>
+          <a:p>
+            <a:r>
+              <a:rPr lang="en-US" dirty="0" smtClean="0"/>
+              <a:t>Information:</a:t>
+            </a:r>
+          </a:p>
+          <a:p>
+            <a:pPr lvl="1"/>
+            <a:r>
+              <a:rPr lang="en-US" dirty="0" smtClean="0"/>
+              <a:t>Student Total: 39</a:t>
+            </a:r>
+          </a:p>
+          <a:p>
+            <a:pPr lvl="1"/>
+            <a:r>
+              <a:rPr lang="en-US" dirty="0" smtClean="0"/>
+              <a:t>With Laptops: </a:t>
+            </a:r>
+          </a:p>
+          <a:p>
+            <a:pPr lvl="1"/>
+            <a:r>
+              <a:rPr lang="en-US" dirty="0" smtClean="0"/>
+              <a:t>Without Laptops: </a:t>
+            </a:r>
+          </a:p>
+          <a:p>
+            <a:endParaRPr lang="en-US" dirty="0"/>
+          </a:p>
+          <a:p>
+            <a:r>
+              <a:rPr lang="en-US" dirty="0" smtClean="0"/>
+              <a:t>Variable Type?</a:t>
+            </a:r>
+          </a:p>
+          <a:p>
+            <a:r>
+              <a:rPr lang="en-US" dirty="0" smtClean="0"/>
+              <a:t>Frequency Distribution (in percentage)?</a:t>
+            </a:r>
+          </a:p>
+          <a:p>
+            <a:endParaRPr lang="en-US" dirty="0"/>
           </a:p>
         </p:txBody>
       </p:sp>
     </p:spTree>
+    <p:extLst>
+      <p:ext uri="{BB962C8B-B14F-4D97-AF65-F5344CB8AC3E}">
+        <p14:creationId xmlns:p14="http://schemas.microsoft.com/office/powerpoint/2010/main" val="2390608035"/>
+      </p:ext>
+    </p:extLst>
   </p:cSld>
   <p:clrMapOvr>
     <a:masterClrMapping/>
@@ -7222,7 +7751,7 @@
 </p:sld>
 </file>
 
-<file path=ppt/slides/slide16.xml><?xml version="1.0" encoding="utf-8"?>
+<file path=ppt/slides/slide18.xml><?xml version="1.0" encoding="utf-8"?>
 <p:sld xmlns:a="http://schemas.openxmlformats.org/drawingml/2006/main" xmlns:r="http://schemas.openxmlformats.org/officeDocument/2006/relationships" xmlns:p="http://schemas.openxmlformats.org/presentationml/2006/main">
   <p:cSld>
     <p:spTree>
@@ -7241,7 +7770,7 @@
       </p:grpSpPr>
       <p:sp>
         <p:nvSpPr>
-          <p:cNvPr id="31745" name="Title 3"/>
+          <p:cNvPr id="30721" name="Title 3"/>
           <p:cNvSpPr>
             <a:spLocks noGrp="1"/>
           </p:cNvSpPr>
@@ -7260,32 +7789,25 @@
           <a:lstStyle/>
           <a:p>
             <a:r>
+              <a:rPr lang="en-US" sz="3600" dirty="0" err="1">
+                <a:latin typeface="Arial" panose="020B0604020202020204" pitchFamily="34" charset="0"/>
+                <a:cs typeface="Arial" panose="020B0604020202020204" pitchFamily="34" charset="0"/>
+              </a:rPr>
+              <a:t>Univariate</a:t>
+            </a:r>
+            <a:r>
               <a:rPr lang="en-US" sz="3600" dirty="0">
                 <a:latin typeface="Arial" panose="020B0604020202020204" pitchFamily="34" charset="0"/>
                 <a:cs typeface="Arial" panose="020B0604020202020204" pitchFamily="34" charset="0"/>
               </a:rPr>
-              <a:t>Univariate Analysis </a:t>
-            </a:r>
-            <a:r>
-              <a:rPr lang="en-US" sz="1200" dirty="0">
-                <a:latin typeface="Arial" panose="020B0604020202020204" pitchFamily="34" charset="0"/>
-                <a:cs typeface="Arial" panose="020B0604020202020204" pitchFamily="34" charset="0"/>
-              </a:rPr>
-              <a:t>(slide </a:t>
-            </a:r>
-            <a:r>
-              <a:rPr lang="en-US" sz="1200" dirty="0" smtClean="0">
-                <a:latin typeface="Arial" panose="020B0604020202020204" pitchFamily="34" charset="0"/>
-                <a:cs typeface="Arial" panose="020B0604020202020204" pitchFamily="34" charset="0"/>
-              </a:rPr>
-              <a:t>2 </a:t>
-            </a:r>
-            <a:r>
-              <a:rPr lang="en-US" sz="1200" dirty="0">
-                <a:latin typeface="Arial" panose="020B0604020202020204" pitchFamily="34" charset="0"/>
-                <a:cs typeface="Arial" panose="020B0604020202020204" pitchFamily="34" charset="0"/>
-              </a:rPr>
-              <a:t>of 3)</a:t>
+              <a:t> </a:t>
+            </a:r>
+            <a:r>
+              <a:rPr lang="en-US" sz="3600" dirty="0" smtClean="0">
+                <a:latin typeface="Arial" panose="020B0604020202020204" pitchFamily="34" charset="0"/>
+                <a:cs typeface="Arial" panose="020B0604020202020204" pitchFamily="34" charset="0"/>
+              </a:rPr>
+              <a:t>Statistics</a:t>
             </a:r>
             <a:endParaRPr lang="en-US" sz="1200" dirty="0" smtClean="0"/>
           </a:p>
@@ -7293,7 +7815,7 @@
       </p:sp>
       <p:sp>
         <p:nvSpPr>
-          <p:cNvPr id="20483" name="Content Placeholder 2"/>
+          <p:cNvPr id="30722" name="Content Placeholder 2"/>
           <p:cNvSpPr>
             <a:spLocks noGrp="1"/>
           </p:cNvSpPr>
@@ -7308,154 +7830,63 @@
           </a:xfrm>
         </p:spPr>
         <p:txBody>
-          <a:bodyPr>
-            <a:normAutofit fontScale="92500"/>
-          </a:bodyPr>
-          <a:lstStyle/>
-          <a:p>
-            <a:pPr marL="320040" indent="-320040" fontAlgn="auto">
-              <a:spcAft>
-                <a:spcPts val="0"/>
-              </a:spcAft>
-              <a:buFont typeface="Wingdings"/>
-              <a:buChar char=""/>
-              <a:defRPr/>
-            </a:pPr>
+          <a:bodyPr/>
+          <a:lstStyle/>
+          <a:p>
             <a:r>
               <a:rPr lang="en-US" sz="2600" dirty="0" smtClean="0">
                 <a:latin typeface="Arial" panose="020B0604020202020204" pitchFamily="34" charset="0"/>
                 <a:cs typeface="Arial" panose="020B0604020202020204" pitchFamily="34" charset="0"/>
               </a:rPr>
-              <a:t>Mode – the most frequently observed value or attribute. </a:t>
-            </a:r>
-            <a:r>
-              <a:rPr lang="en-US" sz="2600" i="1" u="sng" dirty="0" smtClean="0">
-                <a:latin typeface="Arial" panose="020B0604020202020204" pitchFamily="34" charset="0"/>
-                <a:cs typeface="Arial" panose="020B0604020202020204" pitchFamily="34" charset="0"/>
-              </a:rPr>
-              <a:t>Can be used for all variable types: nominal, ordinal, and interval</a:t>
-            </a:r>
-            <a:r>
-              <a:rPr lang="en-US" sz="2600" i="1" dirty="0" smtClean="0">
-                <a:latin typeface="Arial" panose="020B0604020202020204" pitchFamily="34" charset="0"/>
-                <a:cs typeface="Arial" panose="020B0604020202020204" pitchFamily="34" charset="0"/>
-              </a:rPr>
-              <a:t>.</a:t>
-            </a:r>
-          </a:p>
-          <a:p>
-            <a:pPr marL="320040" indent="-320040" fontAlgn="auto">
-              <a:spcAft>
-                <a:spcPts val="0"/>
-              </a:spcAft>
-              <a:buFont typeface="Wingdings"/>
-              <a:buChar char=""/>
-              <a:defRPr/>
-            </a:pPr>
-            <a:endParaRPr lang="en-US" sz="2600" dirty="0" smtClean="0">
-              <a:latin typeface="Arial" panose="020B0604020202020204" pitchFamily="34" charset="0"/>
-              <a:cs typeface="Arial" panose="020B0604020202020204" pitchFamily="34" charset="0"/>
-            </a:endParaRPr>
-          </a:p>
-          <a:p>
-            <a:pPr marL="320040" indent="-320040" fontAlgn="auto">
-              <a:spcAft>
-                <a:spcPts val="0"/>
-              </a:spcAft>
-              <a:buFont typeface="Wingdings"/>
-              <a:buChar char=""/>
-              <a:defRPr/>
-            </a:pPr>
-            <a:r>
-              <a:rPr lang="en-US" sz="2600" dirty="0" smtClean="0">
-                <a:latin typeface="Arial" panose="020B0604020202020204" pitchFamily="34" charset="0"/>
-                <a:cs typeface="Arial" panose="020B0604020202020204" pitchFamily="34" charset="0"/>
-              </a:rPr>
-              <a:t>Median –the value of the “middle” case in a rank-ordered set of observations. </a:t>
-            </a:r>
-            <a:r>
-              <a:rPr lang="en-US" sz="2600" i="1" u="sng" dirty="0">
-                <a:latin typeface="Arial" panose="020B0604020202020204" pitchFamily="34" charset="0"/>
-                <a:cs typeface="Arial" panose="020B0604020202020204" pitchFamily="34" charset="0"/>
-              </a:rPr>
-              <a:t>Can be used for </a:t>
-            </a:r>
-            <a:r>
-              <a:rPr lang="en-US" sz="2600" i="1" u="sng" dirty="0" smtClean="0">
-                <a:latin typeface="Arial" panose="020B0604020202020204" pitchFamily="34" charset="0"/>
-                <a:cs typeface="Arial" panose="020B0604020202020204" pitchFamily="34" charset="0"/>
-              </a:rPr>
-              <a:t>two variable </a:t>
-            </a:r>
-            <a:r>
-              <a:rPr lang="en-US" sz="2600" i="1" u="sng" dirty="0">
-                <a:latin typeface="Arial" panose="020B0604020202020204" pitchFamily="34" charset="0"/>
-                <a:cs typeface="Arial" panose="020B0604020202020204" pitchFamily="34" charset="0"/>
-              </a:rPr>
-              <a:t>types: </a:t>
-            </a:r>
-            <a:r>
-              <a:rPr lang="en-US" sz="2600" i="1" u="sng" dirty="0" smtClean="0">
-                <a:latin typeface="Arial" panose="020B0604020202020204" pitchFamily="34" charset="0"/>
-                <a:cs typeface="Arial" panose="020B0604020202020204" pitchFamily="34" charset="0"/>
-              </a:rPr>
-              <a:t>ordinal</a:t>
-            </a:r>
-            <a:r>
-              <a:rPr lang="en-US" sz="2600" i="1" u="sng" dirty="0">
-                <a:latin typeface="Arial" panose="020B0604020202020204" pitchFamily="34" charset="0"/>
-                <a:cs typeface="Arial" panose="020B0604020202020204" pitchFamily="34" charset="0"/>
-              </a:rPr>
-              <a:t>, and interval.</a:t>
-            </a:r>
-          </a:p>
-          <a:p>
-            <a:pPr marL="0" indent="0" fontAlgn="auto">
-              <a:spcAft>
-                <a:spcPts val="0"/>
-              </a:spcAft>
-              <a:buNone/>
-              <a:defRPr/>
-            </a:pPr>
-            <a:endParaRPr lang="en-US" sz="2600" dirty="0">
-              <a:latin typeface="Arial" panose="020B0604020202020204" pitchFamily="34" charset="0"/>
-              <a:cs typeface="Arial" panose="020B0604020202020204" pitchFamily="34" charset="0"/>
-            </a:endParaRPr>
-          </a:p>
-          <a:p>
-            <a:pPr marL="320040" indent="-320040" fontAlgn="auto">
-              <a:spcAft>
-                <a:spcPts val="0"/>
-              </a:spcAft>
-              <a:buFont typeface="Wingdings"/>
-              <a:buChar char=""/>
-              <a:defRPr/>
-            </a:pPr>
-            <a:r>
-              <a:rPr lang="en-US" sz="2600" dirty="0">
-                <a:latin typeface="Arial" panose="020B0604020202020204" pitchFamily="34" charset="0"/>
-                <a:cs typeface="Arial" panose="020B0604020202020204" pitchFamily="34" charset="0"/>
-              </a:rPr>
-              <a:t>Mean – computed by summing the values of several observations and dividing by the number of observations</a:t>
-            </a:r>
-            <a:r>
-              <a:rPr lang="en-US" sz="2600" dirty="0" smtClean="0">
-                <a:latin typeface="Arial" panose="020B0604020202020204" pitchFamily="34" charset="0"/>
-                <a:cs typeface="Arial" panose="020B0604020202020204" pitchFamily="34" charset="0"/>
-              </a:rPr>
-              <a:t>. </a:t>
-            </a:r>
-            <a:r>
-              <a:rPr lang="en-US" sz="2600" i="1" u="sng" dirty="0" smtClean="0">
-                <a:latin typeface="Arial" panose="020B0604020202020204" pitchFamily="34" charset="0"/>
-                <a:cs typeface="Arial" panose="020B0604020202020204" pitchFamily="34" charset="0"/>
-              </a:rPr>
-              <a:t>Can only be used for interval variables</a:t>
-            </a:r>
-            <a:endParaRPr lang="en-US" sz="2600" i="1" u="sng" dirty="0">
-              <a:latin typeface="Arial" panose="020B0604020202020204" pitchFamily="34" charset="0"/>
-              <a:cs typeface="Arial" panose="020B0604020202020204" pitchFamily="34" charset="0"/>
-            </a:endParaRPr>
+              <a:t>Measures of Central Tendency</a:t>
+            </a:r>
+          </a:p>
+          <a:p>
+            <a:pPr lvl="1"/>
+            <a:r>
+              <a:rPr lang="en-US" dirty="0" err="1" smtClean="0">
+                <a:latin typeface="Arial" panose="020B0604020202020204" pitchFamily="34" charset="0"/>
+                <a:cs typeface="Arial" panose="020B0604020202020204" pitchFamily="34" charset="0"/>
+              </a:rPr>
+              <a:t>Univariate</a:t>
+            </a:r>
+            <a:r>
+              <a:rPr lang="en-US" dirty="0" smtClean="0">
+                <a:latin typeface="Arial" panose="020B0604020202020204" pitchFamily="34" charset="0"/>
+                <a:cs typeface="Arial" panose="020B0604020202020204" pitchFamily="34" charset="0"/>
+              </a:rPr>
+              <a:t> ways of describing the data</a:t>
+            </a:r>
+          </a:p>
+          <a:p>
+            <a:pPr lvl="2"/>
+            <a:r>
+              <a:rPr lang="en-US" dirty="0" smtClean="0">
+                <a:latin typeface="Arial" panose="020B0604020202020204" pitchFamily="34" charset="0"/>
+                <a:cs typeface="Arial" panose="020B0604020202020204" pitchFamily="34" charset="0"/>
+              </a:rPr>
+              <a:t>Mean</a:t>
+            </a:r>
+          </a:p>
+          <a:p>
+            <a:pPr lvl="2"/>
+            <a:r>
+              <a:rPr lang="en-US" dirty="0" smtClean="0">
+                <a:latin typeface="Arial" panose="020B0604020202020204" pitchFamily="34" charset="0"/>
+                <a:cs typeface="Arial" panose="020B0604020202020204" pitchFamily="34" charset="0"/>
+              </a:rPr>
+              <a:t>Median</a:t>
+            </a:r>
+          </a:p>
+          <a:p>
+            <a:pPr lvl="2"/>
+            <a:r>
+              <a:rPr lang="en-US" dirty="0" smtClean="0">
+                <a:latin typeface="Arial" panose="020B0604020202020204" pitchFamily="34" charset="0"/>
+                <a:cs typeface="Arial" panose="020B0604020202020204" pitchFamily="34" charset="0"/>
+              </a:rPr>
+              <a:t>Mode</a:t>
+            </a:r>
           </a:p>
         </p:txBody>
       </p:sp>
@@ -7467,7 +7898,498 @@
 </p:sld>
 </file>
 
-<file path=ppt/slides/slide17.xml><?xml version="1.0" encoding="utf-8"?>
+<file path=ppt/slides/slide19.xml><?xml version="1.0" encoding="utf-8"?>
+<p:sld xmlns:a="http://schemas.openxmlformats.org/drawingml/2006/main" xmlns:r="http://schemas.openxmlformats.org/officeDocument/2006/relationships" xmlns:p="http://schemas.openxmlformats.org/presentationml/2006/main">
+  <p:cSld>
+    <p:spTree>
+      <p:nvGrpSpPr>
+        <p:cNvPr id="1" name=""/>
+        <p:cNvGrpSpPr/>
+        <p:nvPr/>
+      </p:nvGrpSpPr>
+      <p:grpSpPr>
+        <a:xfrm>
+          <a:off x="0" y="0"/>
+          <a:ext cx="0" cy="0"/>
+          <a:chOff x="0" y="0"/>
+          <a:chExt cx="0" cy="0"/>
+        </a:xfrm>
+      </p:grpSpPr>
+      <p:sp>
+        <p:nvSpPr>
+          <p:cNvPr id="31745" name="Title 3"/>
+          <p:cNvSpPr>
+            <a:spLocks noGrp="1"/>
+          </p:cNvSpPr>
+          <p:nvPr>
+            <p:ph type="title"/>
+          </p:nvPr>
+        </p:nvSpPr>
+        <p:spPr>
+          <a:xfrm>
+            <a:off x="612775" y="228600"/>
+            <a:ext cx="8153400" cy="990600"/>
+          </a:xfrm>
+        </p:spPr>
+        <p:txBody>
+          <a:bodyPr/>
+          <a:lstStyle/>
+          <a:p>
+            <a:r>
+              <a:rPr lang="en-US" sz="3600" dirty="0" err="1">
+                <a:latin typeface="Arial" panose="020B0604020202020204" pitchFamily="34" charset="0"/>
+                <a:cs typeface="Arial" panose="020B0604020202020204" pitchFamily="34" charset="0"/>
+              </a:rPr>
+              <a:t>Univariate</a:t>
+            </a:r>
+            <a:r>
+              <a:rPr lang="en-US" sz="3600" dirty="0">
+                <a:latin typeface="Arial" panose="020B0604020202020204" pitchFamily="34" charset="0"/>
+                <a:cs typeface="Arial" panose="020B0604020202020204" pitchFamily="34" charset="0"/>
+              </a:rPr>
+              <a:t> Statistics</a:t>
+            </a:r>
+            <a:endParaRPr lang="en-US" sz="1200" dirty="0" smtClean="0"/>
+          </a:p>
+        </p:txBody>
+      </p:sp>
+      <p:sp>
+        <p:nvSpPr>
+          <p:cNvPr id="20483" name="Content Placeholder 2"/>
+          <p:cNvSpPr>
+            <a:spLocks noGrp="1"/>
+          </p:cNvSpPr>
+          <p:nvPr>
+            <p:ph sz="quarter" idx="1"/>
+          </p:nvPr>
+        </p:nvSpPr>
+        <p:spPr>
+          <a:xfrm>
+            <a:off x="612775" y="1600200"/>
+            <a:ext cx="8153400" cy="4495800"/>
+          </a:xfrm>
+        </p:spPr>
+        <p:txBody>
+          <a:bodyPr>
+            <a:normAutofit fontScale="92500" lnSpcReduction="20000"/>
+          </a:bodyPr>
+          <a:lstStyle/>
+          <a:p>
+            <a:pPr marL="320040" indent="-320040" fontAlgn="auto">
+              <a:spcAft>
+                <a:spcPts val="0"/>
+              </a:spcAft>
+              <a:buFont typeface="Wingdings"/>
+              <a:buChar char=""/>
+              <a:defRPr/>
+            </a:pPr>
+            <a:r>
+              <a:rPr lang="en-US" sz="2600" dirty="0" smtClean="0">
+                <a:latin typeface="Arial" panose="020B0604020202020204" pitchFamily="34" charset="0"/>
+                <a:cs typeface="Arial" panose="020B0604020202020204" pitchFamily="34" charset="0"/>
+              </a:rPr>
+              <a:t>Mode</a:t>
+            </a:r>
+          </a:p>
+          <a:p>
+            <a:pPr marL="640715" lvl="1" indent="-320040" fontAlgn="auto">
+              <a:spcAft>
+                <a:spcPts val="0"/>
+              </a:spcAft>
+              <a:buFont typeface="Wingdings"/>
+              <a:buChar char=""/>
+              <a:defRPr/>
+            </a:pPr>
+            <a:r>
+              <a:rPr lang="en-US" sz="2300" dirty="0" smtClean="0">
+                <a:latin typeface="Arial" panose="020B0604020202020204" pitchFamily="34" charset="0"/>
+                <a:cs typeface="Arial" panose="020B0604020202020204" pitchFamily="34" charset="0"/>
+              </a:rPr>
+              <a:t>the </a:t>
+            </a:r>
+            <a:r>
+              <a:rPr lang="en-US" sz="2300" dirty="0" smtClean="0">
+                <a:latin typeface="Arial" panose="020B0604020202020204" pitchFamily="34" charset="0"/>
+                <a:cs typeface="Arial" panose="020B0604020202020204" pitchFamily="34" charset="0"/>
+              </a:rPr>
+              <a:t>most frequently observed value or attribute. </a:t>
+            </a:r>
+            <a:r>
+              <a:rPr lang="en-US" sz="2300" i="1" u="sng" dirty="0" smtClean="0">
+                <a:latin typeface="Arial" panose="020B0604020202020204" pitchFamily="34" charset="0"/>
+                <a:cs typeface="Arial" panose="020B0604020202020204" pitchFamily="34" charset="0"/>
+              </a:rPr>
+              <a:t>Can be used for all variable types: nominal, ordinal, and interval</a:t>
+            </a:r>
+            <a:r>
+              <a:rPr lang="en-US" sz="2300" i="1" dirty="0" smtClean="0">
+                <a:latin typeface="Arial" panose="020B0604020202020204" pitchFamily="34" charset="0"/>
+                <a:cs typeface="Arial" panose="020B0604020202020204" pitchFamily="34" charset="0"/>
+              </a:rPr>
+              <a:t>.</a:t>
+            </a:r>
+          </a:p>
+          <a:p>
+            <a:pPr marL="320040" indent="-320040" fontAlgn="auto">
+              <a:spcAft>
+                <a:spcPts val="0"/>
+              </a:spcAft>
+              <a:buFont typeface="Wingdings"/>
+              <a:buChar char=""/>
+              <a:defRPr/>
+            </a:pPr>
+            <a:endParaRPr lang="en-US" sz="2600" dirty="0" smtClean="0">
+              <a:latin typeface="Arial" panose="020B0604020202020204" pitchFamily="34" charset="0"/>
+              <a:cs typeface="Arial" panose="020B0604020202020204" pitchFamily="34" charset="0"/>
+            </a:endParaRPr>
+          </a:p>
+          <a:p>
+            <a:pPr marL="320040" indent="-320040" fontAlgn="auto">
+              <a:spcAft>
+                <a:spcPts val="0"/>
+              </a:spcAft>
+              <a:buFont typeface="Wingdings"/>
+              <a:buChar char=""/>
+              <a:defRPr/>
+            </a:pPr>
+            <a:r>
+              <a:rPr lang="en-US" sz="2600" dirty="0" smtClean="0">
+                <a:latin typeface="Arial" panose="020B0604020202020204" pitchFamily="34" charset="0"/>
+                <a:cs typeface="Arial" panose="020B0604020202020204" pitchFamily="34" charset="0"/>
+              </a:rPr>
+              <a:t>Median</a:t>
+            </a:r>
+          </a:p>
+          <a:p>
+            <a:pPr marL="640715" lvl="1" indent="-320040" fontAlgn="auto">
+              <a:spcAft>
+                <a:spcPts val="0"/>
+              </a:spcAft>
+              <a:buFont typeface="Wingdings"/>
+              <a:buChar char=""/>
+              <a:defRPr/>
+            </a:pPr>
+            <a:r>
+              <a:rPr lang="en-US" sz="2300" dirty="0" smtClean="0">
+                <a:latin typeface="Arial" panose="020B0604020202020204" pitchFamily="34" charset="0"/>
+                <a:cs typeface="Arial" panose="020B0604020202020204" pitchFamily="34" charset="0"/>
+              </a:rPr>
+              <a:t>the </a:t>
+            </a:r>
+            <a:r>
+              <a:rPr lang="en-US" sz="2300" dirty="0" smtClean="0">
+                <a:latin typeface="Arial" panose="020B0604020202020204" pitchFamily="34" charset="0"/>
+                <a:cs typeface="Arial" panose="020B0604020202020204" pitchFamily="34" charset="0"/>
+              </a:rPr>
+              <a:t>value of the “middle” case in a rank-ordered set of observations. </a:t>
+            </a:r>
+            <a:r>
+              <a:rPr lang="en-US" sz="2300" i="1" u="sng" dirty="0" smtClean="0">
+                <a:latin typeface="Arial" panose="020B0604020202020204" pitchFamily="34" charset="0"/>
+                <a:cs typeface="Arial" panose="020B0604020202020204" pitchFamily="34" charset="0"/>
+              </a:rPr>
+              <a:t>Should only be </a:t>
+            </a:r>
+            <a:r>
+              <a:rPr lang="en-US" sz="2300" i="1" u="sng" dirty="0">
+                <a:latin typeface="Arial" panose="020B0604020202020204" pitchFamily="34" charset="0"/>
+                <a:cs typeface="Arial" panose="020B0604020202020204" pitchFamily="34" charset="0"/>
+              </a:rPr>
+              <a:t>used for </a:t>
+            </a:r>
+            <a:r>
+              <a:rPr lang="en-US" sz="2300" i="1" u="sng" dirty="0" smtClean="0">
+                <a:latin typeface="Arial" panose="020B0604020202020204" pitchFamily="34" charset="0"/>
+                <a:cs typeface="Arial" panose="020B0604020202020204" pitchFamily="34" charset="0"/>
+              </a:rPr>
+              <a:t>two variable </a:t>
+            </a:r>
+            <a:r>
+              <a:rPr lang="en-US" sz="2300" i="1" u="sng" dirty="0">
+                <a:latin typeface="Arial" panose="020B0604020202020204" pitchFamily="34" charset="0"/>
+                <a:cs typeface="Arial" panose="020B0604020202020204" pitchFamily="34" charset="0"/>
+              </a:rPr>
+              <a:t>types: </a:t>
+            </a:r>
+            <a:r>
+              <a:rPr lang="en-US" sz="2300" i="1" u="sng" dirty="0" smtClean="0">
+                <a:latin typeface="Arial" panose="020B0604020202020204" pitchFamily="34" charset="0"/>
+                <a:cs typeface="Arial" panose="020B0604020202020204" pitchFamily="34" charset="0"/>
+              </a:rPr>
+              <a:t>ordinal</a:t>
+            </a:r>
+            <a:r>
+              <a:rPr lang="en-US" sz="2300" i="1" u="sng" dirty="0">
+                <a:latin typeface="Arial" panose="020B0604020202020204" pitchFamily="34" charset="0"/>
+                <a:cs typeface="Arial" panose="020B0604020202020204" pitchFamily="34" charset="0"/>
+              </a:rPr>
+              <a:t>, and interval.</a:t>
+            </a:r>
+          </a:p>
+          <a:p>
+            <a:pPr marL="0" indent="0" fontAlgn="auto">
+              <a:spcAft>
+                <a:spcPts val="0"/>
+              </a:spcAft>
+              <a:buNone/>
+              <a:defRPr/>
+            </a:pPr>
+            <a:endParaRPr lang="en-US" sz="2600" dirty="0">
+              <a:latin typeface="Arial" panose="020B0604020202020204" pitchFamily="34" charset="0"/>
+              <a:cs typeface="Arial" panose="020B0604020202020204" pitchFamily="34" charset="0"/>
+            </a:endParaRPr>
+          </a:p>
+          <a:p>
+            <a:pPr marL="320040" indent="-320040" fontAlgn="auto">
+              <a:spcAft>
+                <a:spcPts val="0"/>
+              </a:spcAft>
+              <a:buFont typeface="Wingdings"/>
+              <a:buChar char=""/>
+              <a:defRPr/>
+            </a:pPr>
+            <a:r>
+              <a:rPr lang="en-US" sz="2600" dirty="0" smtClean="0">
+                <a:latin typeface="Arial" panose="020B0604020202020204" pitchFamily="34" charset="0"/>
+                <a:cs typeface="Arial" panose="020B0604020202020204" pitchFamily="34" charset="0"/>
+              </a:rPr>
+              <a:t>Mean</a:t>
+            </a:r>
+          </a:p>
+          <a:p>
+            <a:pPr marL="640715" lvl="1" indent="-320040" fontAlgn="auto">
+              <a:spcAft>
+                <a:spcPts val="0"/>
+              </a:spcAft>
+              <a:buFont typeface="Wingdings"/>
+              <a:buChar char=""/>
+              <a:defRPr/>
+            </a:pPr>
+            <a:r>
+              <a:rPr lang="en-US" sz="2300" dirty="0" smtClean="0">
+                <a:latin typeface="Arial" panose="020B0604020202020204" pitchFamily="34" charset="0"/>
+                <a:cs typeface="Arial" panose="020B0604020202020204" pitchFamily="34" charset="0"/>
+              </a:rPr>
+              <a:t>computed </a:t>
+            </a:r>
+            <a:r>
+              <a:rPr lang="en-US" sz="2300" dirty="0">
+                <a:latin typeface="Arial" panose="020B0604020202020204" pitchFamily="34" charset="0"/>
+                <a:cs typeface="Arial" panose="020B0604020202020204" pitchFamily="34" charset="0"/>
+              </a:rPr>
+              <a:t>by summing the values of several observations and dividing by the number of observations</a:t>
+            </a:r>
+            <a:r>
+              <a:rPr lang="en-US" sz="2300" dirty="0" smtClean="0">
+                <a:latin typeface="Arial" panose="020B0604020202020204" pitchFamily="34" charset="0"/>
+                <a:cs typeface="Arial" panose="020B0604020202020204" pitchFamily="34" charset="0"/>
+              </a:rPr>
+              <a:t>. </a:t>
+            </a:r>
+            <a:r>
+              <a:rPr lang="en-US" sz="2300" i="1" u="sng" dirty="0" smtClean="0">
+                <a:latin typeface="Arial" panose="020B0604020202020204" pitchFamily="34" charset="0"/>
+                <a:cs typeface="Arial" panose="020B0604020202020204" pitchFamily="34" charset="0"/>
+              </a:rPr>
+              <a:t>Should only </a:t>
+            </a:r>
+            <a:r>
+              <a:rPr lang="en-US" sz="2300" i="1" u="sng" dirty="0" smtClean="0">
+                <a:latin typeface="Arial" panose="020B0604020202020204" pitchFamily="34" charset="0"/>
+                <a:cs typeface="Arial" panose="020B0604020202020204" pitchFamily="34" charset="0"/>
+              </a:rPr>
+              <a:t>be used for interval variables</a:t>
+            </a:r>
+            <a:endParaRPr lang="en-US" sz="2300" i="1" u="sng" dirty="0">
+              <a:latin typeface="Arial" panose="020B0604020202020204" pitchFamily="34" charset="0"/>
+              <a:cs typeface="Arial" panose="020B0604020202020204" pitchFamily="34" charset="0"/>
+            </a:endParaRPr>
+          </a:p>
+        </p:txBody>
+      </p:sp>
+    </p:spTree>
+  </p:cSld>
+  <p:clrMapOvr>
+    <a:masterClrMapping/>
+  </p:clrMapOvr>
+</p:sld>
+</file>
+
+<file path=ppt/slides/slide2.xml><?xml version="1.0" encoding="utf-8"?>
+<p:sld xmlns:a="http://schemas.openxmlformats.org/drawingml/2006/main" xmlns:r="http://schemas.openxmlformats.org/officeDocument/2006/relationships" xmlns:p="http://schemas.openxmlformats.org/presentationml/2006/main" show="0">
+  <p:cSld>
+    <p:spTree>
+      <p:nvGrpSpPr>
+        <p:cNvPr id="1" name=""/>
+        <p:cNvGrpSpPr/>
+        <p:nvPr/>
+      </p:nvGrpSpPr>
+      <p:grpSpPr>
+        <a:xfrm>
+          <a:off x="0" y="0"/>
+          <a:ext cx="0" cy="0"/>
+          <a:chOff x="0" y="0"/>
+          <a:chExt cx="0" cy="0"/>
+        </a:xfrm>
+      </p:grpSpPr>
+      <p:sp>
+        <p:nvSpPr>
+          <p:cNvPr id="15361" name="Title 1"/>
+          <p:cNvSpPr>
+            <a:spLocks noGrp="1"/>
+          </p:cNvSpPr>
+          <p:nvPr>
+            <p:ph type="title"/>
+          </p:nvPr>
+        </p:nvSpPr>
+        <p:spPr>
+          <a:xfrm>
+            <a:off x="612775" y="228600"/>
+            <a:ext cx="8153400" cy="990600"/>
+          </a:xfrm>
+        </p:spPr>
+        <p:txBody>
+          <a:bodyPr/>
+          <a:lstStyle/>
+          <a:p>
+            <a:r>
+              <a:rPr lang="en-US" sz="3600" dirty="0" smtClean="0">
+                <a:latin typeface="Arial" panose="020B0604020202020204" pitchFamily="34" charset="0"/>
+                <a:cs typeface="Arial" panose="020B0604020202020204" pitchFamily="34" charset="0"/>
+              </a:rPr>
+              <a:t>Chapter Outline</a:t>
+            </a:r>
+          </a:p>
+        </p:txBody>
+      </p:sp>
+      <p:sp>
+        <p:nvSpPr>
+          <p:cNvPr id="15362" name="Content Placeholder 2"/>
+          <p:cNvSpPr>
+            <a:spLocks noGrp="1"/>
+          </p:cNvSpPr>
+          <p:nvPr>
+            <p:ph sz="quarter" idx="1"/>
+          </p:nvPr>
+        </p:nvSpPr>
+        <p:spPr>
+          <a:xfrm>
+            <a:off x="612775" y="1600200"/>
+            <a:ext cx="8153400" cy="4495800"/>
+          </a:xfrm>
+        </p:spPr>
+        <p:txBody>
+          <a:bodyPr/>
+          <a:lstStyle/>
+          <a:p>
+            <a:r>
+              <a:rPr lang="en-US" sz="2600" dirty="0" smtClean="0">
+                <a:latin typeface="Arial" panose="020B0604020202020204" pitchFamily="34" charset="0"/>
+                <a:cs typeface="Arial" panose="020B0604020202020204" pitchFamily="34" charset="0"/>
+              </a:rPr>
+              <a:t>Introduction</a:t>
+            </a:r>
+          </a:p>
+          <a:p>
+            <a:r>
+              <a:rPr lang="en-US" sz="2600" dirty="0" smtClean="0">
+                <a:latin typeface="Arial" panose="020B0604020202020204" pitchFamily="34" charset="0"/>
+                <a:cs typeface="Arial" panose="020B0604020202020204" pitchFamily="34" charset="0"/>
+              </a:rPr>
+              <a:t>Quantification of Data</a:t>
+            </a:r>
+          </a:p>
+          <a:p>
+            <a:r>
+              <a:rPr lang="en-US" sz="2600" dirty="0" smtClean="0">
+                <a:latin typeface="Arial" panose="020B0604020202020204" pitchFamily="34" charset="0"/>
+                <a:cs typeface="Arial" panose="020B0604020202020204" pitchFamily="34" charset="0"/>
+              </a:rPr>
+              <a:t>Univariate Analysis</a:t>
+            </a:r>
+          </a:p>
+          <a:p>
+            <a:r>
+              <a:rPr lang="en-US" sz="2600" dirty="0" smtClean="0">
+                <a:latin typeface="Arial" panose="020B0604020202020204" pitchFamily="34" charset="0"/>
+                <a:cs typeface="Arial" panose="020B0604020202020204" pitchFamily="34" charset="0"/>
+              </a:rPr>
+              <a:t>Subgroup Comparisons</a:t>
+            </a:r>
+          </a:p>
+          <a:p>
+            <a:r>
+              <a:rPr lang="en-US" sz="2600" dirty="0" smtClean="0">
+                <a:latin typeface="Arial" panose="020B0604020202020204" pitchFamily="34" charset="0"/>
+                <a:cs typeface="Arial" panose="020B0604020202020204" pitchFamily="34" charset="0"/>
+              </a:rPr>
+              <a:t>Bivariate Analysis</a:t>
+            </a:r>
+          </a:p>
+          <a:p>
+            <a:r>
+              <a:rPr lang="en-US" sz="2600" dirty="0" smtClean="0">
+                <a:latin typeface="Arial" panose="020B0604020202020204" pitchFamily="34" charset="0"/>
+                <a:cs typeface="Arial" panose="020B0604020202020204" pitchFamily="34" charset="0"/>
+              </a:rPr>
+              <a:t>Introduction to Multivariate Analysis</a:t>
+            </a:r>
+          </a:p>
+          <a:p>
+            <a:r>
+              <a:rPr lang="en-US" sz="2600" dirty="0" smtClean="0">
+                <a:latin typeface="Arial" panose="020B0604020202020204" pitchFamily="34" charset="0"/>
+                <a:cs typeface="Arial" panose="020B0604020202020204" pitchFamily="34" charset="0"/>
+              </a:rPr>
+              <a:t>Sociological Diagnostics</a:t>
+            </a:r>
+          </a:p>
+          <a:p>
+            <a:r>
+              <a:rPr lang="en-US" sz="2600" dirty="0" smtClean="0">
+                <a:latin typeface="Arial" panose="020B0604020202020204" pitchFamily="34" charset="0"/>
+                <a:cs typeface="Arial" panose="020B0604020202020204" pitchFamily="34" charset="0"/>
+              </a:rPr>
+              <a:t>Ethics and Quantitative Data Analysis</a:t>
+            </a:r>
+          </a:p>
+          <a:p>
+            <a:r>
+              <a:rPr lang="en-US" sz="2600" dirty="0" smtClean="0">
+                <a:latin typeface="Arial" panose="020B0604020202020204" pitchFamily="34" charset="0"/>
+                <a:cs typeface="Arial" panose="020B0604020202020204" pitchFamily="34" charset="0"/>
+              </a:rPr>
+              <a:t>Chapter Summary</a:t>
+            </a:r>
+          </a:p>
+          <a:p>
+            <a:r>
+              <a:rPr lang="en-US" sz="2600" dirty="0" smtClean="0">
+                <a:latin typeface="Arial" panose="020B0604020202020204" pitchFamily="34" charset="0"/>
+                <a:cs typeface="Arial" panose="020B0604020202020204" pitchFamily="34" charset="0"/>
+              </a:rPr>
+              <a:t>Questions</a:t>
+            </a:r>
+          </a:p>
+        </p:txBody>
+      </p:sp>
+    </p:spTree>
+  </p:cSld>
+  <p:clrMapOvr>
+    <a:masterClrMapping/>
+  </p:clrMapOvr>
+  <mc:AlternateContent xmlns:mc="http://schemas.openxmlformats.org/markup-compatibility/2006">
+    <mc:Choice xmlns:p14="http://schemas.microsoft.com/office/powerpoint/2010/main" Requires="p14">
+      <p:transition spd="slow" p14:dur="2000"/>
+    </mc:Choice>
+    <mc:Fallback>
+      <p:transition xmlns:p14="http://schemas.microsoft.com/office/powerpoint/2010/main" spd="slow"/>
+    </mc:Fallback>
+  </mc:AlternateContent>
+</p:sld>
+</file>
+
+<file path=ppt/slides/slide20.xml><?xml version="1.0" encoding="utf-8"?>
 <p:sld xmlns:a="http://schemas.openxmlformats.org/drawingml/2006/main" xmlns:r="http://schemas.openxmlformats.org/officeDocument/2006/relationships" xmlns:p="http://schemas.openxmlformats.org/presentationml/2006/main">
   <p:cSld>
     <p:spTree>
@@ -7671,7 +8593,7 @@
 </p:sld>
 </file>
 
-<file path=ppt/slides/slide18.xml><?xml version="1.0" encoding="utf-8"?>
+<file path=ppt/slides/slide21.xml><?xml version="1.0" encoding="utf-8"?>
 <p:sld xmlns:a="http://schemas.openxmlformats.org/drawingml/2006/main" xmlns:r="http://schemas.openxmlformats.org/officeDocument/2006/relationships" xmlns:p="http://schemas.openxmlformats.org/presentationml/2006/main">
   <p:cSld>
     <p:spTree>
@@ -7690,6 +8612,127 @@
       </p:grpSpPr>
       <p:sp>
         <p:nvSpPr>
+          <p:cNvPr id="2" name="Title 1"/>
+          <p:cNvSpPr>
+            <a:spLocks noGrp="1"/>
+          </p:cNvSpPr>
+          <p:nvPr>
+            <p:ph type="title"/>
+          </p:nvPr>
+        </p:nvSpPr>
+        <p:spPr/>
+        <p:txBody>
+          <a:bodyPr/>
+          <a:lstStyle/>
+          <a:p>
+            <a:r>
+              <a:rPr lang="en-US" dirty="0" smtClean="0"/>
+              <a:t>Example: Number of Students in Class using Laptops/Tablets</a:t>
+            </a:r>
+            <a:endParaRPr lang="en-US" dirty="0"/>
+          </a:p>
+        </p:txBody>
+      </p:sp>
+      <p:sp>
+        <p:nvSpPr>
+          <p:cNvPr id="3" name="Content Placeholder 2"/>
+          <p:cNvSpPr>
+            <a:spLocks noGrp="1"/>
+          </p:cNvSpPr>
+          <p:nvPr>
+            <p:ph sz="quarter" idx="1"/>
+          </p:nvPr>
+        </p:nvSpPr>
+        <p:spPr/>
+        <p:txBody>
+          <a:bodyPr/>
+          <a:lstStyle/>
+          <a:p>
+            <a:r>
+              <a:rPr lang="en-US" dirty="0" smtClean="0"/>
+              <a:t>Variable: </a:t>
+            </a:r>
+          </a:p>
+          <a:p>
+            <a:pPr lvl="1"/>
+            <a:r>
+              <a:rPr lang="en-US" dirty="0" smtClean="0"/>
+              <a:t>Student Laptop Use</a:t>
+            </a:r>
+          </a:p>
+          <a:p>
+            <a:r>
+              <a:rPr lang="en-US" dirty="0" smtClean="0"/>
+              <a:t>Information:</a:t>
+            </a:r>
+          </a:p>
+          <a:p>
+            <a:pPr lvl="1"/>
+            <a:r>
+              <a:rPr lang="en-US" dirty="0" smtClean="0"/>
+              <a:t>Student Total: 39</a:t>
+            </a:r>
+          </a:p>
+          <a:p>
+            <a:pPr lvl="1"/>
+            <a:r>
+              <a:rPr lang="en-US" dirty="0" smtClean="0"/>
+              <a:t>With Laptops: </a:t>
+            </a:r>
+          </a:p>
+          <a:p>
+            <a:pPr lvl="1"/>
+            <a:r>
+              <a:rPr lang="en-US" dirty="0" smtClean="0"/>
+              <a:t>Without Laptops: </a:t>
+            </a:r>
+          </a:p>
+          <a:p>
+            <a:endParaRPr lang="en-US" dirty="0"/>
+          </a:p>
+          <a:p>
+            <a:r>
+              <a:rPr lang="en-US" dirty="0" smtClean="0"/>
+              <a:t>Measure of Central Tendency?</a:t>
+            </a:r>
+          </a:p>
+          <a:p>
+            <a:endParaRPr lang="en-US" dirty="0"/>
+          </a:p>
+        </p:txBody>
+      </p:sp>
+    </p:spTree>
+    <p:extLst>
+      <p:ext uri="{BB962C8B-B14F-4D97-AF65-F5344CB8AC3E}">
+        <p14:creationId xmlns:p14="http://schemas.microsoft.com/office/powerpoint/2010/main" val="505453391"/>
+      </p:ext>
+    </p:extLst>
+  </p:cSld>
+  <p:clrMapOvr>
+    <a:masterClrMapping/>
+  </p:clrMapOvr>
+</p:sld>
+</file>
+
+<file path=ppt/slides/slide22.xml><?xml version="1.0" encoding="utf-8"?>
+<p:sld xmlns:a="http://schemas.openxmlformats.org/drawingml/2006/main" xmlns:r="http://schemas.openxmlformats.org/officeDocument/2006/relationships" xmlns:p="http://schemas.openxmlformats.org/presentationml/2006/main">
+  <p:cSld>
+    <p:spTree>
+      <p:nvGrpSpPr>
+        <p:cNvPr id="1" name=""/>
+        <p:cNvGrpSpPr/>
+        <p:nvPr/>
+      </p:nvGrpSpPr>
+      <p:grpSpPr>
+        <a:xfrm>
+          <a:off x="0" y="0"/>
+          <a:ext cx="0" cy="0"/>
+          <a:chOff x="0" y="0"/>
+          <a:chExt cx="0" cy="0"/>
+        </a:xfrm>
+      </p:grpSpPr>
+      <p:sp>
+        <p:nvSpPr>
           <p:cNvPr id="35841" name="Title 3"/>
           <p:cNvSpPr>
             <a:spLocks noGrp="1"/>
@@ -7709,11 +8752,18 @@
           <a:lstStyle/>
           <a:p>
             <a:r>
+              <a:rPr lang="en-US" sz="3600" dirty="0" err="1">
+                <a:latin typeface="Arial" panose="020B0604020202020204" pitchFamily="34" charset="0"/>
+                <a:cs typeface="Arial" panose="020B0604020202020204" pitchFamily="34" charset="0"/>
+              </a:rPr>
+              <a:t>Univariate</a:t>
+            </a:r>
+            <a:r>
               <a:rPr lang="en-US" sz="3600" dirty="0">
                 <a:latin typeface="Arial" panose="020B0604020202020204" pitchFamily="34" charset="0"/>
                 <a:cs typeface="Arial" panose="020B0604020202020204" pitchFamily="34" charset="0"/>
               </a:rPr>
-              <a:t>Univariate Analysis</a:t>
+              <a:t> Statistics</a:t>
             </a:r>
             <a:endParaRPr lang="en-US" sz="3600" dirty="0" smtClean="0"/>
           </a:p>
@@ -7754,7 +8804,7 @@
                 <a:latin typeface="Arial" panose="020B0604020202020204" pitchFamily="34" charset="0"/>
                 <a:cs typeface="Arial" panose="020B0604020202020204" pitchFamily="34" charset="0"/>
               </a:rPr>
-              <a:t>Dispersion – The distribution/spread of values around a measure of central tendency.</a:t>
+              <a:t>Dispersion</a:t>
             </a:r>
           </a:p>
           <a:p>
@@ -7766,7 +8816,28 @@
               <a:buChar char=""/>
               <a:defRPr/>
             </a:pPr>
-            <a:endParaRPr lang="en-US" sz="2300" dirty="0" smtClean="0">
+            <a:r>
+              <a:rPr lang="en-US" sz="2300" dirty="0" smtClean="0">
+                <a:latin typeface="Arial" panose="020B0604020202020204" pitchFamily="34" charset="0"/>
+                <a:cs typeface="Arial" panose="020B0604020202020204" pitchFamily="34" charset="0"/>
+              </a:rPr>
+              <a:t>The </a:t>
+            </a:r>
+            <a:r>
+              <a:rPr lang="en-US" sz="2300" dirty="0" smtClean="0">
+                <a:latin typeface="Arial" panose="020B0604020202020204" pitchFamily="34" charset="0"/>
+                <a:cs typeface="Arial" panose="020B0604020202020204" pitchFamily="34" charset="0"/>
+              </a:rPr>
+              <a:t>distribution/spread of values around a measure of central tendency</a:t>
+            </a:r>
+            <a:r>
+              <a:rPr lang="en-US" sz="2300" dirty="0" smtClean="0">
+                <a:latin typeface="Arial" panose="020B0604020202020204" pitchFamily="34" charset="0"/>
+                <a:cs typeface="Arial" panose="020B0604020202020204" pitchFamily="34" charset="0"/>
+              </a:rPr>
+              <a:t>.</a:t>
+            </a:r>
+            <a:endParaRPr lang="en-US" sz="2300" dirty="0">
               <a:latin typeface="Arial" panose="020B0604020202020204" pitchFamily="34" charset="0"/>
               <a:cs typeface="Arial" panose="020B0604020202020204" pitchFamily="34" charset="0"/>
             </a:endParaRPr>
@@ -7781,19 +8852,15 @@
               <a:defRPr/>
             </a:pPr>
             <a:r>
-              <a:rPr lang="en-US" sz="2400" dirty="0" smtClean="0">
-                <a:latin typeface="Arial" panose="020B0604020202020204" pitchFamily="34" charset="0"/>
-                <a:cs typeface="Arial" panose="020B0604020202020204" pitchFamily="34" charset="0"/>
-              </a:rPr>
-              <a:t>Range: distance between highest and lowest value</a:t>
-            </a:r>
-            <a:endParaRPr lang="en-US" sz="2400" dirty="0">
-              <a:latin typeface="Arial" panose="020B0604020202020204" pitchFamily="34" charset="0"/>
-              <a:cs typeface="Arial" panose="020B0604020202020204" pitchFamily="34" charset="0"/>
-            </a:endParaRPr>
-          </a:p>
-          <a:p>
-            <a:pPr marL="640715" lvl="1" indent="-320040" fontAlgn="auto">
+              <a:rPr lang="en-US" sz="2300" dirty="0" smtClean="0">
+                <a:latin typeface="Arial" panose="020B0604020202020204" pitchFamily="34" charset="0"/>
+                <a:cs typeface="Arial" panose="020B0604020202020204" pitchFamily="34" charset="0"/>
+              </a:rPr>
+              <a:t>Only used for interval level variables</a:t>
+            </a:r>
+          </a:p>
+          <a:p>
+            <a:pPr marL="915352" lvl="2" indent="-320040" fontAlgn="auto">
               <a:spcAft>
                 <a:spcPts val="0"/>
               </a:spcAft>
@@ -7802,12 +8869,33 @@
               <a:defRPr/>
             </a:pPr>
             <a:r>
-              <a:rPr lang="en-US" sz="2400" dirty="0" smtClean="0">
-                <a:latin typeface="Arial" panose="020B0604020202020204" pitchFamily="34" charset="0"/>
-                <a:cs typeface="Arial" panose="020B0604020202020204" pitchFamily="34" charset="0"/>
-              </a:rPr>
-              <a:t>Standard Deviation: A measure of dispersion around the mean, calculated so that approximately 68 percent of the cases will lie within plus or minus one standard deviation from the mean, 95 percent within two, and 99.9 percent within three standard deviations.</a:t>
-            </a:r>
+              <a:rPr lang="en-US" sz="2000" dirty="0" smtClean="0">
+                <a:latin typeface="Arial" panose="020B0604020202020204" pitchFamily="34" charset="0"/>
+                <a:cs typeface="Arial" panose="020B0604020202020204" pitchFamily="34" charset="0"/>
+              </a:rPr>
+              <a:t>Range</a:t>
+            </a:r>
+          </a:p>
+          <a:p>
+            <a:pPr marL="915352" lvl="2" indent="-320040" fontAlgn="auto">
+              <a:spcAft>
+                <a:spcPts val="0"/>
+              </a:spcAft>
+              <a:buFont typeface="Wingdings"/>
+              <a:buChar char=""/>
+              <a:defRPr/>
+            </a:pPr>
+            <a:r>
+              <a:rPr lang="en-US" sz="2000" dirty="0" smtClean="0">
+                <a:latin typeface="Arial" panose="020B0604020202020204" pitchFamily="34" charset="0"/>
+                <a:cs typeface="Arial" panose="020B0604020202020204" pitchFamily="34" charset="0"/>
+              </a:rPr>
+              <a:t>Standard Deviation</a:t>
+            </a:r>
+            <a:endParaRPr lang="en-US" sz="2000" dirty="0">
+              <a:latin typeface="Arial" panose="020B0604020202020204" pitchFamily="34" charset="0"/>
+              <a:cs typeface="Arial" panose="020B0604020202020204" pitchFamily="34" charset="0"/>
+            </a:endParaRPr>
           </a:p>
         </p:txBody>
       </p:sp>
@@ -7819,7 +8907,188 @@
 </p:sld>
 </file>
 
-<file path=ppt/slides/slide19.xml><?xml version="1.0" encoding="utf-8"?>
+<file path=ppt/slides/slide23.xml><?xml version="1.0" encoding="utf-8"?>
+<p:sld xmlns:a="http://schemas.openxmlformats.org/drawingml/2006/main" xmlns:r="http://schemas.openxmlformats.org/officeDocument/2006/relationships" xmlns:p="http://schemas.openxmlformats.org/presentationml/2006/main">
+  <p:cSld>
+    <p:spTree>
+      <p:nvGrpSpPr>
+        <p:cNvPr id="1" name=""/>
+        <p:cNvGrpSpPr/>
+        <p:nvPr/>
+      </p:nvGrpSpPr>
+      <p:grpSpPr>
+        <a:xfrm>
+          <a:off x="0" y="0"/>
+          <a:ext cx="0" cy="0"/>
+          <a:chOff x="0" y="0"/>
+          <a:chExt cx="0" cy="0"/>
+        </a:xfrm>
+      </p:grpSpPr>
+      <p:sp>
+        <p:nvSpPr>
+          <p:cNvPr id="35841" name="Title 3"/>
+          <p:cNvSpPr>
+            <a:spLocks noGrp="1"/>
+          </p:cNvSpPr>
+          <p:nvPr>
+            <p:ph type="title"/>
+          </p:nvPr>
+        </p:nvSpPr>
+        <p:spPr>
+          <a:xfrm>
+            <a:off x="612775" y="228600"/>
+            <a:ext cx="8153400" cy="990600"/>
+          </a:xfrm>
+        </p:spPr>
+        <p:txBody>
+          <a:bodyPr/>
+          <a:lstStyle/>
+          <a:p>
+            <a:r>
+              <a:rPr lang="en-US" sz="3600" dirty="0" err="1">
+                <a:latin typeface="Arial" panose="020B0604020202020204" pitchFamily="34" charset="0"/>
+                <a:cs typeface="Arial" panose="020B0604020202020204" pitchFamily="34" charset="0"/>
+              </a:rPr>
+              <a:t>Univariate</a:t>
+            </a:r>
+            <a:r>
+              <a:rPr lang="en-US" sz="3600" dirty="0">
+                <a:latin typeface="Arial" panose="020B0604020202020204" pitchFamily="34" charset="0"/>
+                <a:cs typeface="Arial" panose="020B0604020202020204" pitchFamily="34" charset="0"/>
+              </a:rPr>
+              <a:t> Statistics</a:t>
+            </a:r>
+            <a:endParaRPr lang="en-US" sz="3600" dirty="0" smtClean="0"/>
+          </a:p>
+        </p:txBody>
+      </p:sp>
+      <p:sp>
+        <p:nvSpPr>
+          <p:cNvPr id="22531" name="Content Placeholder 2"/>
+          <p:cNvSpPr>
+            <a:spLocks noGrp="1"/>
+          </p:cNvSpPr>
+          <p:nvPr>
+            <p:ph sz="quarter" idx="1"/>
+          </p:nvPr>
+        </p:nvSpPr>
+        <p:spPr>
+          <a:xfrm>
+            <a:off x="612775" y="1600200"/>
+            <a:ext cx="8153400" cy="4495800"/>
+          </a:xfrm>
+        </p:spPr>
+        <p:txBody>
+          <a:bodyPr>
+            <a:normAutofit/>
+          </a:bodyPr>
+          <a:lstStyle/>
+          <a:p>
+            <a:pPr marL="320040" indent="-320040" fontAlgn="auto">
+              <a:spcAft>
+                <a:spcPts val="0"/>
+              </a:spcAft>
+              <a:buFont typeface="Wingdings"/>
+              <a:buChar char=""/>
+              <a:defRPr/>
+            </a:pPr>
+            <a:r>
+              <a:rPr lang="en-US" sz="2700" dirty="0">
+                <a:latin typeface="Arial" panose="020B0604020202020204" pitchFamily="34" charset="0"/>
+                <a:cs typeface="Arial" panose="020B0604020202020204" pitchFamily="34" charset="0"/>
+              </a:rPr>
+              <a:t>Range: </a:t>
+            </a:r>
+            <a:endParaRPr lang="en-US" sz="2700" dirty="0" smtClean="0">
+              <a:latin typeface="Arial" panose="020B0604020202020204" pitchFamily="34" charset="0"/>
+              <a:cs typeface="Arial" panose="020B0604020202020204" pitchFamily="34" charset="0"/>
+            </a:endParaRPr>
+          </a:p>
+          <a:p>
+            <a:pPr marL="640715" lvl="1" indent="-320040" fontAlgn="auto">
+              <a:spcAft>
+                <a:spcPts val="0"/>
+              </a:spcAft>
+              <a:buFont typeface="Wingdings"/>
+              <a:buChar char=""/>
+              <a:defRPr/>
+            </a:pPr>
+            <a:r>
+              <a:rPr lang="en-US" sz="2400" dirty="0" smtClean="0">
+                <a:latin typeface="Arial" panose="020B0604020202020204" pitchFamily="34" charset="0"/>
+                <a:cs typeface="Arial" panose="020B0604020202020204" pitchFamily="34" charset="0"/>
+              </a:rPr>
+              <a:t>distance </a:t>
+            </a:r>
+            <a:r>
+              <a:rPr lang="en-US" sz="2400" dirty="0">
+                <a:latin typeface="Arial" panose="020B0604020202020204" pitchFamily="34" charset="0"/>
+                <a:cs typeface="Arial" panose="020B0604020202020204" pitchFamily="34" charset="0"/>
+              </a:rPr>
+              <a:t>between highest and lowest value</a:t>
+            </a:r>
+          </a:p>
+          <a:p>
+            <a:pPr marL="320040" indent="-320040" fontAlgn="auto">
+              <a:spcAft>
+                <a:spcPts val="0"/>
+              </a:spcAft>
+              <a:buFont typeface="Wingdings"/>
+              <a:buChar char=""/>
+              <a:defRPr/>
+            </a:pPr>
+            <a:r>
+              <a:rPr lang="en-US" sz="2700" dirty="0">
+                <a:latin typeface="Arial" panose="020B0604020202020204" pitchFamily="34" charset="0"/>
+                <a:cs typeface="Arial" panose="020B0604020202020204" pitchFamily="34" charset="0"/>
+              </a:rPr>
+              <a:t>Standard Deviation: </a:t>
+            </a:r>
+            <a:endParaRPr lang="en-US" sz="2700" dirty="0" smtClean="0">
+              <a:latin typeface="Arial" panose="020B0604020202020204" pitchFamily="34" charset="0"/>
+              <a:cs typeface="Arial" panose="020B0604020202020204" pitchFamily="34" charset="0"/>
+            </a:endParaRPr>
+          </a:p>
+          <a:p>
+            <a:pPr marL="640715" lvl="1" indent="-320040" fontAlgn="auto">
+              <a:spcAft>
+                <a:spcPts val="0"/>
+              </a:spcAft>
+              <a:buFont typeface="Wingdings"/>
+              <a:buChar char=""/>
+              <a:defRPr/>
+            </a:pPr>
+            <a:r>
+              <a:rPr lang="en-US" sz="2400" dirty="0" smtClean="0">
+                <a:latin typeface="Arial" panose="020B0604020202020204" pitchFamily="34" charset="0"/>
+                <a:cs typeface="Arial" panose="020B0604020202020204" pitchFamily="34" charset="0"/>
+              </a:rPr>
+              <a:t>A </a:t>
+            </a:r>
+            <a:r>
+              <a:rPr lang="en-US" sz="2400" dirty="0">
+                <a:latin typeface="Arial" panose="020B0604020202020204" pitchFamily="34" charset="0"/>
+                <a:cs typeface="Arial" panose="020B0604020202020204" pitchFamily="34" charset="0"/>
+              </a:rPr>
+              <a:t>measure of dispersion around the mean, calculated so that approximately 68 percent of the cases will lie within plus or minus one standard deviation from the mean, 95 percent within two, and 99.9 percent within three standard deviations.</a:t>
+            </a:r>
+          </a:p>
+        </p:txBody>
+      </p:sp>
+    </p:spTree>
+    <p:extLst>
+      <p:ext uri="{BB962C8B-B14F-4D97-AF65-F5344CB8AC3E}">
+        <p14:creationId xmlns:p14="http://schemas.microsoft.com/office/powerpoint/2010/main" val="2102948066"/>
+      </p:ext>
+    </p:extLst>
+  </p:cSld>
+  <p:clrMapOvr>
+    <a:masterClrMapping/>
+  </p:clrMapOvr>
+</p:sld>
+</file>
+
+<file path=ppt/slides/slide24.xml><?xml version="1.0" encoding="utf-8"?>
 <p:sld xmlns:a="http://schemas.openxmlformats.org/drawingml/2006/main" xmlns:r="http://schemas.openxmlformats.org/officeDocument/2006/relationships" xmlns:p="http://schemas.openxmlformats.org/presentationml/2006/main">
   <p:cSld>
     <p:spTree>
@@ -8020,7 +9289,7 @@
 </p:sld>
 </file>
 
-<file path=ppt/slides/slide2.xml><?xml version="1.0" encoding="utf-8"?>
+<file path=ppt/slides/slide25.xml><?xml version="1.0" encoding="utf-8"?>
 <p:sld xmlns:a="http://schemas.openxmlformats.org/drawingml/2006/main" xmlns:r="http://schemas.openxmlformats.org/officeDocument/2006/relationships" xmlns:p="http://schemas.openxmlformats.org/presentationml/2006/main">
   <p:cSld>
     <p:spTree>
@@ -8039,7 +9308,7 @@
       </p:grpSpPr>
       <p:sp>
         <p:nvSpPr>
-          <p:cNvPr id="15361" name="Title 1"/>
+          <p:cNvPr id="43009" name="Title 3"/>
           <p:cNvSpPr>
             <a:spLocks noGrp="1"/>
           </p:cNvSpPr>
@@ -8058,18 +9327,26 @@
           <a:lstStyle/>
           <a:p>
             <a:r>
+              <a:rPr lang="en-US" sz="3600" dirty="0">
+                <a:latin typeface="Arial" panose="020B0604020202020204" pitchFamily="34" charset="0"/>
+                <a:cs typeface="Arial" panose="020B0604020202020204" pitchFamily="34" charset="0"/>
+              </a:rPr>
+              <a:t>Bivariate </a:t>
+            </a:r>
+            <a:r>
               <a:rPr lang="en-US" sz="3600" dirty="0" smtClean="0">
                 <a:latin typeface="Arial" panose="020B0604020202020204" pitchFamily="34" charset="0"/>
                 <a:cs typeface="Arial" panose="020B0604020202020204" pitchFamily="34" charset="0"/>
               </a:rPr>
-              <a:t>Chapter Outline</a:t>
-            </a:r>
-          </a:p>
-        </p:txBody>
-      </p:sp>
-      <p:sp>
-        <p:nvSpPr>
-          <p:cNvPr id="15362" name="Content Placeholder 2"/>
+              <a:t>Statistics</a:t>
+            </a:r>
+            <a:endParaRPr lang="en-US" sz="3600" dirty="0" smtClean="0"/>
+          </a:p>
+        </p:txBody>
+      </p:sp>
+      <p:sp>
+        <p:nvSpPr>
+          <p:cNvPr id="43010" name="Content Placeholder 2"/>
           <p:cNvSpPr>
             <a:spLocks noGrp="1"/>
           </p:cNvSpPr>
@@ -8088,93 +9365,63 @@
           <a:lstStyle/>
           <a:p>
             <a:r>
+              <a:rPr lang="en-US" sz="2600" dirty="0">
+                <a:latin typeface="Arial" panose="020B0604020202020204" pitchFamily="34" charset="0"/>
+                <a:cs typeface="Arial" panose="020B0604020202020204" pitchFamily="34" charset="0"/>
+              </a:rPr>
+              <a:t>Bivariate </a:t>
+            </a:r>
+            <a:r>
               <a:rPr lang="en-US" sz="2600" dirty="0" smtClean="0">
                 <a:latin typeface="Arial" panose="020B0604020202020204" pitchFamily="34" charset="0"/>
                 <a:cs typeface="Arial" panose="020B0604020202020204" pitchFamily="34" charset="0"/>
               </a:rPr>
-              <a:t>Introduction</a:t>
-            </a:r>
-          </a:p>
-          <a:p>
-            <a:r>
-              <a:rPr lang="en-US" sz="2600" dirty="0" smtClean="0">
-                <a:latin typeface="Arial" panose="020B0604020202020204" pitchFamily="34" charset="0"/>
-                <a:cs typeface="Arial" panose="020B0604020202020204" pitchFamily="34" charset="0"/>
-              </a:rPr>
-              <a:t>Quantification of Data</a:t>
-            </a:r>
-          </a:p>
-          <a:p>
-            <a:r>
-              <a:rPr lang="en-US" sz="2600" dirty="0" smtClean="0">
-                <a:latin typeface="Arial" panose="020B0604020202020204" pitchFamily="34" charset="0"/>
-                <a:cs typeface="Arial" panose="020B0604020202020204" pitchFamily="34" charset="0"/>
-              </a:rPr>
-              <a:t>Univariate Analysis</a:t>
-            </a:r>
-          </a:p>
-          <a:p>
-            <a:r>
-              <a:rPr lang="en-US" sz="2600" dirty="0" smtClean="0">
-                <a:latin typeface="Arial" panose="020B0604020202020204" pitchFamily="34" charset="0"/>
-                <a:cs typeface="Arial" panose="020B0604020202020204" pitchFamily="34" charset="0"/>
-              </a:rPr>
-              <a:t>Subgroup Comparisons</a:t>
-            </a:r>
-          </a:p>
-          <a:p>
-            <a:r>
-              <a:rPr lang="en-US" sz="2600" dirty="0" smtClean="0">
-                <a:latin typeface="Arial" panose="020B0604020202020204" pitchFamily="34" charset="0"/>
-                <a:cs typeface="Arial" panose="020B0604020202020204" pitchFamily="34" charset="0"/>
-              </a:rPr>
-              <a:t>Bivariate Analysis</a:t>
-            </a:r>
-          </a:p>
-          <a:p>
-            <a:r>
-              <a:rPr lang="en-US" sz="2600" dirty="0" smtClean="0">
-                <a:latin typeface="Arial" panose="020B0604020202020204" pitchFamily="34" charset="0"/>
-                <a:cs typeface="Arial" panose="020B0604020202020204" pitchFamily="34" charset="0"/>
-              </a:rPr>
-              <a:t>Introduction to Multivariate Analysis</a:t>
-            </a:r>
-          </a:p>
-          <a:p>
-            <a:r>
-              <a:rPr lang="en-US" sz="2600" dirty="0" smtClean="0">
-                <a:latin typeface="Arial" panose="020B0604020202020204" pitchFamily="34" charset="0"/>
-                <a:cs typeface="Arial" panose="020B0604020202020204" pitchFamily="34" charset="0"/>
-              </a:rPr>
-              <a:t>Sociological Diagnostics</a:t>
-            </a:r>
-          </a:p>
-          <a:p>
-            <a:r>
-              <a:rPr lang="en-US" sz="2600" dirty="0" smtClean="0">
-                <a:latin typeface="Arial" panose="020B0604020202020204" pitchFamily="34" charset="0"/>
-                <a:cs typeface="Arial" panose="020B0604020202020204" pitchFamily="34" charset="0"/>
-              </a:rPr>
-              <a:t>Ethics and Quantitative Data Analysis</a:t>
-            </a:r>
-          </a:p>
-          <a:p>
-            <a:r>
-              <a:rPr lang="en-US" sz="2600" dirty="0" smtClean="0">
-                <a:latin typeface="Arial" panose="020B0604020202020204" pitchFamily="34" charset="0"/>
-                <a:cs typeface="Arial" panose="020B0604020202020204" pitchFamily="34" charset="0"/>
-              </a:rPr>
-              <a:t>Chapter Summary</a:t>
-            </a:r>
-          </a:p>
-          <a:p>
-            <a:r>
-              <a:rPr lang="en-US" sz="2600" dirty="0" smtClean="0">
-                <a:latin typeface="Arial" panose="020B0604020202020204" pitchFamily="34" charset="0"/>
-                <a:cs typeface="Arial" panose="020B0604020202020204" pitchFamily="34" charset="0"/>
-              </a:rPr>
-              <a:t>Questions</a:t>
-            </a:r>
+              <a:t>Statistics</a:t>
+            </a:r>
+          </a:p>
+          <a:p>
+            <a:pPr lvl="1"/>
+            <a:r>
+              <a:rPr lang="en-US" sz="2300" dirty="0" smtClean="0">
+                <a:latin typeface="Arial" panose="020B0604020202020204" pitchFamily="34" charset="0"/>
+                <a:cs typeface="Arial" panose="020B0604020202020204" pitchFamily="34" charset="0"/>
+              </a:rPr>
+              <a:t>The </a:t>
+            </a:r>
+            <a:r>
+              <a:rPr lang="en-US" sz="2300" dirty="0">
+                <a:latin typeface="Arial" panose="020B0604020202020204" pitchFamily="34" charset="0"/>
+                <a:cs typeface="Arial" panose="020B0604020202020204" pitchFamily="34" charset="0"/>
+              </a:rPr>
+              <a:t>analysis of two variables simultaneously, for the purpose of </a:t>
+            </a:r>
+            <a:r>
+              <a:rPr lang="en-US" sz="2300" dirty="0" smtClean="0">
+                <a:latin typeface="Arial" panose="020B0604020202020204" pitchFamily="34" charset="0"/>
+                <a:cs typeface="Arial" panose="020B0604020202020204" pitchFamily="34" charset="0"/>
+              </a:rPr>
+              <a:t>determining an empirical </a:t>
+            </a:r>
+            <a:r>
+              <a:rPr lang="en-US" sz="2300" dirty="0">
+                <a:latin typeface="Arial" panose="020B0604020202020204" pitchFamily="34" charset="0"/>
+                <a:cs typeface="Arial" panose="020B0604020202020204" pitchFamily="34" charset="0"/>
+              </a:rPr>
+              <a:t>relationship between them</a:t>
+            </a:r>
+            <a:r>
+              <a:rPr lang="en-US" sz="2300" dirty="0" smtClean="0">
+                <a:latin typeface="Arial" panose="020B0604020202020204" pitchFamily="34" charset="0"/>
+                <a:cs typeface="Arial" panose="020B0604020202020204" pitchFamily="34" charset="0"/>
+              </a:rPr>
+              <a:t>.</a:t>
+            </a:r>
+          </a:p>
+          <a:p>
+            <a:endParaRPr lang="en-US" sz="2600" dirty="0">
+              <a:latin typeface="Arial" panose="020B0604020202020204" pitchFamily="34" charset="0"/>
+              <a:cs typeface="Arial" panose="020B0604020202020204" pitchFamily="34" charset="0"/>
+            </a:endParaRPr>
           </a:p>
         </p:txBody>
       </p:sp>
@@ -8186,7 +9433,7 @@
 </p:sld>
 </file>
 
-<file path=ppt/slides/slide20.xml><?xml version="1.0" encoding="utf-8"?>
+<file path=ppt/slides/slide26.xml><?xml version="1.0" encoding="utf-8"?>
 <p:sld xmlns:a="http://schemas.openxmlformats.org/drawingml/2006/main" xmlns:r="http://schemas.openxmlformats.org/officeDocument/2006/relationships" xmlns:p="http://schemas.openxmlformats.org/presentationml/2006/main">
   <p:cSld>
     <p:spTree>
@@ -8205,7 +9452,7 @@
       </p:grpSpPr>
       <p:sp>
         <p:nvSpPr>
-          <p:cNvPr id="38913" name="Title 3"/>
+          <p:cNvPr id="45057" name="Title 3"/>
           <p:cNvSpPr>
             <a:spLocks noGrp="1"/>
           </p:cNvSpPr>
@@ -8228,21 +9475,7 @@
                 <a:latin typeface="Arial" panose="020B0604020202020204" pitchFamily="34" charset="0"/>
                 <a:cs typeface="Arial" panose="020B0604020202020204" pitchFamily="34" charset="0"/>
               </a:rPr>
-              <a:t>Univariate Analysis </a:t>
-            </a:r>
-            <a:r>
-              <a:rPr lang="en-US" sz="1200" dirty="0">
-                <a:latin typeface="Arial" panose="020B0604020202020204" pitchFamily="34" charset="0"/>
-                <a:cs typeface="Arial" panose="020B0604020202020204" pitchFamily="34" charset="0"/>
-              </a:rPr>
-              <a:t>(slide 1 of </a:t>
-            </a:r>
-            <a:r>
-              <a:rPr lang="en-US" sz="1200" dirty="0" smtClean="0">
-                <a:latin typeface="Arial" panose="020B0604020202020204" pitchFamily="34" charset="0"/>
-                <a:cs typeface="Arial" panose="020B0604020202020204" pitchFamily="34" charset="0"/>
-              </a:rPr>
-              <a:t>2)</a:t>
+              <a:t>Bivariate Statistics</a:t>
             </a:r>
             <a:endParaRPr lang="en-US" sz="1200" dirty="0" smtClean="0"/>
           </a:p>
@@ -8250,7 +9483,7 @@
       </p:sp>
       <p:sp>
         <p:nvSpPr>
-          <p:cNvPr id="38914" name="Content Placeholder 2"/>
+          <p:cNvPr id="29699" name="Content Placeholder 2"/>
           <p:cNvSpPr>
             <a:spLocks noGrp="1"/>
           </p:cNvSpPr>
@@ -8265,51 +9498,124 @@
           </a:xfrm>
         </p:spPr>
         <p:txBody>
-          <a:bodyPr/>
-          <a:lstStyle/>
-          <a:p>
-            <a:r>
-              <a:rPr lang="en-US" sz="2600" dirty="0" smtClean="0">
-                <a:latin typeface="Arial" panose="020B0604020202020204" pitchFamily="34" charset="0"/>
-                <a:cs typeface="Arial" panose="020B0604020202020204" pitchFamily="34" charset="0"/>
-              </a:rPr>
-              <a:t>Continuous Variable – A variable whose attributes form a steady progression</a:t>
+          <a:bodyPr>
+            <a:normAutofit lnSpcReduction="10000"/>
+          </a:bodyPr>
+          <a:lstStyle/>
+          <a:p>
+            <a:r>
+              <a:rPr lang="en-US" sz="2600" dirty="0">
+                <a:latin typeface="Arial" panose="020B0604020202020204" pitchFamily="34" charset="0"/>
+                <a:cs typeface="Arial" panose="020B0604020202020204" pitchFamily="34" charset="0"/>
+              </a:rPr>
+              <a:t>Constructing a Bivariate Table</a:t>
             </a:r>
           </a:p>
           <a:p>
             <a:pPr lvl="1"/>
             <a:r>
-              <a:rPr lang="en-US" sz="2300" dirty="0" smtClean="0">
-                <a:latin typeface="Arial" panose="020B0604020202020204" pitchFamily="34" charset="0"/>
-                <a:cs typeface="Arial" panose="020B0604020202020204" pitchFamily="34" charset="0"/>
-              </a:rPr>
-              <a:t>Interval variables: age, income</a:t>
-            </a:r>
-          </a:p>
-          <a:p>
+              <a:rPr lang="en-US" dirty="0">
+                <a:latin typeface="Arial" panose="020B0604020202020204" pitchFamily="34" charset="0"/>
+                <a:cs typeface="Arial" panose="020B0604020202020204" pitchFamily="34" charset="0"/>
+              </a:rPr>
+              <a:t>Determine logical direction of relationship (independent variable and dependent variable).</a:t>
+            </a:r>
+          </a:p>
+          <a:p>
+            <a:pPr marL="320040" indent="-320040" fontAlgn="auto">
+              <a:spcAft>
+                <a:spcPts val="0"/>
+              </a:spcAft>
+              <a:buFont typeface="Wingdings"/>
+              <a:buChar char=""/>
+              <a:defRPr/>
+            </a:pPr>
             <a:endParaRPr lang="en-US" sz="2600" dirty="0" smtClean="0">
               <a:latin typeface="Arial" panose="020B0604020202020204" pitchFamily="34" charset="0"/>
               <a:cs typeface="Arial" panose="020B0604020202020204" pitchFamily="34" charset="0"/>
             </a:endParaRPr>
           </a:p>
           <a:p>
+            <a:pPr marL="320040" indent="-320040" fontAlgn="auto">
+              <a:spcAft>
+                <a:spcPts val="0"/>
+              </a:spcAft>
+              <a:buFont typeface="Wingdings"/>
+              <a:buChar char=""/>
+              <a:defRPr/>
+            </a:pPr>
             <a:r>
               <a:rPr lang="en-US" sz="2600" dirty="0" smtClean="0">
                 <a:latin typeface="Arial" panose="020B0604020202020204" pitchFamily="34" charset="0"/>
                 <a:cs typeface="Arial" panose="020B0604020202020204" pitchFamily="34" charset="0"/>
               </a:rPr>
-              <a:t>Discrete/Categorical Variable – A variable whose attributes are separate from one another</a:t>
-            </a:r>
-          </a:p>
-          <a:p>
-            <a:pPr lvl="1"/>
-            <a:r>
-              <a:rPr lang="en-US" sz="2300" dirty="0" smtClean="0">
-                <a:latin typeface="Arial" panose="020B0604020202020204" pitchFamily="34" charset="0"/>
-                <a:cs typeface="Arial" panose="020B0604020202020204" pitchFamily="34" charset="0"/>
-              </a:rPr>
-              <a:t>Nominal or ordinal variables: gender, political affiliation, socio-economic status.</a:t>
-            </a:r>
+              <a:t>Example: Gender and Attitude toward Sexual Equality</a:t>
+            </a:r>
+          </a:p>
+          <a:p>
+            <a:pPr marL="788988" lvl="1" indent="-514350" fontAlgn="auto">
+              <a:spcAft>
+                <a:spcPts val="0"/>
+              </a:spcAft>
+              <a:buFont typeface="Arial" charset="0"/>
+              <a:buAutoNum type="arabicPeriod"/>
+              <a:defRPr/>
+            </a:pPr>
+            <a:r>
+              <a:rPr lang="en-US" dirty="0" smtClean="0">
+                <a:latin typeface="Arial" panose="020B0604020202020204" pitchFamily="34" charset="0"/>
+                <a:cs typeface="Arial" panose="020B0604020202020204" pitchFamily="34" charset="0"/>
+              </a:rPr>
+              <a:t>The cases are divided into men and women.</a:t>
+            </a:r>
+          </a:p>
+          <a:p>
+            <a:pPr marL="788988" lvl="1" indent="-514350" fontAlgn="auto">
+              <a:spcAft>
+                <a:spcPts val="0"/>
+              </a:spcAft>
+              <a:buFont typeface="Arial" charset="0"/>
+              <a:buAutoNum type="arabicPeriod"/>
+              <a:defRPr/>
+            </a:pPr>
+            <a:r>
+              <a:rPr lang="en-US" dirty="0" smtClean="0">
+                <a:latin typeface="Arial" panose="020B0604020202020204" pitchFamily="34" charset="0"/>
+                <a:cs typeface="Arial" panose="020B0604020202020204" pitchFamily="34" charset="0"/>
+              </a:rPr>
+              <a:t>Each gender subgrouping is described in terms of approval or disapproval of sexual equality.</a:t>
+            </a:r>
+          </a:p>
+          <a:p>
+            <a:pPr marL="788988" lvl="1" indent="-514350" fontAlgn="auto">
+              <a:spcAft>
+                <a:spcPts val="0"/>
+              </a:spcAft>
+              <a:buFont typeface="Arial" charset="0"/>
+              <a:buAutoNum type="arabicPeriod"/>
+              <a:defRPr/>
+            </a:pPr>
+            <a:r>
+              <a:rPr lang="en-US" dirty="0" smtClean="0">
+                <a:latin typeface="Arial" panose="020B0604020202020204" pitchFamily="34" charset="0"/>
+                <a:cs typeface="Arial" panose="020B0604020202020204" pitchFamily="34" charset="0"/>
+              </a:rPr>
+              <a:t>Men and women are compared in terms of the percentages approving of sexual equality.</a:t>
+            </a:r>
+          </a:p>
+          <a:p>
+            <a:pPr marL="788988" lvl="1" indent="-514350" fontAlgn="auto">
+              <a:spcAft>
+                <a:spcPts val="0"/>
+              </a:spcAft>
+              <a:buFont typeface="Arial" charset="0"/>
+              <a:buAutoNum type="arabicPeriod"/>
+              <a:defRPr/>
+            </a:pPr>
+            <a:endParaRPr lang="en-US" dirty="0" smtClean="0">
+              <a:latin typeface="Arial" panose="020B0604020202020204" pitchFamily="34" charset="0"/>
+              <a:cs typeface="Arial" panose="020B0604020202020204" pitchFamily="34" charset="0"/>
+            </a:endParaRPr>
           </a:p>
         </p:txBody>
       </p:sp>
@@ -8321,7 +9627,7 @@
 </p:sld>
 </file>
 
-<file path=ppt/slides/slide21.xml><?xml version="1.0" encoding="utf-8"?>
+<file path=ppt/slides/slide27.xml><?xml version="1.0" encoding="utf-8"?>
 <p:sld xmlns:a="http://schemas.openxmlformats.org/drawingml/2006/main" xmlns:r="http://schemas.openxmlformats.org/officeDocument/2006/relationships" xmlns:p="http://schemas.openxmlformats.org/presentationml/2006/main">
   <p:cSld>
     <p:spTree>
@@ -8340,7 +9646,7 @@
       </p:grpSpPr>
       <p:sp>
         <p:nvSpPr>
-          <p:cNvPr id="40961" name="Title 1"/>
+          <p:cNvPr id="45057" name="Title 3"/>
           <p:cNvSpPr>
             <a:spLocks noGrp="1"/>
           </p:cNvSpPr>
@@ -8359,18 +9665,26 @@
           <a:lstStyle/>
           <a:p>
             <a:r>
+              <a:rPr lang="en-US" sz="3600" dirty="0">
+                <a:latin typeface="Arial" panose="020B0604020202020204" pitchFamily="34" charset="0"/>
+                <a:cs typeface="Arial" panose="020B0604020202020204" pitchFamily="34" charset="0"/>
+              </a:rPr>
+              <a:t>Bivariate </a:t>
+            </a:r>
+            <a:r>
               <a:rPr lang="en-US" sz="3600" dirty="0" smtClean="0">
                 <a:latin typeface="Arial" panose="020B0604020202020204" pitchFamily="34" charset="0"/>
                 <a:cs typeface="Arial" panose="020B0604020202020204" pitchFamily="34" charset="0"/>
               </a:rPr>
-              <a:t>Considerations for Quantitative Data</a:t>
-            </a:r>
-          </a:p>
-        </p:txBody>
-      </p:sp>
-      <p:sp>
-        <p:nvSpPr>
-          <p:cNvPr id="25603" name="Content Placeholder 2"/>
+              <a:t>Analysis</a:t>
+            </a:r>
+            <a:endParaRPr lang="en-US" sz="1200" dirty="0" smtClean="0"/>
+          </a:p>
+        </p:txBody>
+      </p:sp>
+      <p:sp>
+        <p:nvSpPr>
+          <p:cNvPr id="29699" name="Content Placeholder 2"/>
           <p:cNvSpPr>
             <a:spLocks noGrp="1"/>
           </p:cNvSpPr>
@@ -8390,70 +9704,42 @@
           </a:bodyPr>
           <a:lstStyle/>
           <a:p>
-            <a:pPr marL="320040" indent="-320040" fontAlgn="auto">
+            <a:pPr fontAlgn="auto">
               <a:spcAft>
                 <a:spcPts val="0"/>
               </a:spcAft>
-              <a:buFont typeface="Wingdings"/>
-              <a:buChar char=""/>
-              <a:defRPr/>
-            </a:pPr>
-            <a:r>
-              <a:rPr lang="en-US" sz="2600" dirty="0" smtClean="0">
-                <a:latin typeface="Arial" panose="020B0604020202020204" pitchFamily="34" charset="0"/>
-                <a:cs typeface="Arial" panose="020B0604020202020204" pitchFamily="34" charset="0"/>
-              </a:rPr>
-              <a:t>“Collapsing” Response Categories</a:t>
-            </a:r>
-          </a:p>
-          <a:p>
-            <a:pPr marL="320040" indent="-320040" fontAlgn="auto">
+              <a:defRPr/>
+            </a:pPr>
+            <a:r>
+              <a:rPr lang="en-US" sz="2600" dirty="0">
+                <a:latin typeface="Arial" panose="020B0604020202020204" pitchFamily="34" charset="0"/>
+                <a:cs typeface="Arial" panose="020B0604020202020204" pitchFamily="34" charset="0"/>
+              </a:rPr>
+              <a:t>Contingency Table – Another name for bivariate tables, the percentage of the dependent variable are contingent upon values of the independent variable.</a:t>
+            </a:r>
+          </a:p>
+          <a:p>
+            <a:pPr marL="788988" lvl="1" indent="-514350" fontAlgn="auto">
               <a:spcAft>
                 <a:spcPts val="0"/>
               </a:spcAft>
-              <a:buFont typeface="Wingdings"/>
-              <a:buChar char=""/>
-              <a:defRPr/>
-            </a:pPr>
-            <a:endParaRPr lang="en-US" sz="2600" dirty="0" smtClean="0">
+              <a:buFont typeface="Arial" charset="0"/>
+              <a:buAutoNum type="arabicPeriod"/>
+              <a:defRPr/>
+            </a:pPr>
+            <a:endParaRPr lang="en-US" dirty="0" smtClean="0">
               <a:latin typeface="Arial" panose="020B0604020202020204" pitchFamily="34" charset="0"/>
               <a:cs typeface="Arial" panose="020B0604020202020204" pitchFamily="34" charset="0"/>
             </a:endParaRPr>
           </a:p>
-          <a:p>
-            <a:pPr marL="320040" indent="-320040" fontAlgn="auto">
-              <a:spcAft>
-                <a:spcPts val="0"/>
-              </a:spcAft>
-              <a:buFont typeface="Wingdings"/>
-              <a:buChar char=""/>
-              <a:defRPr/>
-            </a:pPr>
-            <a:r>
-              <a:rPr lang="en-US" sz="2600" dirty="0" smtClean="0">
-                <a:latin typeface="Arial" panose="020B0604020202020204" pitchFamily="34" charset="0"/>
-                <a:cs typeface="Arial" panose="020B0604020202020204" pitchFamily="34" charset="0"/>
-              </a:rPr>
-              <a:t>Handling “Don’t Knows”</a:t>
-            </a:r>
-          </a:p>
-          <a:p>
-            <a:pPr marL="320040" indent="-320040" fontAlgn="auto">
-              <a:spcAft>
-                <a:spcPts val="0"/>
-              </a:spcAft>
-              <a:buFont typeface="Wingdings"/>
-              <a:buChar char=""/>
-              <a:defRPr/>
-            </a:pPr>
-            <a:endParaRPr lang="en-US" sz="2600" dirty="0" smtClean="0">
-              <a:latin typeface="Arial" panose="020B0604020202020204" pitchFamily="34" charset="0"/>
-              <a:cs typeface="Arial" panose="020B0604020202020204" pitchFamily="34" charset="0"/>
-            </a:endParaRPr>
-          </a:p>
         </p:txBody>
       </p:sp>
     </p:spTree>
+    <p:extLst>
+      <p:ext uri="{BB962C8B-B14F-4D97-AF65-F5344CB8AC3E}">
+        <p14:creationId xmlns:p14="http://schemas.microsoft.com/office/powerpoint/2010/main" val="3642932218"/>
+      </p:ext>
+    </p:extLst>
   </p:cSld>
   <p:clrMapOvr>
     <a:masterClrMapping/>
@@ -8461,7 +9747,7 @@
 </p:sld>
 </file>
 
-<file path=ppt/slides/slide22.xml><?xml version="1.0" encoding="utf-8"?>
+<file path=ppt/slides/slide28.xml><?xml version="1.0" encoding="utf-8"?>
 <p:sld xmlns:a="http://schemas.openxmlformats.org/drawingml/2006/main" xmlns:r="http://schemas.openxmlformats.org/officeDocument/2006/relationships" xmlns:p="http://schemas.openxmlformats.org/presentationml/2006/main">
   <p:cSld>
     <p:spTree>
@@ -8480,7 +9766,7 @@
       </p:grpSpPr>
       <p:sp>
         <p:nvSpPr>
-          <p:cNvPr id="43009" name="Title 3"/>
+          <p:cNvPr id="2" name="Title 1"/>
           <p:cNvSpPr>
             <a:spLocks noGrp="1"/>
           </p:cNvSpPr>
@@ -8488,404 +9774,303 @@
             <p:ph type="title"/>
           </p:nvPr>
         </p:nvSpPr>
-        <p:spPr>
-          <a:xfrm>
-            <a:off x="612775" y="228600"/>
-            <a:ext cx="8153400" cy="990600"/>
-          </a:xfrm>
-        </p:spPr>
+        <p:spPr/>
         <p:txBody>
           <a:bodyPr/>
           <a:lstStyle/>
           <a:p>
             <a:r>
-              <a:rPr lang="en-US" sz="3600" dirty="0">
-                <a:latin typeface="Arial" panose="020B0604020202020204" pitchFamily="34" charset="0"/>
-                <a:cs typeface="Arial" panose="020B0604020202020204" pitchFamily="34" charset="0"/>
-              </a:rPr>
-              <a:t>Bivariate Analysis</a:t>
-            </a:r>
-            <a:endParaRPr lang="en-US" sz="3600" dirty="0" smtClean="0"/>
-          </a:p>
-        </p:txBody>
-      </p:sp>
-      <p:sp>
-        <p:nvSpPr>
-          <p:cNvPr id="43010" name="Content Placeholder 2"/>
-          <p:cNvSpPr>
-            <a:spLocks noGrp="1"/>
-          </p:cNvSpPr>
+              <a:rPr lang="en-US" dirty="0">
+                <a:latin typeface="Arial" panose="020B0604020202020204" pitchFamily="34" charset="0"/>
+                <a:cs typeface="Arial" panose="020B0604020202020204" pitchFamily="34" charset="0"/>
+              </a:rPr>
+              <a:t>Bivariate Statistics</a:t>
+            </a:r>
+            <a:endParaRPr lang="en-US" dirty="0"/>
+          </a:p>
+        </p:txBody>
+      </p:sp>
+      <p:graphicFrame>
+        <p:nvGraphicFramePr>
+          <p:cNvPr id="4" name="Content Placeholder 3"/>
+          <p:cNvGraphicFramePr>
+            <a:graphicFrameLocks noGrp="1"/>
+          </p:cNvGraphicFramePr>
           <p:nvPr>
             <p:ph sz="quarter" idx="1"/>
-          </p:nvPr>
-        </p:nvSpPr>
-        <p:spPr>
-          <a:xfrm>
-            <a:off x="612775" y="1600200"/>
-            <a:ext cx="8153400" cy="4495800"/>
-          </a:xfrm>
-        </p:spPr>
-        <p:txBody>
-          <a:bodyPr/>
-          <a:lstStyle/>
-          <a:p>
-            <a:r>
-              <a:rPr lang="en-US" sz="2600" dirty="0">
-                <a:latin typeface="Arial" panose="020B0604020202020204" pitchFamily="34" charset="0"/>
-                <a:cs typeface="Arial" panose="020B0604020202020204" pitchFamily="34" charset="0"/>
-              </a:rPr>
-              <a:t>Bivariate Analysis – The analysis of two variables simultaneously, for the purpose of </a:t>
-            </a:r>
-            <a:r>
-              <a:rPr lang="en-US" sz="2600" dirty="0" smtClean="0">
-                <a:latin typeface="Arial" panose="020B0604020202020204" pitchFamily="34" charset="0"/>
-                <a:cs typeface="Arial" panose="020B0604020202020204" pitchFamily="34" charset="0"/>
-              </a:rPr>
-              <a:t>determining an empirical </a:t>
-            </a:r>
-            <a:r>
-              <a:rPr lang="en-US" sz="2600" dirty="0">
-                <a:latin typeface="Arial" panose="020B0604020202020204" pitchFamily="34" charset="0"/>
-                <a:cs typeface="Arial" panose="020B0604020202020204" pitchFamily="34" charset="0"/>
-              </a:rPr>
-              <a:t>relationship between them</a:t>
-            </a:r>
-            <a:r>
-              <a:rPr lang="en-US" sz="2600" dirty="0" smtClean="0">
-                <a:latin typeface="Arial" panose="020B0604020202020204" pitchFamily="34" charset="0"/>
-                <a:cs typeface="Arial" panose="020B0604020202020204" pitchFamily="34" charset="0"/>
-              </a:rPr>
-              <a:t>.</a:t>
-            </a:r>
-          </a:p>
-          <a:p>
-            <a:endParaRPr lang="en-US" sz="2600" dirty="0">
-              <a:latin typeface="Arial" panose="020B0604020202020204" pitchFamily="34" charset="0"/>
-              <a:cs typeface="Arial" panose="020B0604020202020204" pitchFamily="34" charset="0"/>
-            </a:endParaRPr>
-          </a:p>
-        </p:txBody>
-      </p:sp>
-    </p:spTree>
-  </p:cSld>
-  <p:clrMapOvr>
-    <a:masterClrMapping/>
-  </p:clrMapOvr>
-</p:sld>
-</file>
-
-<file path=ppt/slides/slide23.xml><?xml version="1.0" encoding="utf-8"?>
-<p:sld xmlns:a="http://schemas.openxmlformats.org/drawingml/2006/main" xmlns:r="http://schemas.openxmlformats.org/officeDocument/2006/relationships" xmlns:p="http://schemas.openxmlformats.org/presentationml/2006/main">
-  <p:cSld>
-    <p:spTree>
-      <p:nvGrpSpPr>
-        <p:cNvPr id="1" name=""/>
-        <p:cNvGrpSpPr/>
-        <p:nvPr/>
-      </p:nvGrpSpPr>
-      <p:grpSpPr>
-        <a:xfrm>
-          <a:off x="0" y="0"/>
-          <a:ext cx="0" cy="0"/>
-          <a:chOff x="0" y="0"/>
-          <a:chExt cx="0" cy="0"/>
-        </a:xfrm>
-      </p:grpSpPr>
-      <p:sp>
-        <p:nvSpPr>
-          <p:cNvPr id="45057" name="Title 3"/>
-          <p:cNvSpPr>
-            <a:spLocks noGrp="1"/>
-          </p:cNvSpPr>
-          <p:nvPr>
-            <p:ph type="title"/>
-          </p:nvPr>
-        </p:nvSpPr>
-        <p:spPr>
-          <a:xfrm>
-            <a:off x="612775" y="228600"/>
-            <a:ext cx="8153400" cy="990600"/>
-          </a:xfrm>
-        </p:spPr>
-        <p:txBody>
-          <a:bodyPr/>
-          <a:lstStyle/>
-          <a:p>
-            <a:r>
-              <a:rPr lang="en-US" sz="3600" dirty="0">
-                <a:latin typeface="Arial" panose="020B0604020202020204" pitchFamily="34" charset="0"/>
-                <a:cs typeface="Arial" panose="020B0604020202020204" pitchFamily="34" charset="0"/>
-              </a:rPr>
-              <a:t>Bivariate Analysis </a:t>
-            </a:r>
-            <a:r>
-              <a:rPr lang="en-US" sz="1200" dirty="0">
-                <a:latin typeface="Arial" panose="020B0604020202020204" pitchFamily="34" charset="0"/>
-                <a:cs typeface="Arial" panose="020B0604020202020204" pitchFamily="34" charset="0"/>
-              </a:rPr>
-              <a:t>(slide 1 of 2)</a:t>
-            </a:r>
-            <a:endParaRPr lang="en-US" sz="1200" dirty="0" smtClean="0"/>
-          </a:p>
-        </p:txBody>
-      </p:sp>
-      <p:sp>
-        <p:nvSpPr>
-          <p:cNvPr id="29699" name="Content Placeholder 2"/>
-          <p:cNvSpPr>
-            <a:spLocks noGrp="1"/>
-          </p:cNvSpPr>
-          <p:nvPr>
-            <p:ph sz="quarter" idx="1"/>
-          </p:nvPr>
-        </p:nvSpPr>
-        <p:spPr>
-          <a:xfrm>
-            <a:off x="612775" y="1600200"/>
-            <a:ext cx="8153400" cy="4495800"/>
-          </a:xfrm>
-        </p:spPr>
-        <p:txBody>
-          <a:bodyPr>
-            <a:normAutofit lnSpcReduction="10000"/>
-          </a:bodyPr>
-          <a:lstStyle/>
-          <a:p>
-            <a:r>
-              <a:rPr lang="en-US" sz="2600" dirty="0">
-                <a:latin typeface="Arial" panose="020B0604020202020204" pitchFamily="34" charset="0"/>
-                <a:cs typeface="Arial" panose="020B0604020202020204" pitchFamily="34" charset="0"/>
-              </a:rPr>
-              <a:t>Constructing a Bivariate Table</a:t>
-            </a:r>
-          </a:p>
-          <a:p>
-            <a:pPr lvl="1"/>
-            <a:r>
-              <a:rPr lang="en-US" dirty="0">
-                <a:latin typeface="Arial" panose="020B0604020202020204" pitchFamily="34" charset="0"/>
-                <a:cs typeface="Arial" panose="020B0604020202020204" pitchFamily="34" charset="0"/>
-              </a:rPr>
-              <a:t>Determine logical direction of relationship (independent variable and dependent variable).</a:t>
-            </a:r>
-          </a:p>
-          <a:p>
-            <a:pPr marL="320040" indent="-320040" fontAlgn="auto">
-              <a:spcAft>
-                <a:spcPts val="0"/>
-              </a:spcAft>
-              <a:buFont typeface="Wingdings"/>
-              <a:buChar char=""/>
-              <a:defRPr/>
-            </a:pPr>
-            <a:endParaRPr lang="en-US" sz="2600" dirty="0" smtClean="0">
-              <a:latin typeface="Arial" panose="020B0604020202020204" pitchFamily="34" charset="0"/>
-              <a:cs typeface="Arial" panose="020B0604020202020204" pitchFamily="34" charset="0"/>
-            </a:endParaRPr>
-          </a:p>
-          <a:p>
-            <a:pPr marL="320040" indent="-320040" fontAlgn="auto">
-              <a:spcAft>
-                <a:spcPts val="0"/>
-              </a:spcAft>
-              <a:buFont typeface="Wingdings"/>
-              <a:buChar char=""/>
-              <a:defRPr/>
-            </a:pPr>
-            <a:r>
-              <a:rPr lang="en-US" sz="2600" dirty="0" smtClean="0">
-                <a:latin typeface="Arial" panose="020B0604020202020204" pitchFamily="34" charset="0"/>
-                <a:cs typeface="Arial" panose="020B0604020202020204" pitchFamily="34" charset="0"/>
-              </a:rPr>
-              <a:t>Example: Gender and Attitude toward Sexual Equality</a:t>
-            </a:r>
-          </a:p>
-          <a:p>
-            <a:pPr marL="788988" lvl="1" indent="-514350" fontAlgn="auto">
-              <a:spcAft>
-                <a:spcPts val="0"/>
-              </a:spcAft>
-              <a:buFont typeface="Arial" charset="0"/>
-              <a:buAutoNum type="arabicPeriod"/>
-              <a:defRPr/>
-            </a:pPr>
-            <a:r>
-              <a:rPr lang="en-US" dirty="0" smtClean="0">
-                <a:latin typeface="Arial" panose="020B0604020202020204" pitchFamily="34" charset="0"/>
-                <a:cs typeface="Arial" panose="020B0604020202020204" pitchFamily="34" charset="0"/>
-              </a:rPr>
-              <a:t>The cases are divided into men and women.</a:t>
-            </a:r>
-          </a:p>
-          <a:p>
-            <a:pPr marL="788988" lvl="1" indent="-514350" fontAlgn="auto">
-              <a:spcAft>
-                <a:spcPts val="0"/>
-              </a:spcAft>
-              <a:buFont typeface="Arial" charset="0"/>
-              <a:buAutoNum type="arabicPeriod"/>
-              <a:defRPr/>
-            </a:pPr>
-            <a:r>
-              <a:rPr lang="en-US" dirty="0" smtClean="0">
-                <a:latin typeface="Arial" panose="020B0604020202020204" pitchFamily="34" charset="0"/>
-                <a:cs typeface="Arial" panose="020B0604020202020204" pitchFamily="34" charset="0"/>
-              </a:rPr>
-              <a:t>Each gender subgrouping is described in terms of approval or disapproval of sexual equality.</a:t>
-            </a:r>
-          </a:p>
-          <a:p>
-            <a:pPr marL="788988" lvl="1" indent="-514350" fontAlgn="auto">
-              <a:spcAft>
-                <a:spcPts val="0"/>
-              </a:spcAft>
-              <a:buFont typeface="Arial" charset="0"/>
-              <a:buAutoNum type="arabicPeriod"/>
-              <a:defRPr/>
-            </a:pPr>
-            <a:r>
-              <a:rPr lang="en-US" dirty="0" smtClean="0">
-                <a:latin typeface="Arial" panose="020B0604020202020204" pitchFamily="34" charset="0"/>
-                <a:cs typeface="Arial" panose="020B0604020202020204" pitchFamily="34" charset="0"/>
-              </a:rPr>
-              <a:t>Men and women are compared in terms of the percentages approving of sexual equality.</a:t>
-            </a:r>
-          </a:p>
-          <a:p>
-            <a:pPr marL="788988" lvl="1" indent="-514350" fontAlgn="auto">
-              <a:spcAft>
-                <a:spcPts val="0"/>
-              </a:spcAft>
-              <a:buFont typeface="Arial" charset="0"/>
-              <a:buAutoNum type="arabicPeriod"/>
-              <a:defRPr/>
-            </a:pPr>
-            <a:endParaRPr lang="en-US" dirty="0" smtClean="0">
-              <a:latin typeface="Arial" panose="020B0604020202020204" pitchFamily="34" charset="0"/>
-              <a:cs typeface="Arial" panose="020B0604020202020204" pitchFamily="34" charset="0"/>
-            </a:endParaRPr>
-          </a:p>
-        </p:txBody>
-      </p:sp>
-    </p:spTree>
-  </p:cSld>
-  <p:clrMapOvr>
-    <a:masterClrMapping/>
-  </p:clrMapOvr>
-</p:sld>
-</file>
-
-<file path=ppt/slides/slide24.xml><?xml version="1.0" encoding="utf-8"?>
-<p:sld xmlns:a="http://schemas.openxmlformats.org/drawingml/2006/main" xmlns:r="http://schemas.openxmlformats.org/officeDocument/2006/relationships" xmlns:p="http://schemas.openxmlformats.org/presentationml/2006/main">
-  <p:cSld>
-    <p:spTree>
-      <p:nvGrpSpPr>
-        <p:cNvPr id="1" name=""/>
-        <p:cNvGrpSpPr/>
-        <p:nvPr/>
-      </p:nvGrpSpPr>
-      <p:grpSpPr>
-        <a:xfrm>
-          <a:off x="0" y="0"/>
-          <a:ext cx="0" cy="0"/>
-          <a:chOff x="0" y="0"/>
-          <a:chExt cx="0" cy="0"/>
-        </a:xfrm>
-      </p:grpSpPr>
-      <p:sp>
-        <p:nvSpPr>
-          <p:cNvPr id="45057" name="Title 3"/>
-          <p:cNvSpPr>
-            <a:spLocks noGrp="1"/>
-          </p:cNvSpPr>
-          <p:nvPr>
-            <p:ph type="title"/>
-          </p:nvPr>
-        </p:nvSpPr>
-        <p:spPr>
-          <a:xfrm>
-            <a:off x="612775" y="228600"/>
-            <a:ext cx="8153400" cy="990600"/>
-          </a:xfrm>
-        </p:spPr>
-        <p:txBody>
-          <a:bodyPr/>
-          <a:lstStyle/>
-          <a:p>
-            <a:r>
-              <a:rPr lang="en-US" sz="3600" dirty="0">
-                <a:latin typeface="Arial" panose="020B0604020202020204" pitchFamily="34" charset="0"/>
-                <a:cs typeface="Arial" panose="020B0604020202020204" pitchFamily="34" charset="0"/>
-              </a:rPr>
-              <a:t>Bivariate </a:t>
-            </a:r>
-            <a:r>
-              <a:rPr lang="en-US" sz="3600" dirty="0" smtClean="0">
-                <a:latin typeface="Arial" panose="020B0604020202020204" pitchFamily="34" charset="0"/>
-                <a:cs typeface="Arial" panose="020B0604020202020204" pitchFamily="34" charset="0"/>
-              </a:rPr>
-              <a:t>Analysis</a:t>
-            </a:r>
-            <a:endParaRPr lang="en-US" sz="1200" dirty="0" smtClean="0"/>
-          </a:p>
-        </p:txBody>
-      </p:sp>
-      <p:sp>
-        <p:nvSpPr>
-          <p:cNvPr id="29699" name="Content Placeholder 2"/>
-          <p:cNvSpPr>
-            <a:spLocks noGrp="1"/>
-          </p:cNvSpPr>
-          <p:nvPr>
-            <p:ph sz="quarter" idx="1"/>
-          </p:nvPr>
-        </p:nvSpPr>
-        <p:spPr>
-          <a:xfrm>
-            <a:off x="612775" y="1600200"/>
-            <a:ext cx="8153400" cy="4495800"/>
-          </a:xfrm>
-        </p:spPr>
-        <p:txBody>
-          <a:bodyPr>
-            <a:normAutofit/>
-          </a:bodyPr>
-          <a:lstStyle/>
-          <a:p>
-            <a:pPr fontAlgn="auto">
-              <a:spcAft>
-                <a:spcPts val="0"/>
-              </a:spcAft>
-              <a:defRPr/>
-            </a:pPr>
-            <a:r>
-              <a:rPr lang="en-US" sz="2600" dirty="0">
-                <a:latin typeface="Arial" panose="020B0604020202020204" pitchFamily="34" charset="0"/>
-                <a:cs typeface="Arial" panose="020B0604020202020204" pitchFamily="34" charset="0"/>
-              </a:rPr>
-              <a:t>Contingency Table – Another name for bivariate tables, the percentage of the dependent variable are contingent upon values of the independent variable.</a:t>
-            </a:r>
-          </a:p>
-          <a:p>
-            <a:pPr marL="788988" lvl="1" indent="-514350" fontAlgn="auto">
-              <a:spcAft>
-                <a:spcPts val="0"/>
-              </a:spcAft>
-              <a:buFont typeface="Arial" charset="0"/>
-              <a:buAutoNum type="arabicPeriod"/>
-              <a:defRPr/>
-            </a:pPr>
-            <a:endParaRPr lang="en-US" dirty="0" smtClean="0">
-              <a:latin typeface="Arial" panose="020B0604020202020204" pitchFamily="34" charset="0"/>
-              <a:cs typeface="Arial" panose="020B0604020202020204" pitchFamily="34" charset="0"/>
-            </a:endParaRPr>
-          </a:p>
-        </p:txBody>
-      </p:sp>
+            <p:extLst>
+              <p:ext uri="{D42A27DB-BD31-4B8C-83A1-F6EECF244321}">
+                <p14:modId xmlns:p14="http://schemas.microsoft.com/office/powerpoint/2010/main" val="3597083204"/>
+              </p:ext>
+            </p:extLst>
+          </p:nvPr>
+        </p:nvGraphicFramePr>
+        <p:xfrm>
+          <a:off x="457200" y="2209800"/>
+          <a:ext cx="8001000" cy="2895600"/>
+        </p:xfrm>
+        <a:graphic>
+          <a:graphicData uri="http://schemas.openxmlformats.org/drawingml/2006/table">
+            <a:tbl>
+              <a:tblPr firstRow="1" bandRow="1">
+                <a:tableStyleId>{5C22544A-7EE6-4342-B048-85BDC9FD1C3A}</a:tableStyleId>
+              </a:tblPr>
+              <a:tblGrid>
+                <a:gridCol w="2667000"/>
+                <a:gridCol w="2667000"/>
+                <a:gridCol w="2667000"/>
+              </a:tblGrid>
+              <a:tr h="531103">
+                <a:tc>
+                  <a:txBody>
+                    <a:bodyPr/>
+                    <a:lstStyle/>
+                    <a:p>
+                      <a:endParaRPr lang="en-US" i="1" dirty="0">
+                        <a:solidFill>
+                          <a:schemeClr val="bg1"/>
+                        </a:solidFill>
+                      </a:endParaRPr>
+                    </a:p>
+                  </a:txBody>
+                  <a:tcPr>
+                    <a:solidFill>
+                      <a:schemeClr val="accent2"/>
+                    </a:solidFill>
+                  </a:tcPr>
+                </a:tc>
+                <a:tc gridSpan="2">
+                  <a:txBody>
+                    <a:bodyPr/>
+                    <a:lstStyle/>
+                    <a:p>
+                      <a:pPr algn="ctr"/>
+                      <a:r>
+                        <a:rPr lang="en-US" u="none" dirty="0" smtClean="0"/>
+                        <a:t>Dependent</a:t>
+                      </a:r>
+                      <a:r>
+                        <a:rPr lang="en-US" u="none" baseline="0" dirty="0" smtClean="0"/>
+                        <a:t> Variable</a:t>
+                      </a:r>
+                      <a:endParaRPr lang="en-US" u="none" dirty="0"/>
+                    </a:p>
+                  </a:txBody>
+                  <a:tcPr/>
+                </a:tc>
+                <a:tc hMerge="1">
+                  <a:txBody>
+                    <a:bodyPr/>
+                    <a:lstStyle/>
+                    <a:p>
+                      <a:endParaRPr lang="en-US" dirty="0"/>
+                    </a:p>
+                  </a:txBody>
+                  <a:tcPr/>
+                </a:tc>
+              </a:tr>
+              <a:tr h="916697">
+                <a:tc>
+                  <a:txBody>
+                    <a:bodyPr/>
+                    <a:lstStyle/>
+                    <a:p>
+                      <a:pPr marL="0" marR="0" indent="0" algn="l" defTabSz="914400" rtl="0" eaLnBrk="1" fontAlgn="auto" latinLnBrk="0" hangingPunct="1">
+                        <a:lnSpc>
+                          <a:spcPct val="100000"/>
+                        </a:lnSpc>
+                        <a:spcBef>
+                          <a:spcPts val="0"/>
+                        </a:spcBef>
+                        <a:spcAft>
+                          <a:spcPts val="0"/>
+                        </a:spcAft>
+                        <a:buClrTx/>
+                        <a:buSzTx/>
+                        <a:buFontTx/>
+                        <a:buNone/>
+                        <a:tabLst/>
+                        <a:defRPr/>
+                      </a:pPr>
+                      <a:r>
+                        <a:rPr lang="en-US" b="1" dirty="0" smtClean="0"/>
+                        <a:t>Independent Variable</a:t>
+                      </a:r>
+                    </a:p>
+                  </a:txBody>
+                  <a:tcPr>
+                    <a:solidFill>
+                      <a:srgbClr val="60B5CC"/>
+                    </a:solidFill>
+                  </a:tcPr>
+                </a:tc>
+                <a:tc>
+                  <a:txBody>
+                    <a:bodyPr/>
+                    <a:lstStyle/>
+                    <a:p>
+                      <a:pPr algn="ctr"/>
+                      <a:r>
+                        <a:rPr lang="en-US" b="1" u="none" dirty="0" smtClean="0">
+                          <a:solidFill>
+                            <a:schemeClr val="tx1"/>
+                          </a:solidFill>
+                        </a:rPr>
+                        <a:t>Discrete/Categorical</a:t>
+                      </a:r>
+                      <a:endParaRPr lang="en-US" b="1" u="none" dirty="0">
+                        <a:solidFill>
+                          <a:schemeClr val="tx1"/>
+                        </a:solidFill>
+                      </a:endParaRPr>
+                    </a:p>
+                  </a:txBody>
+                  <a:tcPr>
+                    <a:solidFill>
+                      <a:srgbClr val="F0AD00"/>
+                    </a:solidFill>
+                  </a:tcPr>
+                </a:tc>
+                <a:tc>
+                  <a:txBody>
+                    <a:bodyPr/>
+                    <a:lstStyle/>
+                    <a:p>
+                      <a:pPr algn="ctr"/>
+                      <a:r>
+                        <a:rPr lang="en-US" b="1" u="none" dirty="0" smtClean="0">
+                          <a:solidFill>
+                            <a:schemeClr val="tx1"/>
+                          </a:solidFill>
+                        </a:rPr>
+                        <a:t>Continuous</a:t>
+                      </a:r>
+                      <a:endParaRPr lang="en-US" b="1" u="none" dirty="0">
+                        <a:solidFill>
+                          <a:schemeClr val="tx1"/>
+                        </a:solidFill>
+                      </a:endParaRPr>
+                    </a:p>
+                  </a:txBody>
+                  <a:tcPr>
+                    <a:solidFill>
+                      <a:srgbClr val="F0AD00"/>
+                    </a:solidFill>
+                  </a:tcPr>
+                </a:tc>
+              </a:tr>
+              <a:tr h="916697">
+                <a:tc>
+                  <a:txBody>
+                    <a:bodyPr/>
+                    <a:lstStyle/>
+                    <a:p>
+                      <a:r>
+                        <a:rPr lang="en-US" b="1" dirty="0" smtClean="0"/>
+                        <a:t>Discrete/Categorical</a:t>
+                      </a:r>
+                      <a:endParaRPr lang="en-US" b="1" dirty="0"/>
+                    </a:p>
+                  </a:txBody>
+                  <a:tcPr>
+                    <a:solidFill>
+                      <a:srgbClr val="60B5CC"/>
+                    </a:solidFill>
+                  </a:tcPr>
+                </a:tc>
+                <a:tc>
+                  <a:txBody>
+                    <a:bodyPr/>
+                    <a:lstStyle/>
+                    <a:p>
+                      <a:pPr algn="ctr"/>
+                      <a:r>
+                        <a:rPr lang="en-US" dirty="0" smtClean="0"/>
+                        <a:t>Chi-Square</a:t>
+                      </a:r>
+                      <a:endParaRPr lang="en-US" dirty="0"/>
+                    </a:p>
+                  </a:txBody>
+                  <a:tcPr/>
+                </a:tc>
+                <a:tc>
+                  <a:txBody>
+                    <a:bodyPr/>
+                    <a:lstStyle/>
+                    <a:p>
+                      <a:pPr algn="ctr"/>
+                      <a:r>
+                        <a:rPr lang="en-US" dirty="0" smtClean="0"/>
+                        <a:t>T-Test</a:t>
+                      </a:r>
+                      <a:r>
+                        <a:rPr lang="en-US" baseline="0" dirty="0" smtClean="0"/>
+                        <a:t> or ANOVA</a:t>
+                      </a:r>
+                      <a:endParaRPr lang="en-US" dirty="0"/>
+                    </a:p>
+                  </a:txBody>
+                  <a:tcPr/>
+                </a:tc>
+              </a:tr>
+              <a:tr h="531103">
+                <a:tc>
+                  <a:txBody>
+                    <a:bodyPr/>
+                    <a:lstStyle/>
+                    <a:p>
+                      <a:r>
+                        <a:rPr lang="en-US" b="1" dirty="0" smtClean="0"/>
+                        <a:t>Continuous</a:t>
+                      </a:r>
+                      <a:endParaRPr lang="en-US" b="1" dirty="0"/>
+                    </a:p>
+                  </a:txBody>
+                  <a:tcPr>
+                    <a:solidFill>
+                      <a:srgbClr val="60B5CC"/>
+                    </a:solidFill>
+                  </a:tcPr>
+                </a:tc>
+                <a:tc>
+                  <a:txBody>
+                    <a:bodyPr/>
+                    <a:lstStyle/>
+                    <a:p>
+                      <a:pPr algn="ctr"/>
+                      <a:r>
+                        <a:rPr lang="en-US" dirty="0" smtClean="0"/>
+                        <a:t>N/A</a:t>
+                      </a:r>
+                      <a:endParaRPr lang="en-US" dirty="0"/>
+                    </a:p>
+                  </a:txBody>
+                  <a:tcPr/>
+                </a:tc>
+                <a:tc>
+                  <a:txBody>
+                    <a:bodyPr/>
+                    <a:lstStyle/>
+                    <a:p>
+                      <a:pPr algn="ctr"/>
+                      <a:r>
+                        <a:rPr lang="en-US" dirty="0" smtClean="0"/>
+                        <a:t>Correlation</a:t>
+                      </a:r>
+                      <a:endParaRPr lang="en-US" dirty="0"/>
+                    </a:p>
+                  </a:txBody>
+                  <a:tcPr/>
+                </a:tc>
+              </a:tr>
+            </a:tbl>
+          </a:graphicData>
+        </a:graphic>
+      </p:graphicFrame>
     </p:spTree>
     <p:extLst>
       <p:ext uri="{BB962C8B-B14F-4D97-AF65-F5344CB8AC3E}">
-        <p14:creationId xmlns:p14="http://schemas.microsoft.com/office/powerpoint/2010/main" val="3642932218"/>
+        <p14:creationId xmlns:p14="http://schemas.microsoft.com/office/powerpoint/2010/main" val="1617893817"/>
       </p:ext>
     </p:extLst>
   </p:cSld>
@@ -8895,7 +10080,7 @@
 </p:sld>
 </file>
 
-<file path=ppt/slides/slide25.xml><?xml version="1.0" encoding="utf-8"?>
+<file path=ppt/slides/slide29.xml><?xml version="1.0" encoding="utf-8"?>
 <p:sld xmlns:a="http://schemas.openxmlformats.org/drawingml/2006/main" xmlns:r="http://schemas.openxmlformats.org/officeDocument/2006/relationships" xmlns:p="http://schemas.openxmlformats.org/presentationml/2006/main">
   <p:cSld>
     <p:spTree>
@@ -9096,468 +10281,6 @@
 </p:sld>
 </file>
 
-<file path=ppt/slides/slide26.xml><?xml version="1.0" encoding="utf-8"?>
-<p:sld xmlns:a="http://schemas.openxmlformats.org/drawingml/2006/main" xmlns:r="http://schemas.openxmlformats.org/officeDocument/2006/relationships" xmlns:p="http://schemas.openxmlformats.org/presentationml/2006/main">
-  <p:cSld>
-    <p:spTree>
-      <p:nvGrpSpPr>
-        <p:cNvPr id="1" name=""/>
-        <p:cNvGrpSpPr/>
-        <p:nvPr/>
-      </p:nvGrpSpPr>
-      <p:grpSpPr>
-        <a:xfrm>
-          <a:off x="0" y="0"/>
-          <a:ext cx="0" cy="0"/>
-          <a:chOff x="0" y="0"/>
-          <a:chExt cx="0" cy="0"/>
-        </a:xfrm>
-      </p:grpSpPr>
-      <p:sp>
-        <p:nvSpPr>
-          <p:cNvPr id="47105" name="Title 3"/>
-          <p:cNvSpPr>
-            <a:spLocks noGrp="1"/>
-          </p:cNvSpPr>
-          <p:nvPr>
-            <p:ph type="title"/>
-          </p:nvPr>
-        </p:nvSpPr>
-        <p:spPr>
-          <a:xfrm>
-            <a:off x="612775" y="228600"/>
-            <a:ext cx="8153400" cy="990600"/>
-          </a:xfrm>
-        </p:spPr>
-        <p:txBody>
-          <a:bodyPr/>
-          <a:lstStyle/>
-          <a:p>
-            <a:r>
-              <a:rPr lang="en-US" sz="3600" dirty="0">
-                <a:latin typeface="Arial" panose="020B0604020202020204" pitchFamily="34" charset="0"/>
-                <a:cs typeface="Arial" panose="020B0604020202020204" pitchFamily="34" charset="0"/>
-              </a:rPr>
-              <a:t>Bivariate </a:t>
-            </a:r>
-            <a:r>
-              <a:rPr lang="en-US" sz="3600" dirty="0" smtClean="0">
-                <a:latin typeface="Arial" panose="020B0604020202020204" pitchFamily="34" charset="0"/>
-                <a:cs typeface="Arial" panose="020B0604020202020204" pitchFamily="34" charset="0"/>
-              </a:rPr>
-              <a:t>Analysis </a:t>
-            </a:r>
-            <a:r>
-              <a:rPr lang="en-US" sz="1200" dirty="0" smtClean="0">
-                <a:latin typeface="Arial" panose="020B0604020202020204" pitchFamily="34" charset="0"/>
-                <a:cs typeface="Arial" panose="020B0604020202020204" pitchFamily="34" charset="0"/>
-              </a:rPr>
-              <a:t>(slide 2 of 2)</a:t>
-            </a:r>
-            <a:endParaRPr lang="en-US" sz="1200" dirty="0" smtClean="0"/>
-          </a:p>
-        </p:txBody>
-      </p:sp>
-      <p:sp>
-        <p:nvSpPr>
-          <p:cNvPr id="31747" name="Content Placeholder 2"/>
-          <p:cNvSpPr>
-            <a:spLocks noGrp="1"/>
-          </p:cNvSpPr>
-          <p:nvPr>
-            <p:ph sz="quarter" idx="1"/>
-          </p:nvPr>
-        </p:nvSpPr>
-        <p:spPr>
-          <a:xfrm>
-            <a:off x="612775" y="1600200"/>
-            <a:ext cx="8153400" cy="4495800"/>
-          </a:xfrm>
-        </p:spPr>
-        <p:txBody>
-          <a:bodyPr>
-            <a:normAutofit/>
-          </a:bodyPr>
-          <a:lstStyle/>
-          <a:p>
-            <a:pPr marL="320040" indent="-320040" fontAlgn="auto">
-              <a:spcAft>
-                <a:spcPts val="0"/>
-              </a:spcAft>
-              <a:buFont typeface="Wingdings"/>
-              <a:buChar char=""/>
-              <a:defRPr/>
-            </a:pPr>
-            <a:r>
-              <a:rPr lang="en-US" sz="2600" dirty="0" smtClean="0">
-                <a:latin typeface="Arial" panose="020B0604020202020204" pitchFamily="34" charset="0"/>
-                <a:cs typeface="Arial" panose="020B0604020202020204" pitchFamily="34" charset="0"/>
-              </a:rPr>
-              <a:t>Guidelines for Presentation of Tables</a:t>
-            </a:r>
-          </a:p>
-          <a:p>
-            <a:pPr marL="731838" lvl="1" indent="-457200" fontAlgn="auto">
-              <a:spcAft>
-                <a:spcPts val="0"/>
-              </a:spcAft>
-              <a:buFont typeface="Arial" charset="0"/>
-              <a:buAutoNum type="arabicPeriod"/>
-              <a:defRPr/>
-            </a:pPr>
-            <a:r>
-              <a:rPr lang="en-US" dirty="0" smtClean="0">
-                <a:latin typeface="Arial" panose="020B0604020202020204" pitchFamily="34" charset="0"/>
-                <a:cs typeface="Arial" panose="020B0604020202020204" pitchFamily="34" charset="0"/>
-              </a:rPr>
-              <a:t>A table should have a heading or title that describes what is contained in the table.</a:t>
-            </a:r>
-          </a:p>
-          <a:p>
-            <a:pPr marL="731838" lvl="1" indent="-457200" fontAlgn="auto">
-              <a:spcAft>
-                <a:spcPts val="0"/>
-              </a:spcAft>
-              <a:buFont typeface="Arial" charset="0"/>
-              <a:buAutoNum type="arabicPeriod"/>
-              <a:defRPr/>
-            </a:pPr>
-            <a:r>
-              <a:rPr lang="en-US" dirty="0" smtClean="0">
-                <a:latin typeface="Arial" panose="020B0604020202020204" pitchFamily="34" charset="0"/>
-                <a:cs typeface="Arial" panose="020B0604020202020204" pitchFamily="34" charset="0"/>
-              </a:rPr>
-              <a:t>Original content should be clearly presented.</a:t>
-            </a:r>
-          </a:p>
-          <a:p>
-            <a:pPr marL="731838" lvl="1" indent="-457200" fontAlgn="auto">
-              <a:spcAft>
-                <a:spcPts val="0"/>
-              </a:spcAft>
-              <a:buFont typeface="Arial" charset="0"/>
-              <a:buAutoNum type="arabicPeriod"/>
-              <a:defRPr/>
-            </a:pPr>
-            <a:r>
-              <a:rPr lang="en-US" dirty="0" smtClean="0">
-                <a:latin typeface="Arial" panose="020B0604020202020204" pitchFamily="34" charset="0"/>
-                <a:cs typeface="Arial" panose="020B0604020202020204" pitchFamily="34" charset="0"/>
-              </a:rPr>
-              <a:t>The attributes of each variable should be clearly indicated.</a:t>
-            </a:r>
-          </a:p>
-          <a:p>
-            <a:pPr marL="731838" lvl="1" indent="-457200" fontAlgn="auto">
-              <a:spcAft>
-                <a:spcPts val="0"/>
-              </a:spcAft>
-              <a:buFont typeface="Arial" charset="0"/>
-              <a:buAutoNum type="arabicPeriod"/>
-              <a:defRPr/>
-            </a:pPr>
-            <a:r>
-              <a:rPr lang="en-US" dirty="0" smtClean="0">
-                <a:latin typeface="Arial" panose="020B0604020202020204" pitchFamily="34" charset="0"/>
-                <a:cs typeface="Arial" panose="020B0604020202020204" pitchFamily="34" charset="0"/>
-              </a:rPr>
-              <a:t>The base on which percentage are computed should be indicated.</a:t>
-            </a:r>
-          </a:p>
-          <a:p>
-            <a:pPr marL="731838" lvl="1" indent="-457200" fontAlgn="auto">
-              <a:spcAft>
-                <a:spcPts val="0"/>
-              </a:spcAft>
-              <a:buFont typeface="Arial" charset="0"/>
-              <a:buAutoNum type="arabicPeriod"/>
-              <a:defRPr/>
-            </a:pPr>
-            <a:r>
-              <a:rPr lang="en-US" dirty="0" smtClean="0">
-                <a:latin typeface="Arial" panose="020B0604020202020204" pitchFamily="34" charset="0"/>
-                <a:cs typeface="Arial" panose="020B0604020202020204" pitchFamily="34" charset="0"/>
-              </a:rPr>
-              <a:t>Missing data should be indicated in the table.</a:t>
-            </a:r>
-          </a:p>
-        </p:txBody>
-      </p:sp>
-    </p:spTree>
-  </p:cSld>
-  <p:clrMapOvr>
-    <a:masterClrMapping/>
-  </p:clrMapOvr>
-</p:sld>
-</file>
-
-<file path=ppt/slides/slide27.xml><?xml version="1.0" encoding="utf-8"?>
-<p:sld xmlns:a="http://schemas.openxmlformats.org/drawingml/2006/main" xmlns:r="http://schemas.openxmlformats.org/officeDocument/2006/relationships" xmlns:p="http://schemas.openxmlformats.org/presentationml/2006/main">
-  <p:cSld>
-    <p:spTree>
-      <p:nvGrpSpPr>
-        <p:cNvPr id="1" name=""/>
-        <p:cNvGrpSpPr/>
-        <p:nvPr/>
-      </p:nvGrpSpPr>
-      <p:grpSpPr>
-        <a:xfrm>
-          <a:off x="0" y="0"/>
-          <a:ext cx="0" cy="0"/>
-          <a:chOff x="0" y="0"/>
-          <a:chExt cx="0" cy="0"/>
-        </a:xfrm>
-      </p:grpSpPr>
-      <p:sp>
-        <p:nvSpPr>
-          <p:cNvPr id="32770" name="Title 1"/>
-          <p:cNvSpPr>
-            <a:spLocks noGrp="1"/>
-          </p:cNvSpPr>
-          <p:nvPr>
-            <p:ph type="title"/>
-          </p:nvPr>
-        </p:nvSpPr>
-        <p:spPr>
-          <a:xfrm>
-            <a:off x="612775" y="228600"/>
-            <a:ext cx="8153400" cy="990600"/>
-          </a:xfrm>
-        </p:spPr>
-        <p:txBody>
-          <a:bodyPr>
-            <a:normAutofit/>
-          </a:bodyPr>
-          <a:lstStyle/>
-          <a:p>
-            <a:pPr fontAlgn="auto">
-              <a:spcAft>
-                <a:spcPts val="0"/>
-              </a:spcAft>
-              <a:defRPr/>
-            </a:pPr>
-            <a:r>
-              <a:rPr lang="en-US" sz="3600" dirty="0" smtClean="0">
-                <a:latin typeface="Arial" panose="020B0604020202020204" pitchFamily="34" charset="0"/>
-                <a:cs typeface="Arial" panose="020B0604020202020204" pitchFamily="34" charset="0"/>
-              </a:rPr>
-              <a:t>Introduction to Multivariate Analysis</a:t>
-            </a:r>
-          </a:p>
-        </p:txBody>
-      </p:sp>
-      <p:sp>
-        <p:nvSpPr>
-          <p:cNvPr id="48130" name="Content Placeholder 2"/>
-          <p:cNvSpPr>
-            <a:spLocks noGrp="1"/>
-          </p:cNvSpPr>
-          <p:nvPr>
-            <p:ph sz="quarter" idx="1"/>
-          </p:nvPr>
-        </p:nvSpPr>
-        <p:spPr>
-          <a:xfrm>
-            <a:off x="612775" y="1600200"/>
-            <a:ext cx="8153400" cy="4495800"/>
-          </a:xfrm>
-        </p:spPr>
-        <p:txBody>
-          <a:bodyPr/>
-          <a:lstStyle/>
-          <a:p>
-            <a:r>
-              <a:rPr lang="en-US" sz="2600" dirty="0" smtClean="0">
-                <a:latin typeface="Arial" panose="020B0604020202020204" pitchFamily="34" charset="0"/>
-                <a:cs typeface="Arial" panose="020B0604020202020204" pitchFamily="34" charset="0"/>
-              </a:rPr>
-              <a:t>Multivariate Analysis – The analysis of the simultaneous relationships among several variables.</a:t>
-            </a:r>
-          </a:p>
-        </p:txBody>
-      </p:sp>
-    </p:spTree>
-  </p:cSld>
-  <p:clrMapOvr>
-    <a:masterClrMapping/>
-  </p:clrMapOvr>
-</p:sld>
-</file>
-
-<file path=ppt/slides/slide28.xml><?xml version="1.0" encoding="utf-8"?>
-<p:sld xmlns:a="http://schemas.openxmlformats.org/drawingml/2006/main" xmlns:r="http://schemas.openxmlformats.org/officeDocument/2006/relationships" xmlns:p="http://schemas.openxmlformats.org/presentationml/2006/main">
-  <p:cSld>
-    <p:spTree>
-      <p:nvGrpSpPr>
-        <p:cNvPr id="1" name=""/>
-        <p:cNvGrpSpPr/>
-        <p:nvPr/>
-      </p:nvGrpSpPr>
-      <p:grpSpPr>
-        <a:xfrm>
-          <a:off x="0" y="0"/>
-          <a:ext cx="0" cy="0"/>
-          <a:chOff x="0" y="0"/>
-          <a:chExt cx="0" cy="0"/>
-        </a:xfrm>
-      </p:grpSpPr>
-      <p:sp>
-        <p:nvSpPr>
-          <p:cNvPr id="2" name="Title 1"/>
-          <p:cNvSpPr>
-            <a:spLocks noGrp="1"/>
-          </p:cNvSpPr>
-          <p:nvPr>
-            <p:ph type="title"/>
-          </p:nvPr>
-        </p:nvSpPr>
-        <p:spPr/>
-        <p:txBody>
-          <a:bodyPr/>
-          <a:lstStyle/>
-          <a:p>
-            <a:r>
-              <a:rPr lang="en-US" sz="3600" dirty="0" smtClean="0">
-                <a:latin typeface="Arial" panose="020B0604020202020204" pitchFamily="34" charset="0"/>
-                <a:cs typeface="Arial" panose="020B0604020202020204" pitchFamily="34" charset="0"/>
-              </a:rPr>
-              <a:t>Sociological Diagnostics </a:t>
-            </a:r>
-            <a:endParaRPr lang="en-US" sz="3600" dirty="0">
-              <a:latin typeface="Arial" panose="020B0604020202020204" pitchFamily="34" charset="0"/>
-              <a:cs typeface="Arial" panose="020B0604020202020204" pitchFamily="34" charset="0"/>
-            </a:endParaRPr>
-          </a:p>
-        </p:txBody>
-      </p:sp>
-      <p:sp>
-        <p:nvSpPr>
-          <p:cNvPr id="3" name="Content Placeholder 2"/>
-          <p:cNvSpPr>
-            <a:spLocks noGrp="1"/>
-          </p:cNvSpPr>
-          <p:nvPr>
-            <p:ph sz="quarter" idx="1"/>
-          </p:nvPr>
-        </p:nvSpPr>
-        <p:spPr/>
-        <p:txBody>
-          <a:bodyPr/>
-          <a:lstStyle/>
-          <a:p>
-            <a:r>
-              <a:rPr lang="en-US" sz="2600" dirty="0" smtClean="0">
-                <a:latin typeface="Arial" panose="020B0604020202020204" pitchFamily="34" charset="0"/>
-                <a:cs typeface="Arial" panose="020B0604020202020204" pitchFamily="34" charset="0"/>
-              </a:rPr>
-              <a:t>Multivariate techniques allow the researcher to measure multiple variables at the same time</a:t>
-            </a:r>
-          </a:p>
-          <a:p>
-            <a:pPr lvl="1"/>
-            <a:r>
-              <a:rPr lang="en-US" sz="2300" dirty="0" smtClean="0">
-                <a:latin typeface="Arial" panose="020B0604020202020204" pitchFamily="34" charset="0"/>
-                <a:cs typeface="Arial" panose="020B0604020202020204" pitchFamily="34" charset="0"/>
-              </a:rPr>
-              <a:t>Can be used to better explain why women make less than men in the job market</a:t>
-            </a:r>
-          </a:p>
-          <a:p>
-            <a:endParaRPr lang="en-US" dirty="0"/>
-          </a:p>
-        </p:txBody>
-      </p:sp>
-    </p:spTree>
-  </p:cSld>
-  <p:clrMapOvr>
-    <a:masterClrMapping/>
-  </p:clrMapOvr>
-</p:sld>
-</file>
-
-<file path=ppt/slides/slide29.xml><?xml version="1.0" encoding="utf-8"?>
-<p:sld xmlns:a="http://schemas.openxmlformats.org/drawingml/2006/main" xmlns:r="http://schemas.openxmlformats.org/officeDocument/2006/relationships" xmlns:p="http://schemas.openxmlformats.org/presentationml/2006/main">
-  <p:cSld>
-    <p:spTree>
-      <p:nvGrpSpPr>
-        <p:cNvPr id="1" name=""/>
-        <p:cNvGrpSpPr/>
-        <p:nvPr/>
-      </p:nvGrpSpPr>
-      <p:grpSpPr>
-        <a:xfrm>
-          <a:off x="0" y="0"/>
-          <a:ext cx="0" cy="0"/>
-          <a:chOff x="0" y="0"/>
-          <a:chExt cx="0" cy="0"/>
-        </a:xfrm>
-      </p:grpSpPr>
-      <p:sp>
-        <p:nvSpPr>
-          <p:cNvPr id="2" name="Title 1"/>
-          <p:cNvSpPr>
-            <a:spLocks noGrp="1"/>
-          </p:cNvSpPr>
-          <p:nvPr>
-            <p:ph type="title"/>
-          </p:nvPr>
-        </p:nvSpPr>
-        <p:spPr/>
-        <p:txBody>
-          <a:bodyPr/>
-          <a:lstStyle/>
-          <a:p>
-            <a:r>
-              <a:rPr lang="en-US" sz="3600" dirty="0" smtClean="0"/>
-              <a:t>Ethics and Quantitative Data Analysis</a:t>
-            </a:r>
-            <a:endParaRPr lang="en-US" sz="3600" dirty="0"/>
-          </a:p>
-        </p:txBody>
-      </p:sp>
-      <p:sp>
-        <p:nvSpPr>
-          <p:cNvPr id="3" name="Content Placeholder 2"/>
-          <p:cNvSpPr>
-            <a:spLocks noGrp="1"/>
-          </p:cNvSpPr>
-          <p:nvPr>
-            <p:ph sz="quarter" idx="1"/>
-          </p:nvPr>
-        </p:nvSpPr>
-        <p:spPr/>
-        <p:txBody>
-          <a:bodyPr/>
-          <a:lstStyle/>
-          <a:p>
-            <a:r>
-              <a:rPr lang="en-US" dirty="0" smtClean="0"/>
-              <a:t>Unbiased analysis and reporting is an ethical concern for quantitative analysis as well as in qualitative analysis.</a:t>
-            </a:r>
-          </a:p>
-          <a:p>
-            <a:r>
-              <a:rPr lang="en-US" dirty="0" smtClean="0"/>
-              <a:t>The privacy of subjects must be protected in analysis and reporting.</a:t>
-            </a:r>
-            <a:endParaRPr lang="en-US" dirty="0"/>
-          </a:p>
-        </p:txBody>
-      </p:sp>
-    </p:spTree>
-    <p:extLst>
-      <p:ext uri="{BB962C8B-B14F-4D97-AF65-F5344CB8AC3E}">
-        <p14:creationId xmlns:p14="http://schemas.microsoft.com/office/powerpoint/2010/main" val="4158709751"/>
-      </p:ext>
-    </p:extLst>
-  </p:cSld>
-  <p:clrMapOvr>
-    <a:masterClrMapping/>
-  </p:clrMapOvr>
-</p:sld>
-</file>
-
 <file path=ppt/slides/slide3.xml><?xml version="1.0" encoding="utf-8"?>
 <p:sld xmlns:a="http://schemas.openxmlformats.org/drawingml/2006/main" xmlns:r="http://schemas.openxmlformats.org/officeDocument/2006/relationships" xmlns:p="http://schemas.openxmlformats.org/presentationml/2006/main">
   <p:cSld>
@@ -9630,7 +10353,45 @@
                 <a:latin typeface="Arial" panose="020B0604020202020204" pitchFamily="34" charset="0"/>
                 <a:cs typeface="Arial" panose="020B0604020202020204" pitchFamily="34" charset="0"/>
               </a:rPr>
-              <a:t>Quantitative Analysis – The numerical representation and manipulation of observations for the purpose of describing and explaining the phenomena that those observations reflect.</a:t>
+              <a:t>Quantitative </a:t>
+            </a:r>
+            <a:r>
+              <a:rPr lang="en-US" sz="2600" dirty="0" smtClean="0">
+                <a:latin typeface="Arial" panose="020B0604020202020204" pitchFamily="34" charset="0"/>
+                <a:cs typeface="Arial" panose="020B0604020202020204" pitchFamily="34" charset="0"/>
+              </a:rPr>
+              <a:t>Analysis</a:t>
+            </a:r>
+          </a:p>
+          <a:p>
+            <a:pPr lvl="1"/>
+            <a:r>
+              <a:rPr lang="en-US" sz="2300" dirty="0" smtClean="0">
+                <a:latin typeface="Arial" panose="020B0604020202020204" pitchFamily="34" charset="0"/>
+                <a:cs typeface="Arial" panose="020B0604020202020204" pitchFamily="34" charset="0"/>
+              </a:rPr>
+              <a:t>The </a:t>
+            </a:r>
+            <a:r>
+              <a:rPr lang="en-US" sz="2300" dirty="0" smtClean="0">
+                <a:latin typeface="Arial" panose="020B0604020202020204" pitchFamily="34" charset="0"/>
+                <a:cs typeface="Arial" panose="020B0604020202020204" pitchFamily="34" charset="0"/>
+              </a:rPr>
+              <a:t>numerical representation </a:t>
+            </a:r>
+            <a:r>
+              <a:rPr lang="en-US" sz="2300" dirty="0" smtClean="0">
+                <a:latin typeface="Arial" panose="020B0604020202020204" pitchFamily="34" charset="0"/>
+                <a:cs typeface="Arial" panose="020B0604020202020204" pitchFamily="34" charset="0"/>
+              </a:rPr>
+              <a:t>of </a:t>
+            </a:r>
+            <a:r>
+              <a:rPr lang="en-US" sz="2300" dirty="0" smtClean="0">
+                <a:latin typeface="Arial" panose="020B0604020202020204" pitchFamily="34" charset="0"/>
+                <a:cs typeface="Arial" panose="020B0604020202020204" pitchFamily="34" charset="0"/>
+              </a:rPr>
+              <a:t>observations for the purpose of describing and explaining the phenomena that those observations reflect.</a:t>
             </a:r>
           </a:p>
         </p:txBody>
@@ -9662,7 +10423,7 @@
       </p:grpSpPr>
       <p:sp>
         <p:nvSpPr>
-          <p:cNvPr id="2" name="Title 1"/>
+          <p:cNvPr id="47105" name="Title 3"/>
           <p:cNvSpPr>
             <a:spLocks noGrp="1"/>
           </p:cNvSpPr>
@@ -9670,38 +10431,37 @@
             <p:ph type="title"/>
           </p:nvPr>
         </p:nvSpPr>
-        <p:spPr/>
+        <p:spPr>
+          <a:xfrm>
+            <a:off x="612775" y="228600"/>
+            <a:ext cx="8153400" cy="990600"/>
+          </a:xfrm>
+        </p:spPr>
         <p:txBody>
           <a:bodyPr/>
           <a:lstStyle/>
           <a:p>
             <a:r>
+              <a:rPr lang="en-US" sz="3600" dirty="0">
+                <a:latin typeface="Arial" panose="020B0604020202020204" pitchFamily="34" charset="0"/>
+                <a:cs typeface="Arial" panose="020B0604020202020204" pitchFamily="34" charset="0"/>
+              </a:rPr>
+              <a:t>Bivariate </a:t>
+            </a:r>
+            <a:r>
               <a:rPr lang="en-US" sz="3600" dirty="0" smtClean="0">
                 <a:latin typeface="Arial" panose="020B0604020202020204" pitchFamily="34" charset="0"/>
                 <a:cs typeface="Arial" panose="020B0604020202020204" pitchFamily="34" charset="0"/>
               </a:rPr>
-              <a:t>Chapter </a:t>
-            </a:r>
-            <a:r>
-              <a:rPr lang="en-US" sz="3600" dirty="0">
-                <a:latin typeface="Arial" panose="020B0604020202020204" pitchFamily="34" charset="0"/>
-                <a:cs typeface="Arial" panose="020B0604020202020204" pitchFamily="34" charset="0"/>
-              </a:rPr>
-              <a:t>Summary </a:t>
-            </a:r>
-            <a:r>
-              <a:rPr lang="en-US" sz="1200" dirty="0">
-                <a:latin typeface="Arial" panose="020B0604020202020204" pitchFamily="34" charset="0"/>
-                <a:cs typeface="Arial" panose="020B0604020202020204" pitchFamily="34" charset="0"/>
-              </a:rPr>
-              <a:t>(slide 1 of 2)</a:t>
-            </a:r>
-          </a:p>
-        </p:txBody>
-      </p:sp>
-      <p:sp>
-        <p:nvSpPr>
-          <p:cNvPr id="3" name="Content Placeholder 2"/>
+              <a:t>Tables</a:t>
+            </a:r>
+            <a:endParaRPr lang="en-US" sz="1200" dirty="0" smtClean="0"/>
+          </a:p>
+        </p:txBody>
+      </p:sp>
+      <p:sp>
+        <p:nvSpPr>
+          <p:cNvPr id="31747" name="Content Placeholder 2"/>
           <p:cNvSpPr>
             <a:spLocks noGrp="1"/>
           </p:cNvSpPr>
@@ -9709,54 +10469,122 @@
             <p:ph sz="quarter" idx="1"/>
           </p:nvPr>
         </p:nvSpPr>
-        <p:spPr/>
-        <p:txBody>
-          <a:bodyPr/>
-          <a:lstStyle/>
-          <a:p>
+        <p:spPr>
+          <a:xfrm>
+            <a:off x="612775" y="1600200"/>
+            <a:ext cx="8153400" cy="4495800"/>
+          </a:xfrm>
+        </p:spPr>
+        <p:txBody>
+          <a:bodyPr>
+            <a:normAutofit/>
+          </a:bodyPr>
+          <a:lstStyle/>
+          <a:p>
+            <a:pPr marL="320040" indent="-320040" fontAlgn="auto">
+              <a:spcAft>
+                <a:spcPts val="0"/>
+              </a:spcAft>
+              <a:buFont typeface="Wingdings"/>
+              <a:buChar char=""/>
+              <a:defRPr/>
+            </a:pPr>
             <a:r>
               <a:rPr lang="en-US" sz="2600" dirty="0" smtClean="0">
                 <a:latin typeface="Arial" panose="020B0604020202020204" pitchFamily="34" charset="0"/>
                 <a:cs typeface="Arial" panose="020B0604020202020204" pitchFamily="34" charset="0"/>
               </a:rPr>
-              <a:t>Provide an example illustrating the quantification of data.</a:t>
-            </a:r>
-          </a:p>
-          <a:p>
-            <a:r>
-              <a:rPr lang="en-US" sz="2600" dirty="0" smtClean="0">
-                <a:latin typeface="Arial" panose="020B0604020202020204" pitchFamily="34" charset="0"/>
-                <a:cs typeface="Arial" panose="020B0604020202020204" pitchFamily="34" charset="0"/>
-              </a:rPr>
-              <a:t>Identify and discuss the several aspects of univariate analysis.</a:t>
-            </a:r>
-          </a:p>
-          <a:p>
-            <a:r>
-              <a:rPr lang="en-US" sz="2600" dirty="0" smtClean="0">
-                <a:latin typeface="Arial" panose="020B0604020202020204" pitchFamily="34" charset="0"/>
-                <a:cs typeface="Arial" panose="020B0604020202020204" pitchFamily="34" charset="0"/>
-              </a:rPr>
-              <a:t>Explain what is gained when subgroup comparisons are used instead of univariate analyses.</a:t>
-            </a:r>
-          </a:p>
-          <a:p>
-            <a:r>
-              <a:rPr lang="en-US" sz="2600" dirty="0" smtClean="0">
-                <a:latin typeface="Arial" panose="020B0604020202020204" pitchFamily="34" charset="0"/>
-                <a:cs typeface="Arial" panose="020B0604020202020204" pitchFamily="34" charset="0"/>
-              </a:rPr>
-              <a:t>Describe and illustrate the difference between subgroup comparisons and bivariate analyses.</a:t>
+              <a:t>Guidelines for Presentation of Tables</a:t>
+            </a:r>
+          </a:p>
+          <a:p>
+            <a:pPr marL="731838" lvl="1" indent="-457200" fontAlgn="auto">
+              <a:spcAft>
+                <a:spcPts val="0"/>
+              </a:spcAft>
+              <a:buFont typeface="Arial" charset="0"/>
+              <a:buAutoNum type="arabicPeriod"/>
+              <a:defRPr/>
+            </a:pPr>
+            <a:r>
+              <a:rPr lang="en-US" dirty="0" smtClean="0">
+                <a:latin typeface="Arial" panose="020B0604020202020204" pitchFamily="34" charset="0"/>
+                <a:cs typeface="Arial" panose="020B0604020202020204" pitchFamily="34" charset="0"/>
+              </a:rPr>
+              <a:t>A table should have a heading or title that describes what is contained in the table.</a:t>
+            </a:r>
+          </a:p>
+          <a:p>
+            <a:pPr marL="731838" lvl="1" indent="-457200" fontAlgn="auto">
+              <a:spcAft>
+                <a:spcPts val="0"/>
+              </a:spcAft>
+              <a:buFont typeface="Arial" charset="0"/>
+              <a:buAutoNum type="arabicPeriod"/>
+              <a:defRPr/>
+            </a:pPr>
+            <a:r>
+              <a:rPr lang="en-US" dirty="0" smtClean="0">
+                <a:latin typeface="Arial" panose="020B0604020202020204" pitchFamily="34" charset="0"/>
+                <a:cs typeface="Arial" panose="020B0604020202020204" pitchFamily="34" charset="0"/>
+              </a:rPr>
+              <a:t>Original content should be clearly presented.</a:t>
+            </a:r>
+          </a:p>
+          <a:p>
+            <a:pPr marL="731838" lvl="1" indent="-457200" fontAlgn="auto">
+              <a:spcAft>
+                <a:spcPts val="0"/>
+              </a:spcAft>
+              <a:buFont typeface="Arial" charset="0"/>
+              <a:buAutoNum type="arabicPeriod"/>
+              <a:defRPr/>
+            </a:pPr>
+            <a:r>
+              <a:rPr lang="en-US" dirty="0" smtClean="0">
+                <a:latin typeface="Arial" panose="020B0604020202020204" pitchFamily="34" charset="0"/>
+                <a:cs typeface="Arial" panose="020B0604020202020204" pitchFamily="34" charset="0"/>
+              </a:rPr>
+              <a:t>The attributes of each variable should be clearly indicated.</a:t>
+            </a:r>
+          </a:p>
+          <a:p>
+            <a:pPr marL="731838" lvl="1" indent="-457200" fontAlgn="auto">
+              <a:spcAft>
+                <a:spcPts val="0"/>
+              </a:spcAft>
+              <a:buFont typeface="Arial" charset="0"/>
+              <a:buAutoNum type="arabicPeriod"/>
+              <a:defRPr/>
+            </a:pPr>
+            <a:r>
+              <a:rPr lang="en-US" dirty="0" smtClean="0">
+                <a:latin typeface="Arial" panose="020B0604020202020204" pitchFamily="34" charset="0"/>
+                <a:cs typeface="Arial" panose="020B0604020202020204" pitchFamily="34" charset="0"/>
+              </a:rPr>
+              <a:t>The base on which percentage are computed should be indicated.</a:t>
+            </a:r>
+          </a:p>
+          <a:p>
+            <a:pPr marL="731838" lvl="1" indent="-457200" fontAlgn="auto">
+              <a:spcAft>
+                <a:spcPts val="0"/>
+              </a:spcAft>
+              <a:buFont typeface="Arial" charset="0"/>
+              <a:buAutoNum type="arabicPeriod"/>
+              <a:defRPr/>
+            </a:pPr>
+            <a:r>
+              <a:rPr lang="en-US" dirty="0" smtClean="0">
+                <a:latin typeface="Arial" panose="020B0604020202020204" pitchFamily="34" charset="0"/>
+                <a:cs typeface="Arial" panose="020B0604020202020204" pitchFamily="34" charset="0"/>
+              </a:rPr>
+              <a:t>Missing data should be indicated in the table.</a:t>
             </a:r>
           </a:p>
         </p:txBody>
       </p:sp>
     </p:spTree>
-    <p:extLst>
-      <p:ext uri="{BB962C8B-B14F-4D97-AF65-F5344CB8AC3E}">
-        <p14:creationId xmlns:p14="http://schemas.microsoft.com/office/powerpoint/2010/main" val="1636727061"/>
-      </p:ext>
-    </p:extLst>
   </p:cSld>
   <p:clrMapOvr>
     <a:masterClrMapping/>
@@ -9783,7 +10611,7 @@
       </p:grpSpPr>
       <p:sp>
         <p:nvSpPr>
-          <p:cNvPr id="2" name="Title 1"/>
+          <p:cNvPr id="32770" name="Title 1"/>
           <p:cNvSpPr>
             <a:spLocks noGrp="1"/>
           </p:cNvSpPr>
@@ -9791,102 +10619,114 @@
             <p:ph type="title"/>
           </p:nvPr>
         </p:nvSpPr>
-        <p:spPr/>
-        <p:txBody>
-          <a:bodyPr/>
-          <a:lstStyle/>
-          <a:p>
+        <p:spPr>
+          <a:xfrm>
+            <a:off x="612775" y="228600"/>
+            <a:ext cx="8153400" cy="990600"/>
+          </a:xfrm>
+        </p:spPr>
+        <p:txBody>
+          <a:bodyPr>
+            <a:normAutofit/>
+          </a:bodyPr>
+          <a:lstStyle/>
+          <a:p>
+            <a:pPr fontAlgn="auto">
+              <a:spcAft>
+                <a:spcPts val="0"/>
+              </a:spcAft>
+              <a:defRPr/>
+            </a:pPr>
             <a:r>
               <a:rPr lang="en-US" sz="3600" dirty="0" smtClean="0">
                 <a:latin typeface="Arial" panose="020B0604020202020204" pitchFamily="34" charset="0"/>
                 <a:cs typeface="Arial" panose="020B0604020202020204" pitchFamily="34" charset="0"/>
               </a:rPr>
-              <a:t>Chapter </a:t>
-            </a:r>
-            <a:r>
-              <a:rPr lang="en-US" sz="3600" dirty="0">
-                <a:latin typeface="Arial" panose="020B0604020202020204" pitchFamily="34" charset="0"/>
-                <a:cs typeface="Arial" panose="020B0604020202020204" pitchFamily="34" charset="0"/>
-              </a:rPr>
-              <a:t>Summary </a:t>
-            </a:r>
-            <a:r>
-              <a:rPr lang="en-US" sz="1200" dirty="0">
-                <a:latin typeface="Arial" panose="020B0604020202020204" pitchFamily="34" charset="0"/>
-                <a:cs typeface="Arial" panose="020B0604020202020204" pitchFamily="34" charset="0"/>
-              </a:rPr>
-              <a:t>(slide </a:t>
-            </a:r>
-            <a:r>
-              <a:rPr lang="en-US" sz="1200" dirty="0" smtClean="0">
-                <a:latin typeface="Arial" panose="020B0604020202020204" pitchFamily="34" charset="0"/>
-                <a:cs typeface="Arial" panose="020B0604020202020204" pitchFamily="34" charset="0"/>
-              </a:rPr>
-              <a:t>2 </a:t>
-            </a:r>
-            <a:r>
-              <a:rPr lang="en-US" sz="1200" dirty="0">
-                <a:latin typeface="Arial" panose="020B0604020202020204" pitchFamily="34" charset="0"/>
-                <a:cs typeface="Arial" panose="020B0604020202020204" pitchFamily="34" charset="0"/>
-              </a:rPr>
-              <a:t>of 2)</a:t>
-            </a:r>
-          </a:p>
-        </p:txBody>
-      </p:sp>
-      <p:sp>
-        <p:nvSpPr>
-          <p:cNvPr id="3" name="Content Placeholder 2"/>
-          <p:cNvSpPr>
-            <a:spLocks noGrp="1"/>
-          </p:cNvSpPr>
-          <p:nvPr>
-            <p:ph sz="quarter" idx="1"/>
-          </p:nvPr>
-        </p:nvSpPr>
-        <p:spPr/>
-        <p:txBody>
-          <a:bodyPr/>
-          <a:lstStyle/>
-          <a:p>
-            <a:r>
-              <a:rPr lang="en-US" sz="2600" dirty="0" smtClean="0">
-                <a:latin typeface="Arial" panose="020B0604020202020204" pitchFamily="34" charset="0"/>
-                <a:cs typeface="Arial" panose="020B0604020202020204" pitchFamily="34" charset="0"/>
-              </a:rPr>
-              <a:t>List and explain the added advantages of multivariate analysis over bivariate analysis.</a:t>
-            </a:r>
-          </a:p>
-          <a:p>
-            <a:r>
-              <a:rPr lang="en-US" sz="2600" dirty="0" smtClean="0">
-                <a:latin typeface="Arial" panose="020B0604020202020204" pitchFamily="34" charset="0"/>
-                <a:cs typeface="Arial" panose="020B0604020202020204" pitchFamily="34" charset="0"/>
-              </a:rPr>
-              <a:t>Outline an example of sociological diagnostics and how it might be used in relation to social causes.</a:t>
-            </a:r>
-          </a:p>
-          <a:p>
-            <a:r>
-              <a:rPr lang="en-US" sz="2600" dirty="0" smtClean="0">
-                <a:latin typeface="Arial" panose="020B0604020202020204" pitchFamily="34" charset="0"/>
-                <a:cs typeface="Arial" panose="020B0604020202020204" pitchFamily="34" charset="0"/>
-              </a:rPr>
-              <a:t>Define ways in which ethical issues may arise in connection with quantitative analyses.</a:t>
-            </a:r>
-            <a:endParaRPr lang="en-US" sz="2600" dirty="0">
+              <a:t>Multivariate Statistics</a:t>
+            </a:r>
+            <a:endParaRPr lang="en-US" sz="3600" dirty="0" smtClean="0">
               <a:latin typeface="Arial" panose="020B0604020202020204" pitchFamily="34" charset="0"/>
               <a:cs typeface="Arial" panose="020B0604020202020204" pitchFamily="34" charset="0"/>
             </a:endParaRPr>
           </a:p>
         </p:txBody>
       </p:sp>
+      <p:sp>
+        <p:nvSpPr>
+          <p:cNvPr id="48130" name="Content Placeholder 2"/>
+          <p:cNvSpPr>
+            <a:spLocks noGrp="1"/>
+          </p:cNvSpPr>
+          <p:nvPr>
+            <p:ph sz="quarter" idx="1"/>
+          </p:nvPr>
+        </p:nvSpPr>
+        <p:spPr>
+          <a:xfrm>
+            <a:off x="612775" y="1600200"/>
+            <a:ext cx="8153400" cy="4495800"/>
+          </a:xfrm>
+        </p:spPr>
+        <p:txBody>
+          <a:bodyPr/>
+          <a:lstStyle/>
+          <a:p>
+            <a:r>
+              <a:rPr lang="en-US" sz="2600" dirty="0" smtClean="0">
+                <a:latin typeface="Arial" panose="020B0604020202020204" pitchFamily="34" charset="0"/>
+                <a:cs typeface="Arial" panose="020B0604020202020204" pitchFamily="34" charset="0"/>
+              </a:rPr>
+              <a:t>Multivariate </a:t>
+            </a:r>
+            <a:r>
+              <a:rPr lang="en-US" sz="2600" dirty="0" smtClean="0">
+                <a:latin typeface="Arial" panose="020B0604020202020204" pitchFamily="34" charset="0"/>
+                <a:cs typeface="Arial" panose="020B0604020202020204" pitchFamily="34" charset="0"/>
+              </a:rPr>
+              <a:t>Statistics</a:t>
+            </a:r>
+          </a:p>
+          <a:p>
+            <a:pPr lvl="1"/>
+            <a:r>
+              <a:rPr lang="en-US" sz="2300" dirty="0" smtClean="0">
+                <a:latin typeface="Arial" panose="020B0604020202020204" pitchFamily="34" charset="0"/>
+                <a:cs typeface="Arial" panose="020B0604020202020204" pitchFamily="34" charset="0"/>
+              </a:rPr>
+              <a:t>The </a:t>
+            </a:r>
+            <a:r>
+              <a:rPr lang="en-US" sz="2300" dirty="0" smtClean="0">
+                <a:latin typeface="Arial" panose="020B0604020202020204" pitchFamily="34" charset="0"/>
+                <a:cs typeface="Arial" panose="020B0604020202020204" pitchFamily="34" charset="0"/>
+              </a:rPr>
+              <a:t>analysis of the simultaneous relationships among several variables</a:t>
+            </a:r>
+            <a:r>
+              <a:rPr lang="en-US" sz="2300" dirty="0" smtClean="0">
+                <a:latin typeface="Arial" panose="020B0604020202020204" pitchFamily="34" charset="0"/>
+                <a:cs typeface="Arial" panose="020B0604020202020204" pitchFamily="34" charset="0"/>
+              </a:rPr>
+              <a:t>.</a:t>
+            </a:r>
+          </a:p>
+          <a:p>
+            <a:pPr lvl="2"/>
+            <a:r>
+              <a:rPr lang="en-US" sz="2000" dirty="0" smtClean="0">
+                <a:latin typeface="Arial" panose="020B0604020202020204" pitchFamily="34" charset="0"/>
+                <a:cs typeface="Arial" panose="020B0604020202020204" pitchFamily="34" charset="0"/>
+              </a:rPr>
+              <a:t>Regressions (Multiple/Linear/OLS, Binomial Logistic, Multinomial Logistic, Poisson, Negative Binomial, Event History/Survival Analysis, Time-Series)</a:t>
+            </a:r>
+            <a:endParaRPr lang="en-US" sz="2000" dirty="0" smtClean="0">
+              <a:latin typeface="Arial" panose="020B0604020202020204" pitchFamily="34" charset="0"/>
+              <a:cs typeface="Arial" panose="020B0604020202020204" pitchFamily="34" charset="0"/>
+            </a:endParaRPr>
+          </a:p>
+        </p:txBody>
+      </p:sp>
     </p:spTree>
-    <p:extLst>
-      <p:ext uri="{BB962C8B-B14F-4D97-AF65-F5344CB8AC3E}">
-        <p14:creationId xmlns:p14="http://schemas.microsoft.com/office/powerpoint/2010/main" val="2873580756"/>
-      </p:ext>
-    </p:extLst>
   </p:cSld>
   <p:clrMapOvr>
     <a:masterClrMapping/>
@@ -9913,9 +10753,9 @@
       </p:grpSpPr>
       <p:sp>
         <p:nvSpPr>
-          <p:cNvPr id="51202" name="Rectangle 2"/>
-          <p:cNvSpPr>
-            <a:spLocks noGrp="1" noChangeArrowheads="1"/>
+          <p:cNvPr id="2" name="Title 1"/>
+          <p:cNvSpPr>
+            <a:spLocks noGrp="1"/>
           </p:cNvSpPr>
           <p:nvPr>
             <p:ph type="title"/>
@@ -9931,8 +10771,50 @@
                 <a:latin typeface="Arial" panose="020B0604020202020204" pitchFamily="34" charset="0"/>
                 <a:cs typeface="Arial" panose="020B0604020202020204" pitchFamily="34" charset="0"/>
               </a:rPr>
-              <a:t>Questions</a:t>
-            </a:r>
+              <a:t>Multivariate Statistics</a:t>
+            </a:r>
+            <a:endParaRPr lang="en-US" sz="3600" dirty="0">
+              <a:latin typeface="Arial" panose="020B0604020202020204" pitchFamily="34" charset="0"/>
+              <a:cs typeface="Arial" panose="020B0604020202020204" pitchFamily="34" charset="0"/>
+            </a:endParaRPr>
+          </a:p>
+        </p:txBody>
+      </p:sp>
+      <p:sp>
+        <p:nvSpPr>
+          <p:cNvPr id="3" name="Content Placeholder 2"/>
+          <p:cNvSpPr>
+            <a:spLocks noGrp="1"/>
+          </p:cNvSpPr>
+          <p:nvPr>
+            <p:ph sz="quarter" idx="1"/>
+          </p:nvPr>
+        </p:nvSpPr>
+        <p:spPr/>
+        <p:txBody>
+          <a:bodyPr/>
+          <a:lstStyle/>
+          <a:p>
+            <a:r>
+              <a:rPr lang="en-US" sz="2600" dirty="0" smtClean="0">
+                <a:latin typeface="Arial" panose="020B0604020202020204" pitchFamily="34" charset="0"/>
+                <a:cs typeface="Arial" panose="020B0604020202020204" pitchFamily="34" charset="0"/>
+              </a:rPr>
+              <a:t>Multivariate techniques allow the researcher to measure multiple variables at the same time</a:t>
+            </a:r>
+          </a:p>
+          <a:p>
+            <a:pPr lvl="1"/>
+            <a:r>
+              <a:rPr lang="en-US" sz="2300" dirty="0" smtClean="0">
+                <a:latin typeface="Arial" panose="020B0604020202020204" pitchFamily="34" charset="0"/>
+                <a:cs typeface="Arial" panose="020B0604020202020204" pitchFamily="34" charset="0"/>
+              </a:rPr>
+              <a:t>Can be used to better explain why women make less than men in the job market</a:t>
+            </a:r>
+          </a:p>
+          <a:p>
+            <a:endParaRPr lang="en-US" dirty="0"/>
           </a:p>
         </p:txBody>
       </p:sp>
@@ -9945,7 +10827,7 @@
 </file>
 
 <file path=ppt/slides/slide33.xml><?xml version="1.0" encoding="utf-8"?>
-<p:sld xmlns:a="http://schemas.openxmlformats.org/drawingml/2006/main" xmlns:r="http://schemas.openxmlformats.org/officeDocument/2006/relationships" xmlns:p="http://schemas.openxmlformats.org/presentationml/2006/main">
+<p:sld xmlns:a="http://schemas.openxmlformats.org/drawingml/2006/main" xmlns:r="http://schemas.openxmlformats.org/officeDocument/2006/relationships" xmlns:p="http://schemas.openxmlformats.org/presentationml/2006/main" show="0">
   <p:cSld>
     <p:spTree>
       <p:nvGrpSpPr>
@@ -9963,7 +10845,7 @@
       </p:grpSpPr>
       <p:sp>
         <p:nvSpPr>
-          <p:cNvPr id="59393" name="Title 3"/>
+          <p:cNvPr id="2" name="Title 1"/>
           <p:cNvSpPr>
             <a:spLocks noGrp="1"/>
           </p:cNvSpPr>
@@ -9971,31 +10853,22 @@
             <p:ph type="title"/>
           </p:nvPr>
         </p:nvSpPr>
-        <p:spPr>
-          <a:xfrm>
-            <a:off x="612775" y="228600"/>
-            <a:ext cx="8153400" cy="990600"/>
-          </a:xfrm>
-        </p:spPr>
+        <p:spPr/>
         <p:txBody>
           <a:bodyPr/>
           <a:lstStyle/>
           <a:p>
             <a:r>
               <a:rPr lang="en-US" sz="3600" dirty="0" smtClean="0"/>
-              <a:t>Question </a:t>
-            </a:r>
-            <a:r>
-              <a:rPr lang="en-US" sz="3600" dirty="0" smtClean="0"/>
-              <a:t>1</a:t>
-            </a:r>
-            <a:endParaRPr lang="en-US" sz="3600" dirty="0" smtClean="0"/>
-          </a:p>
-        </p:txBody>
-      </p:sp>
-      <p:sp>
-        <p:nvSpPr>
-          <p:cNvPr id="44035" name="Content Placeholder 2"/>
+              <a:t>Ethics and Quantitative Data Analysis</a:t>
+            </a:r>
+            <a:endParaRPr lang="en-US" sz="3600" dirty="0"/>
+          </a:p>
+        </p:txBody>
+      </p:sp>
+      <p:sp>
+        <p:nvSpPr>
+          <p:cNvPr id="3" name="Content Placeholder 2"/>
           <p:cNvSpPr>
             <a:spLocks noGrp="1"/>
           </p:cNvSpPr>
@@ -10003,95 +10876,48 @@
             <p:ph sz="quarter" idx="1"/>
           </p:nvPr>
         </p:nvSpPr>
-        <p:spPr>
-          <a:xfrm>
-            <a:off x="612775" y="1600200"/>
-            <a:ext cx="8153400" cy="4495800"/>
-          </a:xfrm>
-        </p:spPr>
-        <p:txBody>
-          <a:bodyPr>
-            <a:normAutofit/>
-          </a:bodyPr>
-          <a:lstStyle/>
-          <a:p>
-            <a:pPr marL="0" indent="0">
-              <a:buFont typeface="Wingdings 3" pitchFamily="18" charset="2"/>
-              <a:buNone/>
-            </a:pPr>
-            <a:r>
-              <a:rPr lang="en-US" sz="2600" dirty="0">
-                <a:latin typeface="Arial" panose="020B0604020202020204" pitchFamily="34" charset="0"/>
-                <a:cs typeface="Arial" panose="020B0604020202020204" pitchFamily="34" charset="0"/>
-              </a:rPr>
-              <a:t>1</a:t>
-            </a:r>
-            <a:r>
-              <a:rPr lang="en-US" sz="2600" dirty="0" smtClean="0">
-                <a:latin typeface="Arial" panose="020B0604020202020204" pitchFamily="34" charset="0"/>
-                <a:cs typeface="Arial" panose="020B0604020202020204" pitchFamily="34" charset="0"/>
-              </a:rPr>
-              <a:t>. </a:t>
-            </a:r>
-            <a:r>
-              <a:rPr lang="en-US" sz="2600" dirty="0" smtClean="0">
-                <a:latin typeface="Arial" panose="020B0604020202020204" pitchFamily="34" charset="0"/>
-                <a:cs typeface="Arial" panose="020B0604020202020204" pitchFamily="34" charset="0"/>
-              </a:rPr>
-              <a:t>The process of converting data to numerical format is called _____.</a:t>
-            </a:r>
-          </a:p>
-          <a:p>
-            <a:pPr marL="0" indent="0">
-              <a:buFont typeface="Arial" charset="0"/>
-              <a:buAutoNum type="alphaUcPeriod"/>
-            </a:pPr>
-            <a:r>
-              <a:rPr lang="en-US" sz="2600" dirty="0" smtClean="0">
-                <a:latin typeface="Arial" panose="020B0604020202020204" pitchFamily="34" charset="0"/>
-                <a:cs typeface="Arial" panose="020B0604020202020204" pitchFamily="34" charset="0"/>
-              </a:rPr>
-              <a:t> feminist research</a:t>
-            </a:r>
-          </a:p>
-          <a:p>
-            <a:pPr marL="0" indent="0">
-              <a:buFont typeface="Arial" charset="0"/>
-              <a:buAutoNum type="alphaUcPeriod"/>
-            </a:pPr>
-            <a:r>
-              <a:rPr lang="en-US" sz="2600" dirty="0" smtClean="0">
-                <a:latin typeface="Arial" panose="020B0604020202020204" pitchFamily="34" charset="0"/>
-                <a:cs typeface="Arial" panose="020B0604020202020204" pitchFamily="34" charset="0"/>
-              </a:rPr>
-              <a:t> qualification</a:t>
-            </a:r>
-          </a:p>
-          <a:p>
-            <a:pPr marL="0" indent="0">
-              <a:buFont typeface="Arial" charset="0"/>
-              <a:buAutoNum type="alphaUcPeriod"/>
-            </a:pPr>
-            <a:r>
-              <a:rPr lang="en-US" sz="2600" dirty="0" smtClean="0">
-                <a:latin typeface="Arial" panose="020B0604020202020204" pitchFamily="34" charset="0"/>
-                <a:cs typeface="Arial" panose="020B0604020202020204" pitchFamily="34" charset="0"/>
-              </a:rPr>
-              <a:t> quantification</a:t>
-            </a:r>
+        <p:spPr/>
+        <p:txBody>
+          <a:bodyPr/>
+          <a:lstStyle/>
+          <a:p>
+            <a:r>
+              <a:rPr lang="en-US" dirty="0" smtClean="0"/>
+              <a:t>Unbiased analysis and reporting is an ethical concern for quantitative analysis as well as in qualitative analysis.</a:t>
+            </a:r>
+          </a:p>
+          <a:p>
+            <a:r>
+              <a:rPr lang="en-US" dirty="0" smtClean="0"/>
+              <a:t>The privacy of subjects must be protected in analysis and reporting.</a:t>
+            </a:r>
+            <a:endParaRPr lang="en-US" dirty="0"/>
           </a:p>
         </p:txBody>
       </p:sp>
     </p:spTree>
+    <p:extLst>
+      <p:ext uri="{BB962C8B-B14F-4D97-AF65-F5344CB8AC3E}">
+        <p14:creationId xmlns:p14="http://schemas.microsoft.com/office/powerpoint/2010/main" val="4158709751"/>
+      </p:ext>
+    </p:extLst>
   </p:cSld>
   <p:clrMapOvr>
     <a:masterClrMapping/>
   </p:clrMapOvr>
+  <mc:AlternateContent xmlns:mc="http://schemas.openxmlformats.org/markup-compatibility/2006">
+    <mc:Choice xmlns:p14="http://schemas.microsoft.com/office/powerpoint/2010/main" Requires="p14">
+      <p:transition spd="slow" p14:dur="2000"/>
+    </mc:Choice>
+    <mc:Fallback>
+      <p:transition xmlns:p14="http://schemas.microsoft.com/office/powerpoint/2010/main" spd="slow"/>
+    </mc:Fallback>
+  </mc:AlternateContent>
 </p:sld>
 </file>
 
 <file path=ppt/slides/slide34.xml><?xml version="1.0" encoding="utf-8"?>
-<p:sld xmlns:a="http://schemas.openxmlformats.org/drawingml/2006/main" xmlns:r="http://schemas.openxmlformats.org/officeDocument/2006/relationships" xmlns:p="http://schemas.openxmlformats.org/presentationml/2006/main">
+<p:sld xmlns:a="http://schemas.openxmlformats.org/drawingml/2006/main" xmlns:r="http://schemas.openxmlformats.org/officeDocument/2006/relationships" xmlns:p="http://schemas.openxmlformats.org/presentationml/2006/main" show="0">
   <p:cSld>
     <p:spTree>
       <p:nvGrpSpPr>
@@ -10109,7 +10935,7 @@
       </p:grpSpPr>
       <p:sp>
         <p:nvSpPr>
-          <p:cNvPr id="63489" name="Title 3"/>
+          <p:cNvPr id="2" name="Title 1"/>
           <p:cNvSpPr>
             <a:spLocks noGrp="1"/>
           </p:cNvSpPr>
@@ -10117,31 +10943,38 @@
             <p:ph type="title"/>
           </p:nvPr>
         </p:nvSpPr>
-        <p:spPr>
-          <a:xfrm>
-            <a:off x="612775" y="228600"/>
-            <a:ext cx="8153400" cy="990600"/>
-          </a:xfrm>
-        </p:spPr>
+        <p:spPr/>
         <p:txBody>
           <a:bodyPr/>
           <a:lstStyle/>
           <a:p>
             <a:r>
-              <a:rPr lang="en-US" sz="3600" dirty="0" smtClean="0"/>
-              <a:t>Question </a:t>
-            </a:r>
-            <a:r>
-              <a:rPr lang="en-US" sz="3600" dirty="0" smtClean="0"/>
-              <a:t>2</a:t>
-            </a:r>
-            <a:endParaRPr lang="en-US" sz="3600" dirty="0" smtClean="0"/>
-          </a:p>
-        </p:txBody>
-      </p:sp>
-      <p:sp>
-        <p:nvSpPr>
-          <p:cNvPr id="46083" name="Content Placeholder 2"/>
+              <a:rPr lang="en-US" sz="3600" dirty="0" smtClean="0">
+                <a:latin typeface="Arial" panose="020B0604020202020204" pitchFamily="34" charset="0"/>
+                <a:cs typeface="Arial" panose="020B0604020202020204" pitchFamily="34" charset="0"/>
+              </a:rPr>
+              <a:t>Chapter </a:t>
+            </a:r>
+            <a:r>
+              <a:rPr lang="en-US" sz="3600" dirty="0">
+                <a:latin typeface="Arial" panose="020B0604020202020204" pitchFamily="34" charset="0"/>
+                <a:cs typeface="Arial" panose="020B0604020202020204" pitchFamily="34" charset="0"/>
+              </a:rPr>
+              <a:t>Summary </a:t>
+            </a:r>
+            <a:r>
+              <a:rPr lang="en-US" sz="1200" dirty="0">
+                <a:latin typeface="Arial" panose="020B0604020202020204" pitchFamily="34" charset="0"/>
+                <a:cs typeface="Arial" panose="020B0604020202020204" pitchFamily="34" charset="0"/>
+              </a:rPr>
+              <a:t>(slide 1 of 2)</a:t>
+            </a:r>
+          </a:p>
+        </p:txBody>
+      </p:sp>
+      <p:sp>
+        <p:nvSpPr>
+          <p:cNvPr id="3" name="Content Placeholder 2"/>
           <p:cNvSpPr>
             <a:spLocks noGrp="1"/>
           </p:cNvSpPr>
@@ -10149,108 +10982,71 @@
             <p:ph sz="quarter" idx="1"/>
           </p:nvPr>
         </p:nvSpPr>
-        <p:spPr>
-          <a:xfrm>
-            <a:off x="612775" y="1600200"/>
-            <a:ext cx="8153400" cy="4495800"/>
-          </a:xfrm>
-        </p:spPr>
-        <p:txBody>
-          <a:bodyPr>
-            <a:normAutofit/>
-          </a:bodyPr>
-          <a:lstStyle/>
-          <a:p>
-            <a:pPr marL="0" indent="0">
-              <a:buFont typeface="Wingdings 3" pitchFamily="18" charset="2"/>
-              <a:buNone/>
-            </a:pPr>
-            <a:r>
-              <a:rPr lang="en-US" sz="2600" dirty="0">
-                <a:latin typeface="Arial" panose="020B0604020202020204" pitchFamily="34" charset="0"/>
-                <a:cs typeface="Arial" panose="020B0604020202020204" pitchFamily="34" charset="0"/>
-              </a:rPr>
-              <a:t>2</a:t>
-            </a:r>
+        <p:spPr/>
+        <p:txBody>
+          <a:bodyPr/>
+          <a:lstStyle/>
+          <a:p>
             <a:r>
               <a:rPr lang="en-US" sz="2600" dirty="0" smtClean="0">
                 <a:latin typeface="Arial" panose="020B0604020202020204" pitchFamily="34" charset="0"/>
                 <a:cs typeface="Arial" panose="020B0604020202020204" pitchFamily="34" charset="0"/>
               </a:rPr>
-              <a:t>. </a:t>
-            </a:r>
+              <a:t>Provide an example illustrating the quantification of data.</a:t>
+            </a:r>
+          </a:p>
+          <a:p>
             <a:r>
               <a:rPr lang="en-US" sz="2600" dirty="0" smtClean="0">
                 <a:latin typeface="Arial" panose="020B0604020202020204" pitchFamily="34" charset="0"/>
                 <a:cs typeface="Arial" panose="020B0604020202020204" pitchFamily="34" charset="0"/>
               </a:rPr>
-              <a:t>Which of the following are basic approaches to the coding process?</a:t>
-            </a:r>
-          </a:p>
-          <a:p>
-            <a:pPr marL="0" indent="0">
-              <a:buFont typeface="Arial" charset="0"/>
-              <a:buAutoNum type="alphaUcPeriod"/>
-            </a:pPr>
+              <a:t>Identify and discuss the several aspects of univariate analysis.</a:t>
+            </a:r>
+          </a:p>
+          <a:p>
             <a:r>
               <a:rPr lang="en-US" sz="2600" dirty="0" smtClean="0">
                 <a:latin typeface="Arial" panose="020B0604020202020204" pitchFamily="34" charset="0"/>
                 <a:cs typeface="Arial" panose="020B0604020202020204" pitchFamily="34" charset="0"/>
               </a:rPr>
-              <a:t> You can begin with a well developed coding scheme.</a:t>
-            </a:r>
-          </a:p>
-          <a:p>
-            <a:pPr marL="0" indent="0">
-              <a:buFont typeface="Arial" charset="0"/>
-              <a:buAutoNum type="alphaUcPeriod"/>
-            </a:pPr>
+              <a:t>Explain what is gained when subgroup comparisons are used instead of univariate analyses.</a:t>
+            </a:r>
+          </a:p>
+          <a:p>
             <a:r>
               <a:rPr lang="en-US" sz="2600" dirty="0" smtClean="0">
                 <a:latin typeface="Arial" panose="020B0604020202020204" pitchFamily="34" charset="0"/>
                 <a:cs typeface="Arial" panose="020B0604020202020204" pitchFamily="34" charset="0"/>
               </a:rPr>
-              <a:t> You can generate codes from your data.</a:t>
-            </a:r>
-          </a:p>
-          <a:p>
-            <a:pPr marL="0" indent="0">
-              <a:buFont typeface="Arial" charset="0"/>
-              <a:buAutoNum type="alphaUcPeriod"/>
-            </a:pPr>
-            <a:r>
-              <a:rPr lang="en-US" sz="2600" dirty="0" smtClean="0">
-                <a:latin typeface="Arial" panose="020B0604020202020204" pitchFamily="34" charset="0"/>
-                <a:cs typeface="Arial" panose="020B0604020202020204" pitchFamily="34" charset="0"/>
-              </a:rPr>
-              <a:t> both of the above</a:t>
-            </a:r>
-          </a:p>
-          <a:p>
-            <a:pPr marL="0" indent="0">
-              <a:buFont typeface="Arial" charset="0"/>
-              <a:buAutoNum type="alphaUcPeriod"/>
-            </a:pPr>
-            <a:r>
-              <a:rPr lang="en-US" sz="2600" dirty="0" smtClean="0">
-                <a:latin typeface="Arial" panose="020B0604020202020204" pitchFamily="34" charset="0"/>
-                <a:cs typeface="Arial" panose="020B0604020202020204" pitchFamily="34" charset="0"/>
-              </a:rPr>
-              <a:t> none of the above</a:t>
+              <a:t>Describe and illustrate the difference between subgroup comparisons and bivariate analyses.</a:t>
             </a:r>
           </a:p>
         </p:txBody>
       </p:sp>
     </p:spTree>
+    <p:extLst>
+      <p:ext uri="{BB962C8B-B14F-4D97-AF65-F5344CB8AC3E}">
+        <p14:creationId xmlns:p14="http://schemas.microsoft.com/office/powerpoint/2010/main" val="1636727061"/>
+      </p:ext>
+    </p:extLst>
   </p:cSld>
   <p:clrMapOvr>
     <a:masterClrMapping/>
   </p:clrMapOvr>
+  <mc:AlternateContent xmlns:mc="http://schemas.openxmlformats.org/markup-compatibility/2006">
+    <mc:Choice xmlns:p14="http://schemas.microsoft.com/office/powerpoint/2010/main" Requires="p14">
+      <p:transition spd="slow" p14:dur="2000"/>
+    </mc:Choice>
+    <mc:Fallback>
+      <p:transition xmlns:p14="http://schemas.microsoft.com/office/powerpoint/2010/main" spd="slow"/>
+    </mc:Fallback>
+  </mc:AlternateContent>
 </p:sld>
 </file>
 
 <file path=ppt/slides/slide35.xml><?xml version="1.0" encoding="utf-8"?>
-<p:sld xmlns:a="http://schemas.openxmlformats.org/drawingml/2006/main" xmlns:r="http://schemas.openxmlformats.org/officeDocument/2006/relationships" xmlns:p="http://schemas.openxmlformats.org/presentationml/2006/main">
+<p:sld xmlns:a="http://schemas.openxmlformats.org/drawingml/2006/main" xmlns:r="http://schemas.openxmlformats.org/officeDocument/2006/relationships" xmlns:p="http://schemas.openxmlformats.org/presentationml/2006/main" show="0">
   <p:cSld>
     <p:spTree>
       <p:nvGrpSpPr>
@@ -10268,7 +11064,7 @@
       </p:grpSpPr>
       <p:sp>
         <p:nvSpPr>
-          <p:cNvPr id="67585" name="Title 3"/>
+          <p:cNvPr id="2" name="Title 1"/>
           <p:cNvSpPr>
             <a:spLocks noGrp="1"/>
           </p:cNvSpPr>
@@ -10276,31 +11072,52 @@
             <p:ph type="title"/>
           </p:nvPr>
         </p:nvSpPr>
-        <p:spPr>
-          <a:xfrm>
-            <a:off x="612775" y="228600"/>
-            <a:ext cx="8153400" cy="990600"/>
-          </a:xfrm>
-        </p:spPr>
+        <p:spPr/>
         <p:txBody>
           <a:bodyPr/>
           <a:lstStyle/>
           <a:p>
             <a:r>
-              <a:rPr lang="en-US" sz="3600" dirty="0" smtClean="0"/>
-              <a:t>Question </a:t>
-            </a:r>
-            <a:r>
-              <a:rPr lang="en-US" sz="3600" dirty="0" smtClean="0"/>
-              <a:t>3</a:t>
-            </a:r>
-            <a:endParaRPr lang="en-US" sz="3600" dirty="0" smtClean="0"/>
-          </a:p>
-        </p:txBody>
-      </p:sp>
-      <p:sp>
-        <p:nvSpPr>
-          <p:cNvPr id="44035" name="Content Placeholder 2"/>
+              <a:rPr lang="en-US" sz="3600" dirty="0" smtClean="0">
+                <a:latin typeface="Arial" panose="020B0604020202020204" pitchFamily="34" charset="0"/>
+                <a:cs typeface="Arial" panose="020B0604020202020204" pitchFamily="34" charset="0"/>
+              </a:rPr>
+              <a:t>Chapter </a:t>
+            </a:r>
+            <a:r>
+              <a:rPr lang="en-US" sz="3600" dirty="0">
+                <a:latin typeface="Arial" panose="020B0604020202020204" pitchFamily="34" charset="0"/>
+                <a:cs typeface="Arial" panose="020B0604020202020204" pitchFamily="34" charset="0"/>
+              </a:rPr>
+              <a:t>Summary </a:t>
+            </a:r>
+            <a:r>
+              <a:rPr lang="en-US" sz="1200" dirty="0">
+                <a:latin typeface="Arial" panose="020B0604020202020204" pitchFamily="34" charset="0"/>
+                <a:cs typeface="Arial" panose="020B0604020202020204" pitchFamily="34" charset="0"/>
+              </a:rPr>
+              <a:t>(slide </a:t>
+            </a:r>
+            <a:r>
+              <a:rPr lang="en-US" sz="1200" dirty="0" smtClean="0">
+                <a:latin typeface="Arial" panose="020B0604020202020204" pitchFamily="34" charset="0"/>
+                <a:cs typeface="Arial" panose="020B0604020202020204" pitchFamily="34" charset="0"/>
+              </a:rPr>
+              <a:t>2 </a:t>
+            </a:r>
+            <a:r>
+              <a:rPr lang="en-US" sz="1200" dirty="0">
+                <a:latin typeface="Arial" panose="020B0604020202020204" pitchFamily="34" charset="0"/>
+                <a:cs typeface="Arial" panose="020B0604020202020204" pitchFamily="34" charset="0"/>
+              </a:rPr>
+              <a:t>of 2)</a:t>
+            </a:r>
+          </a:p>
+        </p:txBody>
+      </p:sp>
+      <p:sp>
+        <p:nvSpPr>
+          <p:cNvPr id="3" name="Content Placeholder 2"/>
           <p:cNvSpPr>
             <a:spLocks noGrp="1"/>
           </p:cNvSpPr>
@@ -10308,108 +11125,66 @@
             <p:ph sz="quarter" idx="1"/>
           </p:nvPr>
         </p:nvSpPr>
-        <p:spPr>
-          <a:xfrm>
-            <a:off x="612775" y="1600200"/>
-            <a:ext cx="8153400" cy="4495800"/>
-          </a:xfrm>
-        </p:spPr>
-        <p:txBody>
-          <a:bodyPr>
-            <a:normAutofit/>
-          </a:bodyPr>
-          <a:lstStyle/>
-          <a:p>
-            <a:pPr marL="0" indent="0">
-              <a:buFont typeface="Wingdings 3" pitchFamily="18" charset="2"/>
-              <a:buNone/>
-            </a:pPr>
-            <a:r>
-              <a:rPr lang="en-US" sz="2600" dirty="0">
-                <a:latin typeface="Arial" panose="020B0604020202020204" pitchFamily="34" charset="0"/>
-                <a:cs typeface="Arial" panose="020B0604020202020204" pitchFamily="34" charset="0"/>
-              </a:rPr>
-              <a:t>3</a:t>
-            </a:r>
+        <p:spPr/>
+        <p:txBody>
+          <a:bodyPr/>
+          <a:lstStyle/>
+          <a:p>
             <a:r>
               <a:rPr lang="en-US" sz="2600" dirty="0" smtClean="0">
                 <a:latin typeface="Arial" panose="020B0604020202020204" pitchFamily="34" charset="0"/>
                 <a:cs typeface="Arial" panose="020B0604020202020204" pitchFamily="34" charset="0"/>
               </a:rPr>
-              <a:t>. </a:t>
-            </a:r>
+              <a:t>List and explain the added advantages of multivariate analysis over bivariate analysis.</a:t>
+            </a:r>
+          </a:p>
+          <a:p>
             <a:r>
               <a:rPr lang="en-US" sz="2600" dirty="0" smtClean="0">
                 <a:latin typeface="Arial" panose="020B0604020202020204" pitchFamily="34" charset="0"/>
                 <a:cs typeface="Arial" panose="020B0604020202020204" pitchFamily="34" charset="0"/>
               </a:rPr>
-              <a:t>A _____ is a document that describes the locations of variables and lists the assignments of codes to the attributes composing those variables.</a:t>
-            </a:r>
-          </a:p>
-          <a:p>
-            <a:pPr marL="0" indent="0">
-              <a:buFont typeface="Arial" charset="0"/>
-              <a:buAutoNum type="alphaUcPeriod"/>
-            </a:pPr>
+              <a:t>Outline an example of sociological diagnostics and how it might be used in relation to social causes.</a:t>
+            </a:r>
+          </a:p>
+          <a:p>
             <a:r>
               <a:rPr lang="en-US" sz="2600" dirty="0" smtClean="0">
                 <a:latin typeface="Arial" panose="020B0604020202020204" pitchFamily="34" charset="0"/>
                 <a:cs typeface="Arial" panose="020B0604020202020204" pitchFamily="34" charset="0"/>
               </a:rPr>
-              <a:t> cross-case analysis</a:t>
-            </a:r>
-          </a:p>
-          <a:p>
-            <a:pPr marL="0" indent="0">
-              <a:buFont typeface="Arial" charset="0"/>
-              <a:buAutoNum type="alphaUcPeriod"/>
-            </a:pPr>
-            <a:r>
-              <a:rPr lang="en-US" sz="2600" dirty="0" smtClean="0">
-                <a:latin typeface="Arial" panose="020B0604020202020204" pitchFamily="34" charset="0"/>
-                <a:cs typeface="Arial" panose="020B0604020202020204" pitchFamily="34" charset="0"/>
-              </a:rPr>
-              <a:t> codebook</a:t>
-            </a:r>
-          </a:p>
-          <a:p>
-            <a:pPr marL="0" indent="0">
-              <a:buFont typeface="Arial" charset="0"/>
-              <a:buAutoNum type="alphaUcPeriod"/>
-            </a:pPr>
-            <a:r>
-              <a:rPr lang="en-US" sz="2600" dirty="0" smtClean="0">
-                <a:latin typeface="Arial" panose="020B0604020202020204" pitchFamily="34" charset="0"/>
-                <a:cs typeface="Arial" panose="020B0604020202020204" pitchFamily="34" charset="0"/>
-              </a:rPr>
-              <a:t> constant comparative method</a:t>
-            </a:r>
-          </a:p>
-          <a:p>
-            <a:pPr marL="0" indent="0">
-              <a:buFont typeface="Arial" charset="0"/>
-              <a:buAutoNum type="alphaUcPeriod"/>
-            </a:pPr>
-            <a:r>
-              <a:rPr lang="en-US" sz="2600" dirty="0" smtClean="0">
-                <a:latin typeface="Arial" panose="020B0604020202020204" pitchFamily="34" charset="0"/>
-                <a:cs typeface="Arial" panose="020B0604020202020204" pitchFamily="34" charset="0"/>
-              </a:rPr>
-              <a:t> monitoring study</a:t>
-            </a:r>
+              <a:t>Define ways in which ethical issues may arise in connection with quantitative analyses.</a:t>
+            </a:r>
+            <a:endParaRPr lang="en-US" sz="2600" dirty="0">
+              <a:latin typeface="Arial" panose="020B0604020202020204" pitchFamily="34" charset="0"/>
+              <a:cs typeface="Arial" panose="020B0604020202020204" pitchFamily="34" charset="0"/>
+            </a:endParaRPr>
           </a:p>
         </p:txBody>
       </p:sp>
     </p:spTree>
+    <p:extLst>
+      <p:ext uri="{BB962C8B-B14F-4D97-AF65-F5344CB8AC3E}">
+        <p14:creationId xmlns:p14="http://schemas.microsoft.com/office/powerpoint/2010/main" val="2873580756"/>
+      </p:ext>
+    </p:extLst>
   </p:cSld>
   <p:clrMapOvr>
     <a:masterClrMapping/>
   </p:clrMapOvr>
+  <mc:AlternateContent xmlns:mc="http://schemas.openxmlformats.org/markup-compatibility/2006">
+    <mc:Choice xmlns:p14="http://schemas.microsoft.com/office/powerpoint/2010/main" Requires="p14">
+      <p:transition spd="slow" p14:dur="2000"/>
+    </mc:Choice>
+    <mc:Fallback>
+      <p:transition xmlns:p14="http://schemas.microsoft.com/office/powerpoint/2010/main" spd="slow"/>
+    </mc:Fallback>
+  </mc:AlternateContent>
 </p:sld>
 </file>
 
 <file path=ppt/slides/slide36.xml><?xml version="1.0" encoding="utf-8"?>
-<p:sld xmlns:a="http://schemas.openxmlformats.org/drawingml/2006/main" xmlns:r="http://schemas.openxmlformats.org/officeDocument/2006/relationships" xmlns:p="http://schemas.openxmlformats.org/presentationml/2006/main">
+<p:sld xmlns:a="http://schemas.openxmlformats.org/drawingml/2006/main" xmlns:r="http://schemas.openxmlformats.org/officeDocument/2006/relationships" xmlns:p="http://schemas.openxmlformats.org/presentationml/2006/main" show="0">
   <p:cSld>
     <p:spTree>
       <p:nvGrpSpPr>
@@ -10427,7 +11202,65 @@
       </p:grpSpPr>
       <p:sp>
         <p:nvSpPr>
-          <p:cNvPr id="71681" name="Title 3"/>
+          <p:cNvPr id="51202" name="Rectangle 2"/>
+          <p:cNvSpPr>
+            <a:spLocks noGrp="1" noChangeArrowheads="1"/>
+          </p:cNvSpPr>
+          <p:nvPr>
+            <p:ph type="title"/>
+          </p:nvPr>
+        </p:nvSpPr>
+        <p:spPr/>
+        <p:txBody>
+          <a:bodyPr/>
+          <a:lstStyle/>
+          <a:p>
+            <a:r>
+              <a:rPr lang="en-US" sz="3600" dirty="0" smtClean="0">
+                <a:latin typeface="Arial" panose="020B0604020202020204" pitchFamily="34" charset="0"/>
+                <a:cs typeface="Arial" panose="020B0604020202020204" pitchFamily="34" charset="0"/>
+              </a:rPr>
+              <a:t>Questions</a:t>
+            </a:r>
+          </a:p>
+        </p:txBody>
+      </p:sp>
+    </p:spTree>
+  </p:cSld>
+  <p:clrMapOvr>
+    <a:masterClrMapping/>
+  </p:clrMapOvr>
+  <mc:AlternateContent xmlns:mc="http://schemas.openxmlformats.org/markup-compatibility/2006">
+    <mc:Choice xmlns:p14="http://schemas.microsoft.com/office/powerpoint/2010/main" Requires="p14">
+      <p:transition spd="slow" p14:dur="2000"/>
+    </mc:Choice>
+    <mc:Fallback>
+      <p:transition xmlns:p14="http://schemas.microsoft.com/office/powerpoint/2010/main" spd="slow"/>
+    </mc:Fallback>
+  </mc:AlternateContent>
+</p:sld>
+</file>
+
+<file path=ppt/slides/slide37.xml><?xml version="1.0" encoding="utf-8"?>
+<p:sld xmlns:a="http://schemas.openxmlformats.org/drawingml/2006/main" xmlns:r="http://schemas.openxmlformats.org/officeDocument/2006/relationships" xmlns:p="http://schemas.openxmlformats.org/presentationml/2006/main" show="0">
+  <p:cSld>
+    <p:spTree>
+      <p:nvGrpSpPr>
+        <p:cNvPr id="1" name=""/>
+        <p:cNvGrpSpPr/>
+        <p:nvPr/>
+      </p:nvGrpSpPr>
+      <p:grpSpPr>
+        <a:xfrm>
+          <a:off x="0" y="0"/>
+          <a:ext cx="0" cy="0"/>
+          <a:chOff x="0" y="0"/>
+          <a:chExt cx="0" cy="0"/>
+        </a:xfrm>
+      </p:grpSpPr>
+      <p:sp>
+        <p:nvSpPr>
+          <p:cNvPr id="59393" name="Title 3"/>
           <p:cNvSpPr>
             <a:spLocks noGrp="1"/>
           </p:cNvSpPr>
@@ -10447,13 +11280,8 @@
           <a:p>
             <a:r>
               <a:rPr lang="en-US" sz="3600" dirty="0" smtClean="0"/>
-              <a:t>Question </a:t>
-            </a:r>
-            <a:r>
-              <a:rPr lang="en-US" sz="3600" dirty="0" smtClean="0"/>
-              <a:t>4</a:t>
-            </a:r>
-            <a:endParaRPr lang="en-US" sz="3600" dirty="0" smtClean="0"/>
+              <a:t>Question 1</a:t>
+            </a:r>
           </a:p>
         </p:txBody>
       </p:sp>
@@ -10488,21 +11316,14 @@
                 <a:latin typeface="Arial" panose="020B0604020202020204" pitchFamily="34" charset="0"/>
                 <a:cs typeface="Arial" panose="020B0604020202020204" pitchFamily="34" charset="0"/>
               </a:rPr>
-              <a:t>4</a:t>
+              <a:t>1</a:t>
             </a:r>
             <a:r>
               <a:rPr lang="en-US" sz="2600" dirty="0" smtClean="0">
                 <a:latin typeface="Arial" panose="020B0604020202020204" pitchFamily="34" charset="0"/>
                 <a:cs typeface="Arial" panose="020B0604020202020204" pitchFamily="34" charset="0"/>
               </a:rPr>
-              <a:t>. </a:t>
-            </a:r>
-            <a:r>
-              <a:rPr lang="en-US" sz="2600" dirty="0" smtClean="0">
-                <a:latin typeface="Arial" panose="020B0604020202020204" pitchFamily="34" charset="0"/>
-                <a:cs typeface="Arial" panose="020B0604020202020204" pitchFamily="34" charset="0"/>
-              </a:rPr>
-              <a:t>The _____ is an average computed by summing the values of several observations and divided by the number of observations.</a:t>
+              <a:t>. The process of converting data to numerical format is called _____.</a:t>
             </a:r>
           </a:p>
           <a:p>
@@ -10515,7 +11336,7 @@
                 <a:latin typeface="Arial" panose="020B0604020202020204" pitchFamily="34" charset="0"/>
                 <a:cs typeface="Arial" panose="020B0604020202020204" pitchFamily="34" charset="0"/>
               </a:rPr>
-              <a:t> frequency</a:t>
+              <a:t> feminist research</a:t>
             </a:r>
           </a:p>
           <a:p>
@@ -10528,7 +11349,7 @@
                 <a:latin typeface="Arial" panose="020B0604020202020204" pitchFamily="34" charset="0"/>
                 <a:cs typeface="Arial" panose="020B0604020202020204" pitchFamily="34" charset="0"/>
               </a:rPr>
-              <a:t> mean</a:t>
+              <a:t> qualification</a:t>
             </a:r>
           </a:p>
           <a:p>
@@ -10541,20 +11362,7 @@
                 <a:latin typeface="Arial" panose="020B0604020202020204" pitchFamily="34" charset="0"/>
                 <a:cs typeface="Arial" panose="020B0604020202020204" pitchFamily="34" charset="0"/>
               </a:rPr>
-              <a:t> median</a:t>
-            </a:r>
-          </a:p>
-          <a:p>
-            <a:pPr marL="0" indent="0">
-              <a:buFont typeface="Arial" charset="0"/>
-              <a:buAutoNum type="alphaUcPeriod"/>
-            </a:pPr>
-            <a:r>
-              <a:rPr lang="en-US" sz="2600" dirty="0" smtClean="0">
-                <a:latin typeface="Arial" panose="020B0604020202020204" pitchFamily="34" charset="0"/>
-                <a:cs typeface="Arial" panose="020B0604020202020204" pitchFamily="34" charset="0"/>
-              </a:rPr>
-              <a:t> mode</a:t>
+              <a:t> quantification</a:t>
             </a:r>
           </a:p>
         </p:txBody>
@@ -10564,6 +11372,324 @@
   <p:clrMapOvr>
     <a:masterClrMapping/>
   </p:clrMapOvr>
+  <mc:AlternateContent xmlns:mc="http://schemas.openxmlformats.org/markup-compatibility/2006">
+    <mc:Choice xmlns:p14="http://schemas.microsoft.com/office/powerpoint/2010/main" Requires="p14">
+      <p:transition spd="slow" p14:dur="2000"/>
+    </mc:Choice>
+    <mc:Fallback>
+      <p:transition xmlns:p14="http://schemas.microsoft.com/office/powerpoint/2010/main" spd="slow"/>
+    </mc:Fallback>
+  </mc:AlternateContent>
+</p:sld>
+</file>
+
+<file path=ppt/slides/slide38.xml><?xml version="1.0" encoding="utf-8"?>
+<p:sld xmlns:a="http://schemas.openxmlformats.org/drawingml/2006/main" xmlns:r="http://schemas.openxmlformats.org/officeDocument/2006/relationships" xmlns:p="http://schemas.openxmlformats.org/presentationml/2006/main" show="0">
+  <p:cSld>
+    <p:spTree>
+      <p:nvGrpSpPr>
+        <p:cNvPr id="1" name=""/>
+        <p:cNvGrpSpPr/>
+        <p:nvPr/>
+      </p:nvGrpSpPr>
+      <p:grpSpPr>
+        <a:xfrm>
+          <a:off x="0" y="0"/>
+          <a:ext cx="0" cy="0"/>
+          <a:chOff x="0" y="0"/>
+          <a:chExt cx="0" cy="0"/>
+        </a:xfrm>
+      </p:grpSpPr>
+      <p:sp>
+        <p:nvSpPr>
+          <p:cNvPr id="63489" name="Title 3"/>
+          <p:cNvSpPr>
+            <a:spLocks noGrp="1"/>
+          </p:cNvSpPr>
+          <p:nvPr>
+            <p:ph type="title"/>
+          </p:nvPr>
+        </p:nvSpPr>
+        <p:spPr>
+          <a:xfrm>
+            <a:off x="612775" y="228600"/>
+            <a:ext cx="8153400" cy="990600"/>
+          </a:xfrm>
+        </p:spPr>
+        <p:txBody>
+          <a:bodyPr/>
+          <a:lstStyle/>
+          <a:p>
+            <a:r>
+              <a:rPr lang="en-US" sz="3600" dirty="0" smtClean="0"/>
+              <a:t>Question 2</a:t>
+            </a:r>
+          </a:p>
+        </p:txBody>
+      </p:sp>
+      <p:sp>
+        <p:nvSpPr>
+          <p:cNvPr id="46083" name="Content Placeholder 2"/>
+          <p:cNvSpPr>
+            <a:spLocks noGrp="1"/>
+          </p:cNvSpPr>
+          <p:nvPr>
+            <p:ph sz="quarter" idx="1"/>
+          </p:nvPr>
+        </p:nvSpPr>
+        <p:spPr>
+          <a:xfrm>
+            <a:off x="612775" y="1600200"/>
+            <a:ext cx="8153400" cy="4495800"/>
+          </a:xfrm>
+        </p:spPr>
+        <p:txBody>
+          <a:bodyPr>
+            <a:normAutofit/>
+          </a:bodyPr>
+          <a:lstStyle/>
+          <a:p>
+            <a:pPr marL="0" indent="0">
+              <a:buFont typeface="Wingdings 3" pitchFamily="18" charset="2"/>
+              <a:buNone/>
+            </a:pPr>
+            <a:r>
+              <a:rPr lang="en-US" sz="2600" dirty="0">
+                <a:latin typeface="Arial" panose="020B0604020202020204" pitchFamily="34" charset="0"/>
+                <a:cs typeface="Arial" panose="020B0604020202020204" pitchFamily="34" charset="0"/>
+              </a:rPr>
+              <a:t>2</a:t>
+            </a:r>
+            <a:r>
+              <a:rPr lang="en-US" sz="2600" dirty="0" smtClean="0">
+                <a:latin typeface="Arial" panose="020B0604020202020204" pitchFamily="34" charset="0"/>
+                <a:cs typeface="Arial" panose="020B0604020202020204" pitchFamily="34" charset="0"/>
+              </a:rPr>
+              <a:t>. Which of the following are basic approaches to the coding process?</a:t>
+            </a:r>
+          </a:p>
+          <a:p>
+            <a:pPr marL="0" indent="0">
+              <a:buFont typeface="Arial" charset="0"/>
+              <a:buAutoNum type="alphaUcPeriod"/>
+            </a:pPr>
+            <a:r>
+              <a:rPr lang="en-US" sz="2600" dirty="0" smtClean="0">
+                <a:latin typeface="Arial" panose="020B0604020202020204" pitchFamily="34" charset="0"/>
+                <a:cs typeface="Arial" panose="020B0604020202020204" pitchFamily="34" charset="0"/>
+              </a:rPr>
+              <a:t> You can begin with a well developed coding scheme.</a:t>
+            </a:r>
+          </a:p>
+          <a:p>
+            <a:pPr marL="0" indent="0">
+              <a:buFont typeface="Arial" charset="0"/>
+              <a:buAutoNum type="alphaUcPeriod"/>
+            </a:pPr>
+            <a:r>
+              <a:rPr lang="en-US" sz="2600" dirty="0" smtClean="0">
+                <a:latin typeface="Arial" panose="020B0604020202020204" pitchFamily="34" charset="0"/>
+                <a:cs typeface="Arial" panose="020B0604020202020204" pitchFamily="34" charset="0"/>
+              </a:rPr>
+              <a:t> You can generate codes from your data.</a:t>
+            </a:r>
+          </a:p>
+          <a:p>
+            <a:pPr marL="0" indent="0">
+              <a:buFont typeface="Arial" charset="0"/>
+              <a:buAutoNum type="alphaUcPeriod"/>
+            </a:pPr>
+            <a:r>
+              <a:rPr lang="en-US" sz="2600" dirty="0" smtClean="0">
+                <a:latin typeface="Arial" panose="020B0604020202020204" pitchFamily="34" charset="0"/>
+                <a:cs typeface="Arial" panose="020B0604020202020204" pitchFamily="34" charset="0"/>
+              </a:rPr>
+              <a:t> both of the above</a:t>
+            </a:r>
+          </a:p>
+          <a:p>
+            <a:pPr marL="0" indent="0">
+              <a:buFont typeface="Arial" charset="0"/>
+              <a:buAutoNum type="alphaUcPeriod"/>
+            </a:pPr>
+            <a:r>
+              <a:rPr lang="en-US" sz="2600" dirty="0" smtClean="0">
+                <a:latin typeface="Arial" panose="020B0604020202020204" pitchFamily="34" charset="0"/>
+                <a:cs typeface="Arial" panose="020B0604020202020204" pitchFamily="34" charset="0"/>
+              </a:rPr>
+              <a:t> none of the above</a:t>
+            </a:r>
+          </a:p>
+        </p:txBody>
+      </p:sp>
+    </p:spTree>
+  </p:cSld>
+  <p:clrMapOvr>
+    <a:masterClrMapping/>
+  </p:clrMapOvr>
+  <mc:AlternateContent xmlns:mc="http://schemas.openxmlformats.org/markup-compatibility/2006">
+    <mc:Choice xmlns:p14="http://schemas.microsoft.com/office/powerpoint/2010/main" Requires="p14">
+      <p:transition spd="slow" p14:dur="2000"/>
+    </mc:Choice>
+    <mc:Fallback>
+      <p:transition xmlns:p14="http://schemas.microsoft.com/office/powerpoint/2010/main" spd="slow"/>
+    </mc:Fallback>
+  </mc:AlternateContent>
+</p:sld>
+</file>
+
+<file path=ppt/slides/slide39.xml><?xml version="1.0" encoding="utf-8"?>
+<p:sld xmlns:a="http://schemas.openxmlformats.org/drawingml/2006/main" xmlns:r="http://schemas.openxmlformats.org/officeDocument/2006/relationships" xmlns:p="http://schemas.openxmlformats.org/presentationml/2006/main" show="0">
+  <p:cSld>
+    <p:spTree>
+      <p:nvGrpSpPr>
+        <p:cNvPr id="1" name=""/>
+        <p:cNvGrpSpPr/>
+        <p:nvPr/>
+      </p:nvGrpSpPr>
+      <p:grpSpPr>
+        <a:xfrm>
+          <a:off x="0" y="0"/>
+          <a:ext cx="0" cy="0"/>
+          <a:chOff x="0" y="0"/>
+          <a:chExt cx="0" cy="0"/>
+        </a:xfrm>
+      </p:grpSpPr>
+      <p:sp>
+        <p:nvSpPr>
+          <p:cNvPr id="67585" name="Title 3"/>
+          <p:cNvSpPr>
+            <a:spLocks noGrp="1"/>
+          </p:cNvSpPr>
+          <p:nvPr>
+            <p:ph type="title"/>
+          </p:nvPr>
+        </p:nvSpPr>
+        <p:spPr>
+          <a:xfrm>
+            <a:off x="612775" y="228600"/>
+            <a:ext cx="8153400" cy="990600"/>
+          </a:xfrm>
+        </p:spPr>
+        <p:txBody>
+          <a:bodyPr/>
+          <a:lstStyle/>
+          <a:p>
+            <a:r>
+              <a:rPr lang="en-US" sz="3600" dirty="0" smtClean="0"/>
+              <a:t>Question 3</a:t>
+            </a:r>
+          </a:p>
+        </p:txBody>
+      </p:sp>
+      <p:sp>
+        <p:nvSpPr>
+          <p:cNvPr id="44035" name="Content Placeholder 2"/>
+          <p:cNvSpPr>
+            <a:spLocks noGrp="1"/>
+          </p:cNvSpPr>
+          <p:nvPr>
+            <p:ph sz="quarter" idx="1"/>
+          </p:nvPr>
+        </p:nvSpPr>
+        <p:spPr>
+          <a:xfrm>
+            <a:off x="612775" y="1600200"/>
+            <a:ext cx="8153400" cy="4495800"/>
+          </a:xfrm>
+        </p:spPr>
+        <p:txBody>
+          <a:bodyPr>
+            <a:normAutofit/>
+          </a:bodyPr>
+          <a:lstStyle/>
+          <a:p>
+            <a:pPr marL="0" indent="0">
+              <a:buFont typeface="Wingdings 3" pitchFamily="18" charset="2"/>
+              <a:buNone/>
+            </a:pPr>
+            <a:r>
+              <a:rPr lang="en-US" sz="2600" dirty="0">
+                <a:latin typeface="Arial" panose="020B0604020202020204" pitchFamily="34" charset="0"/>
+                <a:cs typeface="Arial" panose="020B0604020202020204" pitchFamily="34" charset="0"/>
+              </a:rPr>
+              <a:t>3</a:t>
+            </a:r>
+            <a:r>
+              <a:rPr lang="en-US" sz="2600" dirty="0" smtClean="0">
+                <a:latin typeface="Arial" panose="020B0604020202020204" pitchFamily="34" charset="0"/>
+                <a:cs typeface="Arial" panose="020B0604020202020204" pitchFamily="34" charset="0"/>
+              </a:rPr>
+              <a:t>. A _____ is a document that describes the locations of variables and lists the assignments of codes to the attributes composing those variables.</a:t>
+            </a:r>
+          </a:p>
+          <a:p>
+            <a:pPr marL="0" indent="0">
+              <a:buFont typeface="Arial" charset="0"/>
+              <a:buAutoNum type="alphaUcPeriod"/>
+            </a:pPr>
+            <a:r>
+              <a:rPr lang="en-US" sz="2600" dirty="0" smtClean="0">
+                <a:latin typeface="Arial" panose="020B0604020202020204" pitchFamily="34" charset="0"/>
+                <a:cs typeface="Arial" panose="020B0604020202020204" pitchFamily="34" charset="0"/>
+              </a:rPr>
+              <a:t> cross-case analysis</a:t>
+            </a:r>
+          </a:p>
+          <a:p>
+            <a:pPr marL="0" indent="0">
+              <a:buFont typeface="Arial" charset="0"/>
+              <a:buAutoNum type="alphaUcPeriod"/>
+            </a:pPr>
+            <a:r>
+              <a:rPr lang="en-US" sz="2600" dirty="0" smtClean="0">
+                <a:latin typeface="Arial" panose="020B0604020202020204" pitchFamily="34" charset="0"/>
+                <a:cs typeface="Arial" panose="020B0604020202020204" pitchFamily="34" charset="0"/>
+              </a:rPr>
+              <a:t> codebook</a:t>
+            </a:r>
+          </a:p>
+          <a:p>
+            <a:pPr marL="0" indent="0">
+              <a:buFont typeface="Arial" charset="0"/>
+              <a:buAutoNum type="alphaUcPeriod"/>
+            </a:pPr>
+            <a:r>
+              <a:rPr lang="en-US" sz="2600" dirty="0" smtClean="0">
+                <a:latin typeface="Arial" panose="020B0604020202020204" pitchFamily="34" charset="0"/>
+                <a:cs typeface="Arial" panose="020B0604020202020204" pitchFamily="34" charset="0"/>
+              </a:rPr>
+              <a:t> constant comparative method</a:t>
+            </a:r>
+          </a:p>
+          <a:p>
+            <a:pPr marL="0" indent="0">
+              <a:buFont typeface="Arial" charset="0"/>
+              <a:buAutoNum type="alphaUcPeriod"/>
+            </a:pPr>
+            <a:r>
+              <a:rPr lang="en-US" sz="2600" dirty="0" smtClean="0">
+                <a:latin typeface="Arial" panose="020B0604020202020204" pitchFamily="34" charset="0"/>
+                <a:cs typeface="Arial" panose="020B0604020202020204" pitchFamily="34" charset="0"/>
+              </a:rPr>
+              <a:t> monitoring study</a:t>
+            </a:r>
+          </a:p>
+        </p:txBody>
+      </p:sp>
+    </p:spTree>
+  </p:cSld>
+  <p:clrMapOvr>
+    <a:masterClrMapping/>
+  </p:clrMapOvr>
+  <mc:AlternateContent xmlns:mc="http://schemas.openxmlformats.org/markup-compatibility/2006">
+    <mc:Choice xmlns:p14="http://schemas.microsoft.com/office/powerpoint/2010/main" Requires="p14">
+      <p:transition spd="slow" p14:dur="2000"/>
+    </mc:Choice>
+    <mc:Fallback>
+      <p:transition xmlns:p14="http://schemas.microsoft.com/office/powerpoint/2010/main" spd="slow"/>
+    </mc:Fallback>
+  </mc:AlternateContent>
 </p:sld>
 </file>
 
@@ -10604,8 +11730,12 @@
                 <a:latin typeface="Arial" panose="020B0604020202020204" pitchFamily="34" charset="0"/>
                 <a:cs typeface="Arial" panose="020B0604020202020204" pitchFamily="34" charset="0"/>
               </a:rPr>
-              <a:t>Quantitative Coding Examples</a:t>
-            </a:r>
+              <a:t>Coding Quantitative Data</a:t>
+            </a:r>
+            <a:endParaRPr lang="en-US" sz="3600" dirty="0" smtClean="0">
+              <a:latin typeface="Arial" panose="020B0604020202020204" pitchFamily="34" charset="0"/>
+              <a:cs typeface="Arial" panose="020B0604020202020204" pitchFamily="34" charset="0"/>
+            </a:endParaRPr>
           </a:p>
         </p:txBody>
       </p:sp>
@@ -10994,6 +12124,161 @@
   <p:clrMapOvr>
     <a:masterClrMapping/>
   </p:clrMapOvr>
+</p:sld>
+</file>
+
+<file path=ppt/slides/slide40.xml><?xml version="1.0" encoding="utf-8"?>
+<p:sld xmlns:a="http://schemas.openxmlformats.org/drawingml/2006/main" xmlns:r="http://schemas.openxmlformats.org/officeDocument/2006/relationships" xmlns:p="http://schemas.openxmlformats.org/presentationml/2006/main" show="0">
+  <p:cSld>
+    <p:spTree>
+      <p:nvGrpSpPr>
+        <p:cNvPr id="1" name=""/>
+        <p:cNvGrpSpPr/>
+        <p:nvPr/>
+      </p:nvGrpSpPr>
+      <p:grpSpPr>
+        <a:xfrm>
+          <a:off x="0" y="0"/>
+          <a:ext cx="0" cy="0"/>
+          <a:chOff x="0" y="0"/>
+          <a:chExt cx="0" cy="0"/>
+        </a:xfrm>
+      </p:grpSpPr>
+      <p:sp>
+        <p:nvSpPr>
+          <p:cNvPr id="71681" name="Title 3"/>
+          <p:cNvSpPr>
+            <a:spLocks noGrp="1"/>
+          </p:cNvSpPr>
+          <p:nvPr>
+            <p:ph type="title"/>
+          </p:nvPr>
+        </p:nvSpPr>
+        <p:spPr>
+          <a:xfrm>
+            <a:off x="612775" y="228600"/>
+            <a:ext cx="8153400" cy="990600"/>
+          </a:xfrm>
+        </p:spPr>
+        <p:txBody>
+          <a:bodyPr/>
+          <a:lstStyle/>
+          <a:p>
+            <a:r>
+              <a:rPr lang="en-US" sz="3600" dirty="0" smtClean="0"/>
+              <a:t>Question 4</a:t>
+            </a:r>
+          </a:p>
+        </p:txBody>
+      </p:sp>
+      <p:sp>
+        <p:nvSpPr>
+          <p:cNvPr id="44035" name="Content Placeholder 2"/>
+          <p:cNvSpPr>
+            <a:spLocks noGrp="1"/>
+          </p:cNvSpPr>
+          <p:nvPr>
+            <p:ph sz="quarter" idx="1"/>
+          </p:nvPr>
+        </p:nvSpPr>
+        <p:spPr>
+          <a:xfrm>
+            <a:off x="612775" y="1600200"/>
+            <a:ext cx="8153400" cy="4495800"/>
+          </a:xfrm>
+        </p:spPr>
+        <p:txBody>
+          <a:bodyPr>
+            <a:normAutofit/>
+          </a:bodyPr>
+          <a:lstStyle/>
+          <a:p>
+            <a:pPr marL="0" indent="0">
+              <a:buFont typeface="Wingdings 3" pitchFamily="18" charset="2"/>
+              <a:buNone/>
+            </a:pPr>
+            <a:r>
+              <a:rPr lang="en-US" sz="2600" dirty="0">
+                <a:latin typeface="Arial" panose="020B0604020202020204" pitchFamily="34" charset="0"/>
+                <a:cs typeface="Arial" panose="020B0604020202020204" pitchFamily="34" charset="0"/>
+              </a:rPr>
+              <a:t>4</a:t>
+            </a:r>
+            <a:r>
+              <a:rPr lang="en-US" sz="2600" dirty="0" smtClean="0">
+                <a:latin typeface="Arial" panose="020B0604020202020204" pitchFamily="34" charset="0"/>
+                <a:cs typeface="Arial" panose="020B0604020202020204" pitchFamily="34" charset="0"/>
+              </a:rPr>
+              <a:t>. The _____ is an average computed by summing the values of several observations and divided by the number of observations.</a:t>
+            </a:r>
+          </a:p>
+          <a:p>
+            <a:pPr marL="0" indent="0">
+              <a:buFont typeface="Arial" charset="0"/>
+              <a:buAutoNum type="alphaUcPeriod"/>
+            </a:pPr>
+            <a:r>
+              <a:rPr lang="en-US" sz="2600" dirty="0" smtClean="0">
+                <a:latin typeface="Arial" panose="020B0604020202020204" pitchFamily="34" charset="0"/>
+                <a:cs typeface="Arial" panose="020B0604020202020204" pitchFamily="34" charset="0"/>
+              </a:rPr>
+              <a:t> frequency</a:t>
+            </a:r>
+          </a:p>
+          <a:p>
+            <a:pPr marL="0" indent="0">
+              <a:buFont typeface="Arial" charset="0"/>
+              <a:buAutoNum type="alphaUcPeriod"/>
+            </a:pPr>
+            <a:r>
+              <a:rPr lang="en-US" sz="2600" dirty="0" smtClean="0">
+                <a:latin typeface="Arial" panose="020B0604020202020204" pitchFamily="34" charset="0"/>
+                <a:cs typeface="Arial" panose="020B0604020202020204" pitchFamily="34" charset="0"/>
+              </a:rPr>
+              <a:t> mean</a:t>
+            </a:r>
+          </a:p>
+          <a:p>
+            <a:pPr marL="0" indent="0">
+              <a:buFont typeface="Arial" charset="0"/>
+              <a:buAutoNum type="alphaUcPeriod"/>
+            </a:pPr>
+            <a:r>
+              <a:rPr lang="en-US" sz="2600" dirty="0" smtClean="0">
+                <a:latin typeface="Arial" panose="020B0604020202020204" pitchFamily="34" charset="0"/>
+                <a:cs typeface="Arial" panose="020B0604020202020204" pitchFamily="34" charset="0"/>
+              </a:rPr>
+              <a:t> median</a:t>
+            </a:r>
+          </a:p>
+          <a:p>
+            <a:pPr marL="0" indent="0">
+              <a:buFont typeface="Arial" charset="0"/>
+              <a:buAutoNum type="alphaUcPeriod"/>
+            </a:pPr>
+            <a:r>
+              <a:rPr lang="en-US" sz="2600" dirty="0" smtClean="0">
+                <a:latin typeface="Arial" panose="020B0604020202020204" pitchFamily="34" charset="0"/>
+                <a:cs typeface="Arial" panose="020B0604020202020204" pitchFamily="34" charset="0"/>
+              </a:rPr>
+              <a:t> mode</a:t>
+            </a:r>
+          </a:p>
+        </p:txBody>
+      </p:sp>
+    </p:spTree>
+  </p:cSld>
+  <p:clrMapOvr>
+    <a:masterClrMapping/>
+  </p:clrMapOvr>
+  <mc:AlternateContent xmlns:mc="http://schemas.openxmlformats.org/markup-compatibility/2006">
+    <mc:Choice xmlns:p14="http://schemas.microsoft.com/office/powerpoint/2010/main" Requires="p14">
+      <p:transition spd="slow" p14:dur="2000"/>
+    </mc:Choice>
+    <mc:Fallback>
+      <p:transition xmlns:p14="http://schemas.microsoft.com/office/powerpoint/2010/main" spd="slow"/>
+    </mc:Fallback>
+  </mc:AlternateContent>
 </p:sld>
 </file>
 
@@ -11039,21 +12324,7 @@
                 <a:latin typeface="Arial" panose="020B0604020202020204" pitchFamily="34" charset="0"/>
                 <a:cs typeface="Arial" panose="020B0604020202020204" pitchFamily="34" charset="0"/>
               </a:rPr>
-              <a:t>Quantification of </a:t>
-            </a:r>
-            <a:r>
-              <a:rPr lang="en-US" sz="3600" dirty="0" smtClean="0">
-                <a:latin typeface="Arial" panose="020B0604020202020204" pitchFamily="34" charset="0"/>
-                <a:cs typeface="Arial" panose="020B0604020202020204" pitchFamily="34" charset="0"/>
-              </a:rPr>
-              <a:t>Data </a:t>
-            </a:r>
-            <a:r>
-              <a:rPr lang="en-US" sz="1200" dirty="0" smtClean="0">
-                <a:latin typeface="Arial" panose="020B0604020202020204" pitchFamily="34" charset="0"/>
-                <a:cs typeface="Arial" panose="020B0604020202020204" pitchFamily="34" charset="0"/>
-              </a:rPr>
-              <a:t>(slide 1 of 2)</a:t>
+              <a:t>Coding Quantitative Data</a:t>
             </a:r>
             <a:endParaRPr lang="en-US" sz="1200" dirty="0" smtClean="0"/>
           </a:p>
@@ -11166,28 +12437,7 @@
                 <a:latin typeface="Arial" panose="020B0604020202020204" pitchFamily="34" charset="0"/>
                 <a:cs typeface="Arial" panose="020B0604020202020204" pitchFamily="34" charset="0"/>
               </a:rPr>
-              <a:t>Quantification of Data </a:t>
-            </a:r>
-            <a:r>
-              <a:rPr lang="en-US" sz="1200" dirty="0">
-                <a:latin typeface="Arial" panose="020B0604020202020204" pitchFamily="34" charset="0"/>
-                <a:cs typeface="Arial" panose="020B0604020202020204" pitchFamily="34" charset="0"/>
-              </a:rPr>
-              <a:t>(slide </a:t>
-            </a:r>
-            <a:r>
-              <a:rPr lang="en-US" sz="1200" dirty="0" smtClean="0">
-                <a:latin typeface="Arial" panose="020B0604020202020204" pitchFamily="34" charset="0"/>
-                <a:cs typeface="Arial" panose="020B0604020202020204" pitchFamily="34" charset="0"/>
-              </a:rPr>
-              <a:t>2 </a:t>
-            </a:r>
-            <a:r>
-              <a:rPr lang="en-US" sz="1200" dirty="0">
-                <a:latin typeface="Arial" panose="020B0604020202020204" pitchFamily="34" charset="0"/>
-                <a:cs typeface="Arial" panose="020B0604020202020204" pitchFamily="34" charset="0"/>
-              </a:rPr>
-              <a:t>of 2)</a:t>
+              <a:t>Coding Quantitative Data</a:t>
             </a:r>
             <a:endParaRPr lang="en-US" sz="1200" dirty="0"/>
           </a:p>
@@ -11209,11 +12459,11 @@
           <a:lstStyle/>
           <a:p>
             <a:r>
-              <a:rPr lang="en-US" sz="2600" dirty="0">
-                <a:latin typeface="Arial" panose="020B0604020202020204" pitchFamily="34" charset="0"/>
-                <a:cs typeface="Arial" panose="020B0604020202020204" pitchFamily="34" charset="0"/>
-              </a:rPr>
-              <a:t>Codebook Construction</a:t>
+              <a:rPr lang="en-US" dirty="0" smtClean="0">
+                <a:latin typeface="Arial" panose="020B0604020202020204" pitchFamily="34" charset="0"/>
+                <a:cs typeface="Arial" panose="020B0604020202020204" pitchFamily="34" charset="0"/>
+              </a:rPr>
+              <a:t>Codebook</a:t>
             </a:r>
           </a:p>
           <a:p>
@@ -11223,14 +12473,35 @@
                 <a:latin typeface="Arial" panose="020B0604020202020204" pitchFamily="34" charset="0"/>
                 <a:cs typeface="Arial" panose="020B0604020202020204" pitchFamily="34" charset="0"/>
               </a:rPr>
-              <a:t>Codebook – The document used in data processing and </a:t>
+              <a:t>A</a:t>
             </a:r>
             <a:r>
               <a:rPr lang="en-US" dirty="0" smtClean="0">
                 <a:latin typeface="Arial" panose="020B0604020202020204" pitchFamily="34" charset="0"/>
                 <a:cs typeface="Arial" panose="020B0604020202020204" pitchFamily="34" charset="0"/>
               </a:rPr>
-              <a:t>analysis. Lists the </a:t>
+              <a:t> </a:t>
+            </a:r>
+            <a:r>
+              <a:rPr lang="en-US" dirty="0">
+                <a:latin typeface="Arial" panose="020B0604020202020204" pitchFamily="34" charset="0"/>
+                <a:cs typeface="Arial" panose="020B0604020202020204" pitchFamily="34" charset="0"/>
+              </a:rPr>
+              <a:t>document </a:t>
+            </a:r>
+            <a:r>
+              <a:rPr lang="en-US" dirty="0" smtClean="0">
+                <a:latin typeface="Arial" panose="020B0604020202020204" pitchFamily="34" charset="0"/>
+                <a:cs typeface="Arial" panose="020B0604020202020204" pitchFamily="34" charset="0"/>
+              </a:rPr>
+              <a:t>that lists </a:t>
+            </a:r>
+            <a:r>
+              <a:rPr lang="en-US" dirty="0" smtClean="0">
+                <a:latin typeface="Arial" panose="020B0604020202020204" pitchFamily="34" charset="0"/>
+                <a:cs typeface="Arial" panose="020B0604020202020204" pitchFamily="34" charset="0"/>
+              </a:rPr>
+              <a:t>the </a:t>
             </a:r>
             <a:r>
               <a:rPr lang="en-US" dirty="0">
@@ -11265,10 +12536,7 @@
             </a:r>
           </a:p>
           <a:p>
-            <a:pPr marL="571500" lvl="3" indent="-342900">
-              <a:buFont typeface="Arial" charset="0"/>
-              <a:buAutoNum type="arabicPeriod"/>
-            </a:pPr>
+            <a:pPr marL="685800" lvl="3" indent="-457200"/>
             <a:r>
               <a:rPr lang="en-US" sz="2600" dirty="0" smtClean="0">
                 <a:latin typeface="Arial" panose="020B0604020202020204" pitchFamily="34" charset="0"/>
@@ -12192,7 +13460,7 @@
       </p:grpSpPr>
       <p:sp>
         <p:nvSpPr>
-          <p:cNvPr id="24577" name="Title 3"/>
+          <p:cNvPr id="38913" name="Title 3"/>
           <p:cNvSpPr>
             <a:spLocks noGrp="1"/>
           </p:cNvSpPr>
@@ -12215,15 +13483,15 @@
                 <a:latin typeface="Arial" panose="020B0604020202020204" pitchFamily="34" charset="0"/>
                 <a:cs typeface="Arial" panose="020B0604020202020204" pitchFamily="34" charset="0"/>
               </a:rPr>
-              <a:t>Quantification of Data</a:t>
-            </a:r>
-            <a:endParaRPr lang="en-US" sz="3600" dirty="0" smtClean="0"/>
-          </a:p>
-        </p:txBody>
-      </p:sp>
-      <p:sp>
-        <p:nvSpPr>
-          <p:cNvPr id="24578" name="Content Placeholder 2"/>
+              <a:t>Coding Quantitative Data</a:t>
+            </a:r>
+            <a:endParaRPr lang="en-US" sz="1200" dirty="0" smtClean="0"/>
+          </a:p>
+        </p:txBody>
+      </p:sp>
+      <p:sp>
+        <p:nvSpPr>
+          <p:cNvPr id="38914" name="Content Placeholder 2"/>
           <p:cNvSpPr>
             <a:spLocks noGrp="1"/>
           </p:cNvSpPr>
@@ -12246,86 +13514,91 @@
                 <a:latin typeface="Arial" panose="020B0604020202020204" pitchFamily="34" charset="0"/>
                 <a:cs typeface="Arial" panose="020B0604020202020204" pitchFamily="34" charset="0"/>
               </a:rPr>
-              <a:t>Data Entry</a:t>
+              <a:t>Continuous </a:t>
+            </a:r>
+            <a:r>
+              <a:rPr lang="en-US" sz="2600" dirty="0" smtClean="0">
+                <a:latin typeface="Arial" panose="020B0604020202020204" pitchFamily="34" charset="0"/>
+                <a:cs typeface="Arial" panose="020B0604020202020204" pitchFamily="34" charset="0"/>
+              </a:rPr>
+              <a:t>Variable</a:t>
             </a:r>
           </a:p>
           <a:p>
             <a:pPr lvl="1"/>
             <a:r>
-              <a:rPr lang="en-US" dirty="0" smtClean="0">
-                <a:latin typeface="Arial" panose="020B0604020202020204" pitchFamily="34" charset="0"/>
-                <a:cs typeface="Arial" panose="020B0604020202020204" pitchFamily="34" charset="0"/>
-              </a:rPr>
-              <a:t>First Step: Usable format</a:t>
+              <a:rPr lang="en-US" sz="2300" dirty="0" smtClean="0">
+                <a:latin typeface="Arial" panose="020B0604020202020204" pitchFamily="34" charset="0"/>
+                <a:cs typeface="Arial" panose="020B0604020202020204" pitchFamily="34" charset="0"/>
+              </a:rPr>
+              <a:t>A </a:t>
+            </a:r>
+            <a:r>
+              <a:rPr lang="en-US" sz="2300" dirty="0" smtClean="0">
+                <a:latin typeface="Arial" panose="020B0604020202020204" pitchFamily="34" charset="0"/>
+                <a:cs typeface="Arial" panose="020B0604020202020204" pitchFamily="34" charset="0"/>
+              </a:rPr>
+              <a:t>variable whose attributes form a steady progression</a:t>
             </a:r>
           </a:p>
           <a:p>
             <a:pPr lvl="2"/>
             <a:r>
-              <a:rPr lang="en-US" dirty="0" smtClean="0">
-                <a:latin typeface="Arial" panose="020B0604020202020204" pitchFamily="34" charset="0"/>
-                <a:cs typeface="Arial" panose="020B0604020202020204" pitchFamily="34" charset="0"/>
-              </a:rPr>
-              <a:t>Excel (.</a:t>
-            </a:r>
-            <a:r>
-              <a:rPr lang="en-US" dirty="0" err="1" smtClean="0">
-                <a:latin typeface="Arial" panose="020B0604020202020204" pitchFamily="34" charset="0"/>
-                <a:cs typeface="Arial" panose="020B0604020202020204" pitchFamily="34" charset="0"/>
-              </a:rPr>
-              <a:t>csv</a:t>
-            </a:r>
-            <a:r>
-              <a:rPr lang="en-US" dirty="0" smtClean="0">
-                <a:latin typeface="Arial" panose="020B0604020202020204" pitchFamily="34" charset="0"/>
-                <a:cs typeface="Arial" panose="020B0604020202020204" pitchFamily="34" charset="0"/>
-              </a:rPr>
-              <a:t>)</a:t>
-            </a:r>
-          </a:p>
-          <a:p>
-            <a:pPr lvl="1"/>
-            <a:r>
-              <a:rPr lang="en-US" dirty="0" smtClean="0">
-                <a:latin typeface="Arial" panose="020B0604020202020204" pitchFamily="34" charset="0"/>
-                <a:cs typeface="Arial" panose="020B0604020202020204" pitchFamily="34" charset="0"/>
-              </a:rPr>
-              <a:t>Second Step: Analysis software</a:t>
-            </a:r>
-          </a:p>
-          <a:p>
-            <a:pPr lvl="2"/>
-            <a:r>
-              <a:rPr lang="en-US" dirty="0" smtClean="0">
-                <a:latin typeface="Arial" panose="020B0604020202020204" pitchFamily="34" charset="0"/>
-                <a:cs typeface="Arial" panose="020B0604020202020204" pitchFamily="34" charset="0"/>
-              </a:rPr>
-              <a:t>SPSS</a:t>
-            </a:r>
-          </a:p>
-          <a:p>
-            <a:pPr lvl="2"/>
-            <a:r>
-              <a:rPr lang="en-US" dirty="0" smtClean="0">
-                <a:latin typeface="Arial" panose="020B0604020202020204" pitchFamily="34" charset="0"/>
-                <a:cs typeface="Arial" panose="020B0604020202020204" pitchFamily="34" charset="0"/>
-              </a:rPr>
-              <a:t>STATA</a:t>
-            </a:r>
-          </a:p>
-          <a:p>
-            <a:pPr lvl="2"/>
-            <a:r>
-              <a:rPr lang="en-US" dirty="0">
-                <a:latin typeface="Arial" panose="020B0604020202020204" pitchFamily="34" charset="0"/>
-                <a:cs typeface="Arial" panose="020B0604020202020204" pitchFamily="34" charset="0"/>
-              </a:rPr>
-              <a:t>R</a:t>
-            </a:r>
-            <a:endParaRPr lang="en-US" dirty="0" smtClean="0">
+              <a:rPr lang="en-US" sz="2000" dirty="0" smtClean="0">
+                <a:latin typeface="Arial" panose="020B0604020202020204" pitchFamily="34" charset="0"/>
+                <a:cs typeface="Arial" panose="020B0604020202020204" pitchFamily="34" charset="0"/>
+              </a:rPr>
+              <a:t>Interval variables: age, income</a:t>
+            </a:r>
+          </a:p>
+          <a:p>
+            <a:endParaRPr lang="en-US" sz="2600" dirty="0" smtClean="0">
               <a:latin typeface="Arial" panose="020B0604020202020204" pitchFamily="34" charset="0"/>
               <a:cs typeface="Arial" panose="020B0604020202020204" pitchFamily="34" charset="0"/>
             </a:endParaRPr>
+          </a:p>
+          <a:p>
+            <a:r>
+              <a:rPr lang="en-US" sz="2600" dirty="0" smtClean="0">
+                <a:latin typeface="Arial" panose="020B0604020202020204" pitchFamily="34" charset="0"/>
+                <a:cs typeface="Arial" panose="020B0604020202020204" pitchFamily="34" charset="0"/>
+              </a:rPr>
+              <a:t>Discrete/Categorical </a:t>
+            </a:r>
+            <a:r>
+              <a:rPr lang="en-US" sz="2600" dirty="0" smtClean="0">
+                <a:latin typeface="Arial" panose="020B0604020202020204" pitchFamily="34" charset="0"/>
+                <a:cs typeface="Arial" panose="020B0604020202020204" pitchFamily="34" charset="0"/>
+              </a:rPr>
+              <a:t>Variable</a:t>
+            </a:r>
+          </a:p>
+          <a:p>
+            <a:pPr lvl="1"/>
+            <a:r>
+              <a:rPr lang="en-US" sz="2300" dirty="0" smtClean="0">
+                <a:latin typeface="Arial" panose="020B0604020202020204" pitchFamily="34" charset="0"/>
+                <a:cs typeface="Arial" panose="020B0604020202020204" pitchFamily="34" charset="0"/>
+              </a:rPr>
+              <a:t>A </a:t>
+            </a:r>
+            <a:r>
+              <a:rPr lang="en-US" sz="2300" dirty="0" smtClean="0">
+                <a:latin typeface="Arial" panose="020B0604020202020204" pitchFamily="34" charset="0"/>
+                <a:cs typeface="Arial" panose="020B0604020202020204" pitchFamily="34" charset="0"/>
+              </a:rPr>
+              <a:t>variable whose attributes are separate from one another</a:t>
+            </a:r>
+          </a:p>
+          <a:p>
+            <a:pPr lvl="2"/>
+            <a:r>
+              <a:rPr lang="en-US" sz="2000" dirty="0" smtClean="0">
+                <a:latin typeface="Arial" panose="020B0604020202020204" pitchFamily="34" charset="0"/>
+                <a:cs typeface="Arial" panose="020B0604020202020204" pitchFamily="34" charset="0"/>
+              </a:rPr>
+              <a:t>Nominal or ordinal variables: gender, political affiliation, socio-economic status.</a:t>
+            </a:r>
           </a:p>
         </p:txBody>
       </p:sp>
